--- a/presentation/Epicdemics_presentation.pptx
+++ b/presentation/Epicdemics_presentation.pptx
@@ -5,19 +5,22 @@
     <p:sldMasterId id="2147483660" r:id="rId1"/>
   </p:sldMasterIdLst>
   <p:notesMasterIdLst>
-    <p:notesMasterId r:id="rId12"/>
+    <p:notesMasterId r:id="rId15"/>
   </p:notesMasterIdLst>
   <p:sldIdLst>
     <p:sldId id="256" r:id="rId2"/>
-    <p:sldId id="258" r:id="rId3"/>
-    <p:sldId id="259" r:id="rId4"/>
-    <p:sldId id="261" r:id="rId5"/>
-    <p:sldId id="262" r:id="rId6"/>
-    <p:sldId id="263" r:id="rId7"/>
-    <p:sldId id="264" r:id="rId8"/>
-    <p:sldId id="265" r:id="rId9"/>
-    <p:sldId id="260" r:id="rId10"/>
-    <p:sldId id="266" r:id="rId11"/>
+    <p:sldId id="261" r:id="rId3"/>
+    <p:sldId id="268" r:id="rId4"/>
+    <p:sldId id="258" r:id="rId5"/>
+    <p:sldId id="259" r:id="rId6"/>
+    <p:sldId id="262" r:id="rId7"/>
+    <p:sldId id="263" r:id="rId8"/>
+    <p:sldId id="269" r:id="rId9"/>
+    <p:sldId id="264" r:id="rId10"/>
+    <p:sldId id="267" r:id="rId11"/>
+    <p:sldId id="260" r:id="rId12"/>
+    <p:sldId id="265" r:id="rId13"/>
+    <p:sldId id="266" r:id="rId14"/>
   </p:sldIdLst>
   <p:sldSz cx="9144000" cy="6858000" type="screen4x3"/>
   <p:notesSz cx="6858000" cy="9144000"/>
@@ -201,7 +204,8 @@
           <a:p>
             <a:fld id="{5EB728CB-F678-4CD9-8356-8BA5EBE38B4B}" type="datetimeFigureOut">
               <a:rPr lang="de-CH" smtClean="0"/>
-              <a:t>26.05.2012</a:t>
+              <a:pPr/>
+              <a:t>28.05.2012</a:t>
             </a:fld>
             <a:endParaRPr lang="de-CH"/>
           </a:p>
@@ -362,6 +366,7 @@
           <a:p>
             <a:fld id="{CFAE98EF-2201-4F4D-9B24-DD689E2AE74D}" type="slidenum">
               <a:rPr lang="de-CH" smtClean="0"/>
+              <a:pPr/>
               <a:t>‹Nr.›</a:t>
             </a:fld>
             <a:endParaRPr lang="de-CH"/>
@@ -761,7 +766,7 @@
           <a:p>
             <a:r>
               <a:rPr lang="de-DE" smtClean="0"/>
-              <a:t>Mittwoch, 29. Mai 2012</a:t>
+              <a:t>Mittwoch, 30. Mai 2012</a:t>
             </a:r>
             <a:endParaRPr lang="de-CH"/>
           </a:p>
@@ -784,6 +789,7 @@
           <a:p>
             <a:fld id="{B3DD1121-23E5-4B82-91E3-3154AA63DE81}" type="slidenum">
               <a:rPr lang="de-CH" smtClean="0"/>
+              <a:pPr/>
               <a:t>‹Nr.›</a:t>
             </a:fld>
             <a:endParaRPr lang="de-CH"/>
@@ -1157,7 +1163,7 @@
           <a:p>
             <a:r>
               <a:rPr lang="de-DE" smtClean="0"/>
-              <a:t>Mittwoch, 29. Mai 2012</a:t>
+              <a:t>Mittwoch, 30. Mai 2012</a:t>
             </a:r>
             <a:endParaRPr lang="de-CH"/>
           </a:p>
@@ -1180,6 +1186,7 @@
           <a:p>
             <a:fld id="{B3DD1121-23E5-4B82-91E3-3154AA63DE81}" type="slidenum">
               <a:rPr lang="de-CH" smtClean="0"/>
+              <a:pPr/>
               <a:t>‹Nr.›</a:t>
             </a:fld>
             <a:endParaRPr lang="de-CH"/>
@@ -1421,7 +1428,7 @@
           <a:p>
             <a:r>
               <a:rPr lang="de-DE" smtClean="0"/>
-              <a:t>Mittwoch, 29. Mai 2012</a:t>
+              <a:t>Mittwoch, 30. Mai 2012</a:t>
             </a:r>
             <a:endParaRPr lang="de-CH"/>
           </a:p>
@@ -1448,6 +1455,7 @@
           <a:p>
             <a:fld id="{B3DD1121-23E5-4B82-91E3-3154AA63DE81}" type="slidenum">
               <a:rPr lang="de-CH" smtClean="0"/>
+              <a:pPr/>
               <a:t>‹Nr.›</a:t>
             </a:fld>
             <a:endParaRPr lang="de-CH"/>
@@ -1664,7 +1672,7 @@
           <a:p>
             <a:r>
               <a:rPr lang="de-DE" smtClean="0"/>
-              <a:t>Mittwoch, 29. Mai 2012</a:t>
+              <a:t>Mittwoch, 30. Mai 2012</a:t>
             </a:r>
             <a:endParaRPr lang="de-CH"/>
           </a:p>
@@ -1691,6 +1699,7 @@
           <a:p>
             <a:fld id="{B3DD1121-23E5-4B82-91E3-3154AA63DE81}" type="slidenum">
               <a:rPr lang="de-CH" smtClean="0"/>
+              <a:pPr/>
               <a:t>‹Nr.›</a:t>
             </a:fld>
             <a:endParaRPr lang="de-CH"/>
@@ -1936,7 +1945,7 @@
           <a:p>
             <a:r>
               <a:rPr lang="de-DE" smtClean="0"/>
-              <a:t>Mittwoch, 29. Mai 2012</a:t>
+              <a:t>Mittwoch, 30. Mai 2012</a:t>
             </a:r>
             <a:endParaRPr lang="de-CH"/>
           </a:p>
@@ -1963,6 +1972,7 @@
           <a:p>
             <a:fld id="{B3DD1121-23E5-4B82-91E3-3154AA63DE81}" type="slidenum">
               <a:rPr lang="de-CH" smtClean="0"/>
+              <a:pPr/>
               <a:t>‹Nr.›</a:t>
             </a:fld>
             <a:endParaRPr lang="de-CH"/>
@@ -2068,7 +2078,7 @@
           <a:p>
             <a:r>
               <a:rPr lang="de-DE" smtClean="0"/>
-              <a:t>Mittwoch, 29. Mai 2012</a:t>
+              <a:t>Mittwoch, 30. Mai 2012</a:t>
             </a:r>
             <a:endParaRPr lang="de-CH"/>
           </a:p>
@@ -2095,6 +2105,7 @@
           <a:p>
             <a:fld id="{B3DD1121-23E5-4B82-91E3-3154AA63DE81}" type="slidenum">
               <a:rPr lang="de-CH" smtClean="0"/>
+              <a:pPr/>
               <a:t>‹Nr.›</a:t>
             </a:fld>
             <a:endParaRPr lang="de-CH"/>
@@ -2177,7 +2188,7 @@
           <a:p>
             <a:r>
               <a:rPr lang="de-DE" smtClean="0"/>
-              <a:t>Mittwoch, 29. Mai 2012</a:t>
+              <a:t>Mittwoch, 30. Mai 2012</a:t>
             </a:r>
             <a:endParaRPr lang="de-CH"/>
           </a:p>
@@ -2204,6 +2215,7 @@
           <a:p>
             <a:fld id="{B3DD1121-23E5-4B82-91E3-3154AA63DE81}" type="slidenum">
               <a:rPr lang="de-CH" smtClean="0"/>
+              <a:pPr/>
               <a:t>‹Nr.›</a:t>
             </a:fld>
             <a:endParaRPr lang="de-CH"/>
@@ -2286,7 +2298,7 @@
           <a:p>
             <a:r>
               <a:rPr lang="de-DE" smtClean="0"/>
-              <a:t>Mittwoch, 29. Mai 2012</a:t>
+              <a:t>Mittwoch, 30. Mai 2012</a:t>
             </a:r>
             <a:endParaRPr lang="de-CH"/>
           </a:p>
@@ -2313,6 +2325,7 @@
           <a:p>
             <a:fld id="{B3DD1121-23E5-4B82-91E3-3154AA63DE81}" type="slidenum">
               <a:rPr lang="de-CH" smtClean="0"/>
+              <a:pPr/>
               <a:t>‹Nr.›</a:t>
             </a:fld>
             <a:endParaRPr lang="de-CH"/>
@@ -2460,7 +2473,7 @@
           <a:p>
             <a:r>
               <a:rPr lang="de-DE" smtClean="0"/>
-              <a:t>Mittwoch, 29. Mai 2012</a:t>
+              <a:t>Mittwoch, 30. Mai 2012</a:t>
             </a:r>
             <a:endParaRPr lang="de-CH"/>
           </a:p>
@@ -2487,6 +2500,7 @@
           <a:p>
             <a:fld id="{B3DD1121-23E5-4B82-91E3-3154AA63DE81}" type="slidenum">
               <a:rPr lang="de-CH" smtClean="0"/>
+              <a:pPr/>
               <a:t>‹Nr.›</a:t>
             </a:fld>
             <a:endParaRPr lang="de-CH"/>
@@ -3023,7 +3037,7 @@
           <a:p>
             <a:r>
               <a:rPr lang="de-DE" smtClean="0"/>
-              <a:t>Mittwoch, 29. Mai 2012</a:t>
+              <a:t>Mittwoch, 30. Mai 2012</a:t>
             </a:r>
             <a:endParaRPr lang="de-CH"/>
           </a:p>
@@ -3082,6 +3096,7 @@
           <a:p>
             <a:fld id="{B3DD1121-23E5-4B82-91E3-3154AA63DE81}" type="slidenum">
               <a:rPr lang="de-CH" smtClean="0"/>
+              <a:pPr/>
               <a:t>‹Nr.›</a:t>
             </a:fld>
             <a:endParaRPr lang="de-CH"/>
@@ -3830,6 +3845,7 @@
           <a:p>
             <a:fld id="{B3DD1121-23E5-4B82-91E3-3154AA63DE81}" type="slidenum">
               <a:rPr lang="de-CH" smtClean="0"/>
+              <a:pPr/>
               <a:t>1</a:t>
             </a:fld>
             <a:endParaRPr lang="de-CH"/>
@@ -3876,7 +3892,7 @@
           <a:p>
             <a:r>
               <a:rPr lang="de-DE" smtClean="0"/>
-              <a:t>Mittwoch, 29. Mai 2012</a:t>
+              <a:t>Mittwoch, 30. Mai 2012</a:t>
             </a:r>
             <a:endParaRPr lang="de-CH"/>
           </a:p>
@@ -3926,10 +3942,10 @@
           <a:lstStyle/>
           <a:p>
             <a:r>
-              <a:rPr lang="de-CH" dirty="0" smtClean="0"/>
-              <a:t>References</a:t>
-            </a:r>
-            <a:endParaRPr lang="de-CH" dirty="0"/>
+              <a:rPr lang="en-US" dirty="0" smtClean="0"/>
+              <a:t>Results</a:t>
+            </a:r>
+            <a:endParaRPr lang="en-US" dirty="0"/>
           </a:p>
         </p:txBody>
       </p:sp>
@@ -3948,122 +3964,7 @@
           <a:bodyPr/>
           <a:lstStyle/>
           <a:p>
-            <a:r>
-              <a:rPr lang="de-CH" dirty="0" smtClean="0"/>
-              <a:t>[1]:</a:t>
-            </a:r>
-            <a:r>
-              <a:rPr lang="en-GB" dirty="0" err="1" smtClean="0"/>
-              <a:t>Berliant</a:t>
-            </a:r>
-            <a:r>
-              <a:rPr lang="en-GB" dirty="0" smtClean="0"/>
-              <a:t> M. and Watanabe H, "A Scale-Free Network Structure Explains the City-Size Distribution." mimeo </a:t>
-            </a:r>
-            <a:r>
-              <a:rPr lang="en-GB" b="1" dirty="0" smtClean="0"/>
-              <a:t>1-11, </a:t>
-            </a:r>
-            <a:r>
-              <a:rPr lang="en-GB" dirty="0" smtClean="0"/>
-              <a:t>2008.</a:t>
-            </a:r>
-            <a:endParaRPr lang="de-CH" dirty="0" smtClean="0"/>
-          </a:p>
-          <a:p>
-            <a:pPr lvl="0"/>
-            <a:r>
-              <a:rPr lang="de-CH" dirty="0" smtClean="0"/>
-              <a:t>[2]:</a:t>
-            </a:r>
-            <a:r>
-              <a:rPr lang="en-GB" dirty="0" smtClean="0"/>
-              <a:t>Just T and Stephan P, "Die </a:t>
-            </a:r>
-            <a:r>
-              <a:rPr lang="en-GB" dirty="0" err="1" smtClean="0"/>
-              <a:t>seltsam</a:t>
-            </a:r>
-            <a:r>
-              <a:rPr lang="en-GB" dirty="0" smtClean="0"/>
-              <a:t> stabile </a:t>
-            </a:r>
-            <a:r>
-              <a:rPr lang="en-GB" dirty="0" err="1" smtClean="0"/>
-              <a:t>Größenstruktur</a:t>
-            </a:r>
-            <a:r>
-              <a:rPr lang="en-GB" dirty="0" smtClean="0"/>
-              <a:t> </a:t>
-            </a:r>
-            <a:r>
-              <a:rPr lang="en-GB" dirty="0" err="1" smtClean="0"/>
-              <a:t>deutscher</a:t>
-            </a:r>
-            <a:r>
-              <a:rPr lang="en-GB" dirty="0" smtClean="0"/>
-              <a:t> </a:t>
-            </a:r>
-            <a:r>
-              <a:rPr lang="en-GB" dirty="0" err="1" smtClean="0"/>
-              <a:t>Städte</a:t>
-            </a:r>
-            <a:r>
-              <a:rPr lang="en-GB" dirty="0" smtClean="0"/>
-              <a:t>: Das </a:t>
-            </a:r>
-            <a:r>
-              <a:rPr lang="en-GB" dirty="0" err="1" smtClean="0"/>
-              <a:t>Zipfsche</a:t>
-            </a:r>
-            <a:r>
-              <a:rPr lang="en-GB" dirty="0" smtClean="0"/>
-              <a:t> </a:t>
-            </a:r>
-            <a:r>
-              <a:rPr lang="en-GB" dirty="0" err="1" smtClean="0"/>
-              <a:t>Gesetz</a:t>
-            </a:r>
-            <a:r>
-              <a:rPr lang="en-GB" dirty="0" smtClean="0"/>
-              <a:t> und seine </a:t>
-            </a:r>
-            <a:r>
-              <a:rPr lang="en-GB" dirty="0" err="1" smtClean="0"/>
-              <a:t>Implikationen</a:t>
-            </a:r>
-            <a:r>
-              <a:rPr lang="en-GB" dirty="0" smtClean="0"/>
-              <a:t> </a:t>
-            </a:r>
-            <a:r>
-              <a:rPr lang="en-GB" dirty="0" err="1" smtClean="0"/>
-              <a:t>für</a:t>
-            </a:r>
-            <a:r>
-              <a:rPr lang="en-GB" dirty="0" smtClean="0"/>
-              <a:t> urbane </a:t>
-            </a:r>
-            <a:r>
-              <a:rPr lang="en-GB" dirty="0" err="1" smtClean="0"/>
-              <a:t>Regionen</a:t>
-            </a:r>
-            <a:r>
-              <a:rPr lang="en-GB" dirty="0" smtClean="0"/>
-              <a:t>." Deutsche Bank Research, No </a:t>
-            </a:r>
-            <a:r>
-              <a:rPr lang="en-GB" b="1" dirty="0" smtClean="0"/>
-              <a:t>31</a:t>
-            </a:r>
-            <a:r>
-              <a:rPr lang="en-GB" dirty="0" smtClean="0"/>
-              <a:t>, 2009; </a:t>
-            </a:r>
-            <a:endParaRPr lang="de-CH" dirty="0" smtClean="0"/>
-          </a:p>
-          <a:p>
-            <a:endParaRPr lang="de-CH" dirty="0"/>
+            <a:endParaRPr lang="en-US"/>
           </a:p>
         </p:txBody>
       </p:sp>
@@ -4084,7 +3985,7 @@
           <a:p>
             <a:r>
               <a:rPr lang="de-DE" smtClean="0"/>
-              <a:t>Mittwoch, 29. Mai 2012</a:t>
+              <a:t>Mittwoch, 30. Mai 2012</a:t>
             </a:r>
             <a:endParaRPr lang="de-CH"/>
           </a:p>
@@ -4107,6 +4008,7 @@
           <a:p>
             <a:fld id="{B3DD1121-23E5-4B82-91E3-3154AA63DE81}" type="slidenum">
               <a:rPr lang="de-CH" smtClean="0"/>
+              <a:pPr/>
               <a:t>10</a:t>
             </a:fld>
             <a:endParaRPr lang="de-CH"/>
@@ -4144,6 +4046,725 @@
   <p:transition spd="slow">
     <p:fade/>
   </p:transition>
+</p:sld>
+</file>
+
+<file path=ppt/slides/slide11.xml><?xml version="1.0" encoding="utf-8"?>
+<p:sld xmlns:a="http://schemas.openxmlformats.org/drawingml/2006/main" xmlns:r="http://schemas.openxmlformats.org/officeDocument/2006/relationships" xmlns:p="http://schemas.openxmlformats.org/presentationml/2006/main">
+  <p:cSld>
+    <p:spTree>
+      <p:nvGrpSpPr>
+        <p:cNvPr id="1" name=""/>
+        <p:cNvGrpSpPr/>
+        <p:nvPr/>
+      </p:nvGrpSpPr>
+      <p:grpSpPr>
+        <a:xfrm>
+          <a:off x="0" y="0"/>
+          <a:ext cx="0" cy="0"/>
+          <a:chOff x="0" y="0"/>
+          <a:chExt cx="0" cy="0"/>
+        </a:xfrm>
+      </p:grpSpPr>
+      <p:sp>
+        <p:nvSpPr>
+          <p:cNvPr id="10" name="Titel 9"/>
+          <p:cNvSpPr>
+            <a:spLocks noGrp="1"/>
+          </p:cNvSpPr>
+          <p:nvPr>
+            <p:ph type="title"/>
+          </p:nvPr>
+        </p:nvSpPr>
+        <p:spPr/>
+        <p:txBody>
+          <a:bodyPr/>
+          <a:lstStyle/>
+          <a:p>
+            <a:r>
+              <a:rPr lang="de-CH" dirty="0" err="1" smtClean="0"/>
+              <a:t>Movie</a:t>
+            </a:r>
+            <a:r>
+              <a:rPr lang="de-CH" dirty="0" smtClean="0"/>
+              <a:t> </a:t>
+            </a:r>
+            <a:r>
+              <a:rPr lang="de-CH" dirty="0" err="1" smtClean="0"/>
+              <a:t>of</a:t>
+            </a:r>
+            <a:r>
+              <a:rPr lang="de-CH" dirty="0" smtClean="0"/>
+              <a:t> </a:t>
+            </a:r>
+            <a:r>
+              <a:rPr lang="de-CH" dirty="0" err="1" smtClean="0"/>
+              <a:t>the</a:t>
+            </a:r>
+            <a:r>
+              <a:rPr lang="de-CH" dirty="0" smtClean="0"/>
+              <a:t> </a:t>
+            </a:r>
+            <a:r>
+              <a:rPr lang="de-CH" dirty="0" err="1" smtClean="0"/>
+              <a:t>disease</a:t>
+            </a:r>
+            <a:r>
+              <a:rPr lang="de-CH" dirty="0" smtClean="0"/>
+              <a:t> </a:t>
+            </a:r>
+            <a:r>
+              <a:rPr lang="de-CH" dirty="0" err="1" smtClean="0"/>
+              <a:t>spreading</a:t>
+            </a:r>
+            <a:r>
+              <a:rPr lang="de-CH" dirty="0" smtClean="0"/>
+              <a:t> </a:t>
+            </a:r>
+            <a:endParaRPr lang="de-CH" dirty="0"/>
+          </a:p>
+        </p:txBody>
+      </p:sp>
+      <p:sp>
+        <p:nvSpPr>
+          <p:cNvPr id="5" name="Datumsplatzhalter 4"/>
+          <p:cNvSpPr>
+            <a:spLocks noGrp="1"/>
+          </p:cNvSpPr>
+          <p:nvPr>
+            <p:ph type="dt" sz="half" idx="10"/>
+          </p:nvPr>
+        </p:nvSpPr>
+        <p:spPr/>
+        <p:txBody>
+          <a:bodyPr/>
+          <a:lstStyle/>
+          <a:p>
+            <a:r>
+              <a:rPr lang="de-DE" smtClean="0"/>
+              <a:t>Mittwoch, 30. Mai 2012</a:t>
+            </a:r>
+            <a:endParaRPr lang="de-CH" dirty="0"/>
+          </a:p>
+        </p:txBody>
+      </p:sp>
+      <p:sp>
+        <p:nvSpPr>
+          <p:cNvPr id="6" name="Foliennummernplatzhalter 5"/>
+          <p:cNvSpPr>
+            <a:spLocks noGrp="1"/>
+          </p:cNvSpPr>
+          <p:nvPr>
+            <p:ph type="sldNum" sz="quarter" idx="11"/>
+          </p:nvPr>
+        </p:nvSpPr>
+        <p:spPr/>
+        <p:txBody>
+          <a:bodyPr/>
+          <a:lstStyle/>
+          <a:p>
+            <a:fld id="{B3DD1121-23E5-4B82-91E3-3154AA63DE81}" type="slidenum">
+              <a:rPr lang="de-CH" smtClean="0"/>
+              <a:pPr/>
+              <a:t>11</a:t>
+            </a:fld>
+            <a:endParaRPr lang="de-CH" dirty="0"/>
+          </a:p>
+        </p:txBody>
+      </p:sp>
+      <p:sp>
+        <p:nvSpPr>
+          <p:cNvPr id="7" name="Fußzeilenplatzhalter 6"/>
+          <p:cNvSpPr>
+            <a:spLocks noGrp="1"/>
+          </p:cNvSpPr>
+          <p:nvPr>
+            <p:ph type="ftr" sz="quarter" idx="12"/>
+          </p:nvPr>
+        </p:nvSpPr>
+        <p:spPr/>
+        <p:txBody>
+          <a:bodyPr/>
+          <a:lstStyle/>
+          <a:p>
+            <a:r>
+              <a:rPr lang="en-US" dirty="0" smtClean="0"/>
+              <a:t>Christian </a:t>
+            </a:r>
+            <a:r>
+              <a:rPr lang="en-US" dirty="0" err="1" smtClean="0"/>
+              <a:t>Jordi</a:t>
+            </a:r>
+            <a:r>
+              <a:rPr lang="en-US" dirty="0" smtClean="0"/>
+              <a:t>, </a:t>
+            </a:r>
+            <a:r>
+              <a:rPr lang="en-US" dirty="0" err="1" smtClean="0"/>
+              <a:t>Yannick</a:t>
+            </a:r>
+            <a:r>
+              <a:rPr lang="en-US" dirty="0" smtClean="0"/>
+              <a:t> </a:t>
+            </a:r>
+            <a:r>
+              <a:rPr lang="en-US" dirty="0" err="1" smtClean="0"/>
+              <a:t>Schmid</a:t>
+            </a:r>
+            <a:r>
+              <a:rPr lang="en-US" dirty="0" smtClean="0"/>
+              <a:t>, Pascal </a:t>
+            </a:r>
+            <a:r>
+              <a:rPr lang="en-US" dirty="0" err="1" smtClean="0"/>
+              <a:t>Stücheli</a:t>
+            </a:r>
+            <a:endParaRPr lang="de-CH" dirty="0"/>
+          </a:p>
+        </p:txBody>
+      </p:sp>
+      <p:sp>
+        <p:nvSpPr>
+          <p:cNvPr id="15" name="Inhaltsplatzhalter 14"/>
+          <p:cNvSpPr>
+            <a:spLocks noGrp="1"/>
+          </p:cNvSpPr>
+          <p:nvPr>
+            <p:ph idx="1"/>
+          </p:nvPr>
+        </p:nvSpPr>
+        <p:spPr/>
+        <p:txBody>
+          <a:bodyPr/>
+          <a:lstStyle/>
+          <a:p>
+            <a:r>
+              <a:rPr lang="de-CH" dirty="0" err="1" smtClean="0"/>
+              <a:t>Infection</a:t>
+            </a:r>
+            <a:r>
+              <a:rPr lang="de-CH" dirty="0" smtClean="0"/>
+              <a:t> </a:t>
+            </a:r>
+            <a:r>
+              <a:rPr lang="de-CH" dirty="0" err="1" smtClean="0"/>
+              <a:t>of</a:t>
+            </a:r>
+            <a:r>
+              <a:rPr lang="de-CH" dirty="0" smtClean="0"/>
+              <a:t> a 500 </a:t>
+            </a:r>
+            <a:r>
+              <a:rPr lang="de-CH" dirty="0" err="1" smtClean="0"/>
+              <a:t>city</a:t>
+            </a:r>
+            <a:r>
+              <a:rPr lang="de-CH" dirty="0" smtClean="0"/>
+              <a:t> </a:t>
+            </a:r>
+            <a:r>
+              <a:rPr lang="de-CH" dirty="0" err="1" smtClean="0"/>
+              <a:t>network</a:t>
+            </a:r>
+            <a:endParaRPr lang="de-CH" dirty="0" smtClean="0"/>
+          </a:p>
+          <a:p>
+            <a:r>
+              <a:rPr lang="de-CH" dirty="0" smtClean="0"/>
+              <a:t>The </a:t>
+            </a:r>
+            <a:r>
+              <a:rPr lang="de-CH" dirty="0" err="1" smtClean="0"/>
+              <a:t>colour</a:t>
+            </a:r>
+            <a:r>
+              <a:rPr lang="de-CH" dirty="0" smtClean="0"/>
+              <a:t> </a:t>
+            </a:r>
+            <a:r>
+              <a:rPr lang="de-CH" dirty="0" err="1" smtClean="0"/>
+              <a:t>scale</a:t>
+            </a:r>
+            <a:r>
+              <a:rPr lang="de-CH" dirty="0" smtClean="0"/>
+              <a:t> </a:t>
+            </a:r>
+            <a:r>
+              <a:rPr lang="de-CH" dirty="0" err="1" smtClean="0"/>
+              <a:t>is</a:t>
+            </a:r>
+            <a:r>
+              <a:rPr lang="de-CH" dirty="0" smtClean="0"/>
+              <a:t> not linear, </a:t>
+            </a:r>
+            <a:r>
+              <a:rPr lang="de-CH" dirty="0" err="1" smtClean="0"/>
+              <a:t>small</a:t>
+            </a:r>
+            <a:r>
+              <a:rPr lang="de-CH" dirty="0" smtClean="0"/>
+              <a:t> </a:t>
+            </a:r>
+            <a:r>
+              <a:rPr lang="de-CH" dirty="0" err="1" smtClean="0"/>
+              <a:t>infected</a:t>
+            </a:r>
+            <a:r>
+              <a:rPr lang="de-CH" dirty="0" smtClean="0"/>
+              <a:t> </a:t>
+            </a:r>
+            <a:r>
+              <a:rPr lang="de-CH" dirty="0" err="1" smtClean="0"/>
+              <a:t>numbers</a:t>
+            </a:r>
+            <a:r>
+              <a:rPr lang="de-CH" dirty="0" smtClean="0"/>
+              <a:t> </a:t>
+            </a:r>
+            <a:r>
+              <a:rPr lang="de-CH" dirty="0" err="1" smtClean="0"/>
+              <a:t>are</a:t>
+            </a:r>
+            <a:r>
+              <a:rPr lang="de-CH" dirty="0" smtClean="0"/>
+              <a:t> </a:t>
+            </a:r>
+            <a:r>
+              <a:rPr lang="de-CH" dirty="0" err="1" smtClean="0"/>
+              <a:t>shown</a:t>
+            </a:r>
+            <a:r>
+              <a:rPr lang="de-CH" dirty="0" smtClean="0"/>
+              <a:t> </a:t>
+            </a:r>
+            <a:r>
+              <a:rPr lang="de-CH" dirty="0" err="1" smtClean="0"/>
+              <a:t>stronger</a:t>
+            </a:r>
+            <a:endParaRPr lang="de-CH" dirty="0" smtClean="0"/>
+          </a:p>
+          <a:p>
+            <a:endParaRPr lang="de-CH" dirty="0"/>
+          </a:p>
+        </p:txBody>
+      </p:sp>
+    </p:spTree>
+  </p:cSld>
+  <p:clrMapOvr>
+    <a:masterClrMapping/>
+  </p:clrMapOvr>
+  <p:transition spd="slow">
+    <p:fade/>
+  </p:transition>
+  <p:timing>
+    <p:tnLst>
+      <p:par>
+        <p:cTn id="1" dur="indefinite" restart="never" nodeType="tmRoot"/>
+      </p:par>
+    </p:tnLst>
+  </p:timing>
+</p:sld>
+</file>
+
+<file path=ppt/slides/slide12.xml><?xml version="1.0" encoding="utf-8"?>
+<p:sld xmlns:a="http://schemas.openxmlformats.org/drawingml/2006/main" xmlns:r="http://schemas.openxmlformats.org/officeDocument/2006/relationships" xmlns:p="http://schemas.openxmlformats.org/presentationml/2006/main">
+  <p:cSld>
+    <p:spTree>
+      <p:nvGrpSpPr>
+        <p:cNvPr id="1" name=""/>
+        <p:cNvGrpSpPr/>
+        <p:nvPr/>
+      </p:nvGrpSpPr>
+      <p:grpSpPr>
+        <a:xfrm>
+          <a:off x="0" y="0"/>
+          <a:ext cx="0" cy="0"/>
+          <a:chOff x="0" y="0"/>
+          <a:chExt cx="0" cy="0"/>
+        </a:xfrm>
+      </p:grpSpPr>
+      <p:sp>
+        <p:nvSpPr>
+          <p:cNvPr id="2" name="Titel 1"/>
+          <p:cNvSpPr>
+            <a:spLocks noGrp="1"/>
+          </p:cNvSpPr>
+          <p:nvPr>
+            <p:ph type="title"/>
+          </p:nvPr>
+        </p:nvSpPr>
+        <p:spPr/>
+        <p:txBody>
+          <a:bodyPr/>
+          <a:lstStyle/>
+          <a:p>
+            <a:r>
+              <a:rPr lang="de-CH" dirty="0" err="1" smtClean="0"/>
+              <a:t>Discussion</a:t>
+            </a:r>
+            <a:endParaRPr lang="de-CH" dirty="0"/>
+          </a:p>
+        </p:txBody>
+      </p:sp>
+      <p:sp>
+        <p:nvSpPr>
+          <p:cNvPr id="3" name="Inhaltsplatzhalter 2"/>
+          <p:cNvSpPr>
+            <a:spLocks noGrp="1"/>
+          </p:cNvSpPr>
+          <p:nvPr>
+            <p:ph idx="1"/>
+          </p:nvPr>
+        </p:nvSpPr>
+        <p:spPr/>
+        <p:txBody>
+          <a:bodyPr/>
+          <a:lstStyle/>
+          <a:p>
+            <a:endParaRPr lang="de-CH"/>
+          </a:p>
+        </p:txBody>
+      </p:sp>
+      <p:sp>
+        <p:nvSpPr>
+          <p:cNvPr id="4" name="Datumsplatzhalter 3"/>
+          <p:cNvSpPr>
+            <a:spLocks noGrp="1"/>
+          </p:cNvSpPr>
+          <p:nvPr>
+            <p:ph type="dt" sz="half" idx="10"/>
+          </p:nvPr>
+        </p:nvSpPr>
+        <p:spPr/>
+        <p:txBody>
+          <a:bodyPr/>
+          <a:lstStyle/>
+          <a:p>
+            <a:r>
+              <a:rPr lang="de-DE" smtClean="0"/>
+              <a:t>Mittwoch, 30. Mai 2012</a:t>
+            </a:r>
+            <a:endParaRPr lang="de-CH"/>
+          </a:p>
+        </p:txBody>
+      </p:sp>
+      <p:sp>
+        <p:nvSpPr>
+          <p:cNvPr id="5" name="Foliennummernplatzhalter 4"/>
+          <p:cNvSpPr>
+            <a:spLocks noGrp="1"/>
+          </p:cNvSpPr>
+          <p:nvPr>
+            <p:ph type="sldNum" sz="quarter" idx="11"/>
+          </p:nvPr>
+        </p:nvSpPr>
+        <p:spPr/>
+        <p:txBody>
+          <a:bodyPr/>
+          <a:lstStyle/>
+          <a:p>
+            <a:fld id="{B3DD1121-23E5-4B82-91E3-3154AA63DE81}" type="slidenum">
+              <a:rPr lang="de-CH" smtClean="0"/>
+              <a:pPr/>
+              <a:t>12</a:t>
+            </a:fld>
+            <a:endParaRPr lang="de-CH"/>
+          </a:p>
+        </p:txBody>
+      </p:sp>
+      <p:sp>
+        <p:nvSpPr>
+          <p:cNvPr id="6" name="Fußzeilenplatzhalter 5"/>
+          <p:cNvSpPr>
+            <a:spLocks noGrp="1"/>
+          </p:cNvSpPr>
+          <p:nvPr>
+            <p:ph type="ftr" sz="quarter" idx="12"/>
+          </p:nvPr>
+        </p:nvSpPr>
+        <p:spPr/>
+        <p:txBody>
+          <a:bodyPr/>
+          <a:lstStyle/>
+          <a:p>
+            <a:r>
+              <a:rPr lang="en-US" smtClean="0"/>
+              <a:t>Christian Jordi, Yannick Schmid, Pascal Stücheli</a:t>
+            </a:r>
+            <a:endParaRPr lang="de-CH"/>
+          </a:p>
+        </p:txBody>
+      </p:sp>
+    </p:spTree>
+  </p:cSld>
+  <p:clrMapOvr>
+    <a:masterClrMapping/>
+  </p:clrMapOvr>
+  <p:transition spd="slow">
+    <p:fade/>
+  </p:transition>
+</p:sld>
+</file>
+
+<file path=ppt/slides/slide13.xml><?xml version="1.0" encoding="utf-8"?>
+<p:sld xmlns:a="http://schemas.openxmlformats.org/drawingml/2006/main" xmlns:r="http://schemas.openxmlformats.org/officeDocument/2006/relationships" xmlns:p="http://schemas.openxmlformats.org/presentationml/2006/main">
+  <p:cSld>
+    <p:spTree>
+      <p:nvGrpSpPr>
+        <p:cNvPr id="1" name=""/>
+        <p:cNvGrpSpPr/>
+        <p:nvPr/>
+      </p:nvGrpSpPr>
+      <p:grpSpPr>
+        <a:xfrm>
+          <a:off x="0" y="0"/>
+          <a:ext cx="0" cy="0"/>
+          <a:chOff x="0" y="0"/>
+          <a:chExt cx="0" cy="0"/>
+        </a:xfrm>
+      </p:grpSpPr>
+      <p:sp>
+        <p:nvSpPr>
+          <p:cNvPr id="2" name="Titel 1"/>
+          <p:cNvSpPr>
+            <a:spLocks noGrp="1"/>
+          </p:cNvSpPr>
+          <p:nvPr>
+            <p:ph type="title"/>
+          </p:nvPr>
+        </p:nvSpPr>
+        <p:spPr/>
+        <p:txBody>
+          <a:bodyPr/>
+          <a:lstStyle/>
+          <a:p>
+            <a:r>
+              <a:rPr lang="de-CH" dirty="0" smtClean="0"/>
+              <a:t>References</a:t>
+            </a:r>
+            <a:endParaRPr lang="de-CH" dirty="0"/>
+          </a:p>
+        </p:txBody>
+      </p:sp>
+      <p:sp>
+        <p:nvSpPr>
+          <p:cNvPr id="3" name="Inhaltsplatzhalter 2"/>
+          <p:cNvSpPr>
+            <a:spLocks noGrp="1"/>
+          </p:cNvSpPr>
+          <p:nvPr>
+            <p:ph idx="1"/>
+          </p:nvPr>
+        </p:nvSpPr>
+        <p:spPr/>
+        <p:txBody>
+          <a:bodyPr/>
+          <a:lstStyle/>
+          <a:p>
+            <a:r>
+              <a:rPr lang="de-CH" dirty="0" smtClean="0"/>
+              <a:t>[1]:</a:t>
+            </a:r>
+            <a:r>
+              <a:rPr lang="en-GB" dirty="0" err="1" smtClean="0"/>
+              <a:t>Berliant</a:t>
+            </a:r>
+            <a:r>
+              <a:rPr lang="en-GB" dirty="0" smtClean="0"/>
+              <a:t> M. and Watanabe H, "A Scale-Free Network Structure Explains the City-Size Distribution." mimeo </a:t>
+            </a:r>
+            <a:r>
+              <a:rPr lang="en-GB" b="1" dirty="0" smtClean="0"/>
+              <a:t>1-11, </a:t>
+            </a:r>
+            <a:r>
+              <a:rPr lang="en-GB" dirty="0" smtClean="0"/>
+              <a:t>2008.</a:t>
+            </a:r>
+            <a:endParaRPr lang="de-CH" dirty="0" smtClean="0"/>
+          </a:p>
+          <a:p>
+            <a:pPr lvl="0"/>
+            <a:r>
+              <a:rPr lang="de-CH" dirty="0" smtClean="0"/>
+              <a:t>[2]:</a:t>
+            </a:r>
+            <a:r>
+              <a:rPr lang="en-GB" dirty="0" smtClean="0"/>
+              <a:t>Just T and Stephan P, "Die </a:t>
+            </a:r>
+            <a:r>
+              <a:rPr lang="en-GB" dirty="0" err="1" smtClean="0"/>
+              <a:t>seltsam</a:t>
+            </a:r>
+            <a:r>
+              <a:rPr lang="en-GB" dirty="0" smtClean="0"/>
+              <a:t> stabile </a:t>
+            </a:r>
+            <a:r>
+              <a:rPr lang="en-GB" dirty="0" err="1" smtClean="0"/>
+              <a:t>Größenstruktur</a:t>
+            </a:r>
+            <a:r>
+              <a:rPr lang="en-GB" dirty="0" smtClean="0"/>
+              <a:t> </a:t>
+            </a:r>
+            <a:r>
+              <a:rPr lang="en-GB" dirty="0" err="1" smtClean="0"/>
+              <a:t>deutscher</a:t>
+            </a:r>
+            <a:r>
+              <a:rPr lang="en-GB" dirty="0" smtClean="0"/>
+              <a:t> </a:t>
+            </a:r>
+            <a:r>
+              <a:rPr lang="en-GB" dirty="0" err="1" smtClean="0"/>
+              <a:t>Städte</a:t>
+            </a:r>
+            <a:r>
+              <a:rPr lang="en-GB" dirty="0" smtClean="0"/>
+              <a:t>: Das </a:t>
+            </a:r>
+            <a:r>
+              <a:rPr lang="en-GB" dirty="0" err="1" smtClean="0"/>
+              <a:t>Zipfsche</a:t>
+            </a:r>
+            <a:r>
+              <a:rPr lang="en-GB" dirty="0" smtClean="0"/>
+              <a:t> </a:t>
+            </a:r>
+            <a:r>
+              <a:rPr lang="en-GB" dirty="0" err="1" smtClean="0"/>
+              <a:t>Gesetz</a:t>
+            </a:r>
+            <a:r>
+              <a:rPr lang="en-GB" dirty="0" smtClean="0"/>
+              <a:t> und seine </a:t>
+            </a:r>
+            <a:r>
+              <a:rPr lang="en-GB" dirty="0" err="1" smtClean="0"/>
+              <a:t>Implikationen</a:t>
+            </a:r>
+            <a:r>
+              <a:rPr lang="en-GB" dirty="0" smtClean="0"/>
+              <a:t> </a:t>
+            </a:r>
+            <a:r>
+              <a:rPr lang="en-GB" dirty="0" err="1" smtClean="0"/>
+              <a:t>für</a:t>
+            </a:r>
+            <a:r>
+              <a:rPr lang="en-GB" dirty="0" smtClean="0"/>
+              <a:t> urbane </a:t>
+            </a:r>
+            <a:r>
+              <a:rPr lang="en-GB" dirty="0" err="1" smtClean="0"/>
+              <a:t>Regionen</a:t>
+            </a:r>
+            <a:r>
+              <a:rPr lang="en-GB" dirty="0" smtClean="0"/>
+              <a:t>." Deutsche Bank Research, No </a:t>
+            </a:r>
+            <a:r>
+              <a:rPr lang="en-GB" b="1" dirty="0" smtClean="0"/>
+              <a:t>31</a:t>
+            </a:r>
+            <a:r>
+              <a:rPr lang="en-GB" dirty="0" smtClean="0"/>
+              <a:t>, 2009; </a:t>
+            </a:r>
+            <a:endParaRPr lang="de-CH" dirty="0" smtClean="0"/>
+          </a:p>
+          <a:p>
+            <a:endParaRPr lang="de-CH" dirty="0"/>
+          </a:p>
+        </p:txBody>
+      </p:sp>
+      <p:sp>
+        <p:nvSpPr>
+          <p:cNvPr id="4" name="Datumsplatzhalter 3"/>
+          <p:cNvSpPr>
+            <a:spLocks noGrp="1"/>
+          </p:cNvSpPr>
+          <p:nvPr>
+            <p:ph type="dt" sz="half" idx="10"/>
+          </p:nvPr>
+        </p:nvSpPr>
+        <p:spPr/>
+        <p:txBody>
+          <a:bodyPr/>
+          <a:lstStyle/>
+          <a:p>
+            <a:r>
+              <a:rPr lang="de-DE" smtClean="0"/>
+              <a:t>Mittwoch, 30. Mai 2012</a:t>
+            </a:r>
+            <a:endParaRPr lang="de-CH"/>
+          </a:p>
+        </p:txBody>
+      </p:sp>
+      <p:sp>
+        <p:nvSpPr>
+          <p:cNvPr id="5" name="Foliennummernplatzhalter 4"/>
+          <p:cNvSpPr>
+            <a:spLocks noGrp="1"/>
+          </p:cNvSpPr>
+          <p:nvPr>
+            <p:ph type="sldNum" sz="quarter" idx="11"/>
+          </p:nvPr>
+        </p:nvSpPr>
+        <p:spPr/>
+        <p:txBody>
+          <a:bodyPr/>
+          <a:lstStyle/>
+          <a:p>
+            <a:fld id="{B3DD1121-23E5-4B82-91E3-3154AA63DE81}" type="slidenum">
+              <a:rPr lang="de-CH" smtClean="0"/>
+              <a:pPr/>
+              <a:t>13</a:t>
+            </a:fld>
+            <a:endParaRPr lang="de-CH"/>
+          </a:p>
+        </p:txBody>
+      </p:sp>
+      <p:sp>
+        <p:nvSpPr>
+          <p:cNvPr id="6" name="Fußzeilenplatzhalter 5"/>
+          <p:cNvSpPr>
+            <a:spLocks noGrp="1"/>
+          </p:cNvSpPr>
+          <p:nvPr>
+            <p:ph type="ftr" sz="quarter" idx="12"/>
+          </p:nvPr>
+        </p:nvSpPr>
+        <p:spPr/>
+        <p:txBody>
+          <a:bodyPr/>
+          <a:lstStyle/>
+          <a:p>
+            <a:r>
+              <a:rPr lang="en-US" smtClean="0"/>
+              <a:t>Christian Jordi, Yannick Schmid, Pascal Stücheli</a:t>
+            </a:r>
+            <a:endParaRPr lang="de-CH"/>
+          </a:p>
+        </p:txBody>
+      </p:sp>
+    </p:spTree>
+  </p:cSld>
+  <p:clrMapOvr>
+    <a:masterClrMapping/>
+  </p:clrMapOvr>
+  <p:transition spd="slow">
+    <p:fade/>
+  </p:transition>
+  <p:timing>
+    <p:tnLst>
+      <p:par>
+        <p:cTn id="1" dur="indefinite" restart="never" nodeType="tmRoot"/>
+      </p:par>
+    </p:tnLst>
+  </p:timing>
 </p:sld>
 </file>
 
@@ -4180,6 +4801,318 @@
           <a:lstStyle/>
           <a:p>
             <a:r>
+              <a:rPr lang="de-CH" dirty="0" err="1" smtClean="0"/>
+              <a:t>Introduction</a:t>
+            </a:r>
+            <a:r>
+              <a:rPr lang="de-CH" dirty="0" smtClean="0"/>
+              <a:t> / </a:t>
+            </a:r>
+            <a:r>
+              <a:rPr lang="de-CH" dirty="0" err="1" smtClean="0"/>
+              <a:t>aim</a:t>
+            </a:r>
+            <a:r>
+              <a:rPr lang="de-CH" dirty="0" smtClean="0"/>
+              <a:t> </a:t>
+            </a:r>
+            <a:r>
+              <a:rPr lang="de-CH" dirty="0" err="1" smtClean="0"/>
+              <a:t>of</a:t>
+            </a:r>
+            <a:r>
+              <a:rPr lang="de-CH" dirty="0" smtClean="0"/>
+              <a:t> </a:t>
+            </a:r>
+            <a:r>
+              <a:rPr lang="de-CH" dirty="0" err="1" smtClean="0"/>
+              <a:t>the</a:t>
+            </a:r>
+            <a:r>
+              <a:rPr lang="de-CH" dirty="0" smtClean="0"/>
+              <a:t> </a:t>
+            </a:r>
+            <a:r>
+              <a:rPr lang="de-CH" dirty="0" err="1" smtClean="0"/>
+              <a:t>project</a:t>
+            </a:r>
+            <a:endParaRPr lang="de-CH" dirty="0"/>
+          </a:p>
+        </p:txBody>
+      </p:sp>
+      <p:sp>
+        <p:nvSpPr>
+          <p:cNvPr id="3" name="Inhaltsplatzhalter 2"/>
+          <p:cNvSpPr>
+            <a:spLocks noGrp="1"/>
+          </p:cNvSpPr>
+          <p:nvPr>
+            <p:ph idx="1"/>
+          </p:nvPr>
+        </p:nvSpPr>
+        <p:spPr/>
+        <p:txBody>
+          <a:bodyPr/>
+          <a:lstStyle/>
+          <a:p>
+            <a:endParaRPr lang="de-CH"/>
+          </a:p>
+        </p:txBody>
+      </p:sp>
+      <p:sp>
+        <p:nvSpPr>
+          <p:cNvPr id="4" name="Datumsplatzhalter 3"/>
+          <p:cNvSpPr>
+            <a:spLocks noGrp="1"/>
+          </p:cNvSpPr>
+          <p:nvPr>
+            <p:ph type="dt" sz="half" idx="10"/>
+          </p:nvPr>
+        </p:nvSpPr>
+        <p:spPr/>
+        <p:txBody>
+          <a:bodyPr/>
+          <a:lstStyle/>
+          <a:p>
+            <a:r>
+              <a:rPr lang="de-DE" smtClean="0"/>
+              <a:t>Mittwoch, 30. Mai 2012</a:t>
+            </a:r>
+            <a:endParaRPr lang="de-CH"/>
+          </a:p>
+        </p:txBody>
+      </p:sp>
+      <p:sp>
+        <p:nvSpPr>
+          <p:cNvPr id="5" name="Foliennummernplatzhalter 4"/>
+          <p:cNvSpPr>
+            <a:spLocks noGrp="1"/>
+          </p:cNvSpPr>
+          <p:nvPr>
+            <p:ph type="sldNum" sz="quarter" idx="11"/>
+          </p:nvPr>
+        </p:nvSpPr>
+        <p:spPr/>
+        <p:txBody>
+          <a:bodyPr/>
+          <a:lstStyle/>
+          <a:p>
+            <a:fld id="{B3DD1121-23E5-4B82-91E3-3154AA63DE81}" type="slidenum">
+              <a:rPr lang="de-CH" smtClean="0"/>
+              <a:pPr/>
+              <a:t>2</a:t>
+            </a:fld>
+            <a:endParaRPr lang="de-CH"/>
+          </a:p>
+        </p:txBody>
+      </p:sp>
+      <p:sp>
+        <p:nvSpPr>
+          <p:cNvPr id="6" name="Fußzeilenplatzhalter 5"/>
+          <p:cNvSpPr>
+            <a:spLocks noGrp="1"/>
+          </p:cNvSpPr>
+          <p:nvPr>
+            <p:ph type="ftr" sz="quarter" idx="12"/>
+          </p:nvPr>
+        </p:nvSpPr>
+        <p:spPr/>
+        <p:txBody>
+          <a:bodyPr/>
+          <a:lstStyle/>
+          <a:p>
+            <a:r>
+              <a:rPr lang="en-US" smtClean="0"/>
+              <a:t>Christian Jordi, Yannick Schmid, Pascal Stücheli</a:t>
+            </a:r>
+            <a:endParaRPr lang="de-CH"/>
+          </a:p>
+        </p:txBody>
+      </p:sp>
+    </p:spTree>
+  </p:cSld>
+  <p:clrMapOvr>
+    <a:masterClrMapping/>
+  </p:clrMapOvr>
+  <p:transition spd="slow">
+    <p:fade/>
+  </p:transition>
+</p:sld>
+</file>
+
+<file path=ppt/slides/slide3.xml><?xml version="1.0" encoding="utf-8"?>
+<p:sld xmlns:a="http://schemas.openxmlformats.org/drawingml/2006/main" xmlns:r="http://schemas.openxmlformats.org/officeDocument/2006/relationships" xmlns:p="http://schemas.openxmlformats.org/presentationml/2006/main">
+  <p:cSld>
+    <p:spTree>
+      <p:nvGrpSpPr>
+        <p:cNvPr id="1" name=""/>
+        <p:cNvGrpSpPr/>
+        <p:nvPr/>
+      </p:nvGrpSpPr>
+      <p:grpSpPr>
+        <a:xfrm>
+          <a:off x="0" y="0"/>
+          <a:ext cx="0" cy="0"/>
+          <a:chOff x="0" y="0"/>
+          <a:chExt cx="0" cy="0"/>
+        </a:xfrm>
+      </p:grpSpPr>
+      <p:sp>
+        <p:nvSpPr>
+          <p:cNvPr id="2" name="Titel 1"/>
+          <p:cNvSpPr>
+            <a:spLocks noGrp="1"/>
+          </p:cNvSpPr>
+          <p:nvPr>
+            <p:ph type="title"/>
+          </p:nvPr>
+        </p:nvSpPr>
+        <p:spPr/>
+        <p:txBody>
+          <a:bodyPr/>
+          <a:lstStyle/>
+          <a:p>
+            <a:r>
+              <a:rPr lang="en-US" dirty="0" smtClean="0"/>
+              <a:t>Simulation overview</a:t>
+            </a:r>
+            <a:endParaRPr lang="en-US" dirty="0"/>
+          </a:p>
+        </p:txBody>
+      </p:sp>
+      <p:sp>
+        <p:nvSpPr>
+          <p:cNvPr id="3" name="Inhaltsplatzhalter 2"/>
+          <p:cNvSpPr>
+            <a:spLocks noGrp="1"/>
+          </p:cNvSpPr>
+          <p:nvPr>
+            <p:ph idx="1"/>
+          </p:nvPr>
+        </p:nvSpPr>
+        <p:spPr/>
+        <p:txBody>
+          <a:bodyPr/>
+          <a:lstStyle/>
+          <a:p>
+            <a:endParaRPr lang="en-US"/>
+          </a:p>
+        </p:txBody>
+      </p:sp>
+      <p:sp>
+        <p:nvSpPr>
+          <p:cNvPr id="4" name="Datumsplatzhalter 3"/>
+          <p:cNvSpPr>
+            <a:spLocks noGrp="1"/>
+          </p:cNvSpPr>
+          <p:nvPr>
+            <p:ph type="dt" sz="half" idx="10"/>
+          </p:nvPr>
+        </p:nvSpPr>
+        <p:spPr/>
+        <p:txBody>
+          <a:bodyPr/>
+          <a:lstStyle/>
+          <a:p>
+            <a:r>
+              <a:rPr lang="de-DE" smtClean="0"/>
+              <a:t>Mittwoch, 30. Mai 2012</a:t>
+            </a:r>
+            <a:endParaRPr lang="de-CH"/>
+          </a:p>
+        </p:txBody>
+      </p:sp>
+      <p:sp>
+        <p:nvSpPr>
+          <p:cNvPr id="5" name="Foliennummernplatzhalter 4"/>
+          <p:cNvSpPr>
+            <a:spLocks noGrp="1"/>
+          </p:cNvSpPr>
+          <p:nvPr>
+            <p:ph type="sldNum" sz="quarter" idx="11"/>
+          </p:nvPr>
+        </p:nvSpPr>
+        <p:spPr/>
+        <p:txBody>
+          <a:bodyPr/>
+          <a:lstStyle/>
+          <a:p>
+            <a:fld id="{B3DD1121-23E5-4B82-91E3-3154AA63DE81}" type="slidenum">
+              <a:rPr lang="de-CH" smtClean="0"/>
+              <a:pPr/>
+              <a:t>3</a:t>
+            </a:fld>
+            <a:endParaRPr lang="de-CH"/>
+          </a:p>
+        </p:txBody>
+      </p:sp>
+      <p:sp>
+        <p:nvSpPr>
+          <p:cNvPr id="6" name="Fußzeilenplatzhalter 5"/>
+          <p:cNvSpPr>
+            <a:spLocks noGrp="1"/>
+          </p:cNvSpPr>
+          <p:nvPr>
+            <p:ph type="ftr" sz="quarter" idx="12"/>
+          </p:nvPr>
+        </p:nvSpPr>
+        <p:spPr/>
+        <p:txBody>
+          <a:bodyPr/>
+          <a:lstStyle/>
+          <a:p>
+            <a:r>
+              <a:rPr lang="en-US" smtClean="0"/>
+              <a:t>Christian Jordi, Yannick Schmid, Pascal Stücheli</a:t>
+            </a:r>
+            <a:endParaRPr lang="de-CH"/>
+          </a:p>
+        </p:txBody>
+      </p:sp>
+    </p:spTree>
+  </p:cSld>
+  <p:clrMapOvr>
+    <a:masterClrMapping/>
+  </p:clrMapOvr>
+  <p:transition spd="slow">
+    <p:fade/>
+  </p:transition>
+</p:sld>
+</file>
+
+<file path=ppt/slides/slide4.xml><?xml version="1.0" encoding="utf-8"?>
+<p:sld xmlns:a="http://schemas.openxmlformats.org/drawingml/2006/main" xmlns:r="http://schemas.openxmlformats.org/officeDocument/2006/relationships" xmlns:p="http://schemas.openxmlformats.org/presentationml/2006/main">
+  <p:cSld>
+    <p:spTree>
+      <p:nvGrpSpPr>
+        <p:cNvPr id="1" name=""/>
+        <p:cNvGrpSpPr/>
+        <p:nvPr/>
+      </p:nvGrpSpPr>
+      <p:grpSpPr>
+        <a:xfrm>
+          <a:off x="0" y="0"/>
+          <a:ext cx="0" cy="0"/>
+          <a:chOff x="0" y="0"/>
+          <a:chExt cx="0" cy="0"/>
+        </a:xfrm>
+      </p:grpSpPr>
+      <p:sp>
+        <p:nvSpPr>
+          <p:cNvPr id="2" name="Titel 1"/>
+          <p:cNvSpPr>
+            <a:spLocks noGrp="1"/>
+          </p:cNvSpPr>
+          <p:nvPr>
+            <p:ph type="title"/>
+          </p:nvPr>
+        </p:nvSpPr>
+        <p:spPr/>
+        <p:txBody>
+          <a:bodyPr/>
+          <a:lstStyle/>
+          <a:p>
+            <a:r>
               <a:rPr lang="de-CH" dirty="0" smtClean="0"/>
               <a:t>Network </a:t>
             </a:r>
@@ -4563,11 +5496,7 @@
             </a:pPr>
             <a:r>
               <a:rPr lang="de-CH" dirty="0" smtClean="0"/>
-              <a:t>	</a:t>
-            </a:r>
-            <a:r>
-              <a:rPr lang="de-CH" dirty="0" smtClean="0"/>
-              <a:t> </a:t>
+              <a:t>	 </a:t>
             </a:r>
             <a:endParaRPr lang="de-CH" dirty="0"/>
           </a:p>
@@ -4590,7 +5519,7 @@
           <a:p>
             <a:r>
               <a:rPr lang="de-DE" smtClean="0"/>
-              <a:t>Mittwoch, 29. Mai 2012</a:t>
+              <a:t>Mittwoch, 30. Mai 2012</a:t>
             </a:r>
             <a:endParaRPr lang="de-CH"/>
           </a:p>
@@ -4613,7 +5542,8 @@
           <a:p>
             <a:fld id="{B3DD1121-23E5-4B82-91E3-3154AA63DE81}" type="slidenum">
               <a:rPr lang="de-CH" smtClean="0"/>
-              <a:t>2</a:t>
+              <a:pPr/>
+              <a:t>4</a:t>
             </a:fld>
             <a:endParaRPr lang="de-CH"/>
           </a:p>
@@ -4735,7 +5665,7 @@
 </p:sld>
 </file>
 
-<file path=ppt/slides/slide3.xml><?xml version="1.0" encoding="utf-8"?>
+<file path=ppt/slides/slide5.xml><?xml version="1.0" encoding="utf-8"?>
 <p:sld xmlns:a="http://schemas.openxmlformats.org/drawingml/2006/main" xmlns:r="http://schemas.openxmlformats.org/officeDocument/2006/relationships" xmlns:p="http://schemas.openxmlformats.org/presentationml/2006/main">
   <p:cSld>
     <p:spTree>
@@ -4796,7 +5726,7 @@
           <a:p>
             <a:r>
               <a:rPr lang="de-DE" smtClean="0"/>
-              <a:t>Mittwoch, 29. Mai 2012</a:t>
+              <a:t>Mittwoch, 30. Mai 2012</a:t>
             </a:r>
             <a:endParaRPr lang="de-CH"/>
           </a:p>
@@ -4819,7 +5749,8 @@
           <a:p>
             <a:fld id="{B3DD1121-23E5-4B82-91E3-3154AA63DE81}" type="slidenum">
               <a:rPr lang="de-CH" smtClean="0"/>
-              <a:t>3</a:t>
+              <a:pPr/>
+              <a:t>5</a:t>
             </a:fld>
             <a:endParaRPr lang="de-CH"/>
           </a:p>
@@ -5106,276 +6037,6 @@
 </p:sld>
 </file>
 
-<file path=ppt/slides/slide4.xml><?xml version="1.0" encoding="utf-8"?>
-<p:sld xmlns:a="http://schemas.openxmlformats.org/drawingml/2006/main" xmlns:r="http://schemas.openxmlformats.org/officeDocument/2006/relationships" xmlns:p="http://schemas.openxmlformats.org/presentationml/2006/main">
-  <p:cSld>
-    <p:spTree>
-      <p:nvGrpSpPr>
-        <p:cNvPr id="1" name=""/>
-        <p:cNvGrpSpPr/>
-        <p:nvPr/>
-      </p:nvGrpSpPr>
-      <p:grpSpPr>
-        <a:xfrm>
-          <a:off x="0" y="0"/>
-          <a:ext cx="0" cy="0"/>
-          <a:chOff x="0" y="0"/>
-          <a:chExt cx="0" cy="0"/>
-        </a:xfrm>
-      </p:grpSpPr>
-      <p:sp>
-        <p:nvSpPr>
-          <p:cNvPr id="2" name="Titel 1"/>
-          <p:cNvSpPr>
-            <a:spLocks noGrp="1"/>
-          </p:cNvSpPr>
-          <p:nvPr>
-            <p:ph type="title"/>
-          </p:nvPr>
-        </p:nvSpPr>
-        <p:spPr/>
-        <p:txBody>
-          <a:bodyPr/>
-          <a:lstStyle/>
-          <a:p>
-            <a:endParaRPr lang="de-CH"/>
-          </a:p>
-        </p:txBody>
-      </p:sp>
-      <p:sp>
-        <p:nvSpPr>
-          <p:cNvPr id="3" name="Inhaltsplatzhalter 2"/>
-          <p:cNvSpPr>
-            <a:spLocks noGrp="1"/>
-          </p:cNvSpPr>
-          <p:nvPr>
-            <p:ph idx="1"/>
-          </p:nvPr>
-        </p:nvSpPr>
-        <p:spPr/>
-        <p:txBody>
-          <a:bodyPr/>
-          <a:lstStyle/>
-          <a:p>
-            <a:endParaRPr lang="de-CH"/>
-          </a:p>
-        </p:txBody>
-      </p:sp>
-      <p:sp>
-        <p:nvSpPr>
-          <p:cNvPr id="4" name="Datumsplatzhalter 3"/>
-          <p:cNvSpPr>
-            <a:spLocks noGrp="1"/>
-          </p:cNvSpPr>
-          <p:nvPr>
-            <p:ph type="dt" sz="half" idx="10"/>
-          </p:nvPr>
-        </p:nvSpPr>
-        <p:spPr/>
-        <p:txBody>
-          <a:bodyPr/>
-          <a:lstStyle/>
-          <a:p>
-            <a:r>
-              <a:rPr lang="de-DE" smtClean="0"/>
-              <a:t>Mittwoch, 29. Mai 2012</a:t>
-            </a:r>
-            <a:endParaRPr lang="de-CH"/>
-          </a:p>
-        </p:txBody>
-      </p:sp>
-      <p:sp>
-        <p:nvSpPr>
-          <p:cNvPr id="5" name="Foliennummernplatzhalter 4"/>
-          <p:cNvSpPr>
-            <a:spLocks noGrp="1"/>
-          </p:cNvSpPr>
-          <p:nvPr>
-            <p:ph type="sldNum" sz="quarter" idx="11"/>
-          </p:nvPr>
-        </p:nvSpPr>
-        <p:spPr/>
-        <p:txBody>
-          <a:bodyPr/>
-          <a:lstStyle/>
-          <a:p>
-            <a:fld id="{B3DD1121-23E5-4B82-91E3-3154AA63DE81}" type="slidenum">
-              <a:rPr lang="de-CH" smtClean="0"/>
-              <a:t>4</a:t>
-            </a:fld>
-            <a:endParaRPr lang="de-CH"/>
-          </a:p>
-        </p:txBody>
-      </p:sp>
-      <p:sp>
-        <p:nvSpPr>
-          <p:cNvPr id="6" name="Fußzeilenplatzhalter 5"/>
-          <p:cNvSpPr>
-            <a:spLocks noGrp="1"/>
-          </p:cNvSpPr>
-          <p:nvPr>
-            <p:ph type="ftr" sz="quarter" idx="12"/>
-          </p:nvPr>
-        </p:nvSpPr>
-        <p:spPr/>
-        <p:txBody>
-          <a:bodyPr/>
-          <a:lstStyle/>
-          <a:p>
-            <a:r>
-              <a:rPr lang="en-US" smtClean="0"/>
-              <a:t>Christian Jordi, Yannick Schmid, Pascal Stücheli</a:t>
-            </a:r>
-            <a:endParaRPr lang="de-CH"/>
-          </a:p>
-        </p:txBody>
-      </p:sp>
-    </p:spTree>
-  </p:cSld>
-  <p:clrMapOvr>
-    <a:masterClrMapping/>
-  </p:clrMapOvr>
-  <p:transition spd="slow">
-    <p:fade/>
-  </p:transition>
-</p:sld>
-</file>
-
-<file path=ppt/slides/slide5.xml><?xml version="1.0" encoding="utf-8"?>
-<p:sld xmlns:a="http://schemas.openxmlformats.org/drawingml/2006/main" xmlns:r="http://schemas.openxmlformats.org/officeDocument/2006/relationships" xmlns:p="http://schemas.openxmlformats.org/presentationml/2006/main">
-  <p:cSld>
-    <p:spTree>
-      <p:nvGrpSpPr>
-        <p:cNvPr id="1" name=""/>
-        <p:cNvGrpSpPr/>
-        <p:nvPr/>
-      </p:nvGrpSpPr>
-      <p:grpSpPr>
-        <a:xfrm>
-          <a:off x="0" y="0"/>
-          <a:ext cx="0" cy="0"/>
-          <a:chOff x="0" y="0"/>
-          <a:chExt cx="0" cy="0"/>
-        </a:xfrm>
-      </p:grpSpPr>
-      <p:sp>
-        <p:nvSpPr>
-          <p:cNvPr id="2" name="Titel 1"/>
-          <p:cNvSpPr>
-            <a:spLocks noGrp="1"/>
-          </p:cNvSpPr>
-          <p:nvPr>
-            <p:ph type="title"/>
-          </p:nvPr>
-        </p:nvSpPr>
-        <p:spPr/>
-        <p:txBody>
-          <a:bodyPr/>
-          <a:lstStyle/>
-          <a:p>
-            <a:endParaRPr lang="de-CH"/>
-          </a:p>
-        </p:txBody>
-      </p:sp>
-      <p:sp>
-        <p:nvSpPr>
-          <p:cNvPr id="3" name="Inhaltsplatzhalter 2"/>
-          <p:cNvSpPr>
-            <a:spLocks noGrp="1"/>
-          </p:cNvSpPr>
-          <p:nvPr>
-            <p:ph idx="1"/>
-          </p:nvPr>
-        </p:nvSpPr>
-        <p:spPr/>
-        <p:txBody>
-          <a:bodyPr/>
-          <a:lstStyle/>
-          <a:p>
-            <a:endParaRPr lang="de-CH"/>
-          </a:p>
-        </p:txBody>
-      </p:sp>
-      <p:sp>
-        <p:nvSpPr>
-          <p:cNvPr id="4" name="Datumsplatzhalter 3"/>
-          <p:cNvSpPr>
-            <a:spLocks noGrp="1"/>
-          </p:cNvSpPr>
-          <p:nvPr>
-            <p:ph type="dt" sz="half" idx="10"/>
-          </p:nvPr>
-        </p:nvSpPr>
-        <p:spPr/>
-        <p:txBody>
-          <a:bodyPr/>
-          <a:lstStyle/>
-          <a:p>
-            <a:r>
-              <a:rPr lang="de-DE" smtClean="0"/>
-              <a:t>Mittwoch, 29. Mai 2012</a:t>
-            </a:r>
-            <a:endParaRPr lang="de-CH"/>
-          </a:p>
-        </p:txBody>
-      </p:sp>
-      <p:sp>
-        <p:nvSpPr>
-          <p:cNvPr id="5" name="Foliennummernplatzhalter 4"/>
-          <p:cNvSpPr>
-            <a:spLocks noGrp="1"/>
-          </p:cNvSpPr>
-          <p:nvPr>
-            <p:ph type="sldNum" sz="quarter" idx="11"/>
-          </p:nvPr>
-        </p:nvSpPr>
-        <p:spPr/>
-        <p:txBody>
-          <a:bodyPr/>
-          <a:lstStyle/>
-          <a:p>
-            <a:fld id="{B3DD1121-23E5-4B82-91E3-3154AA63DE81}" type="slidenum">
-              <a:rPr lang="de-CH" smtClean="0"/>
-              <a:t>5</a:t>
-            </a:fld>
-            <a:endParaRPr lang="de-CH"/>
-          </a:p>
-        </p:txBody>
-      </p:sp>
-      <p:sp>
-        <p:nvSpPr>
-          <p:cNvPr id="6" name="Fußzeilenplatzhalter 5"/>
-          <p:cNvSpPr>
-            <a:spLocks noGrp="1"/>
-          </p:cNvSpPr>
-          <p:nvPr>
-            <p:ph type="ftr" sz="quarter" idx="12"/>
-          </p:nvPr>
-        </p:nvSpPr>
-        <p:spPr/>
-        <p:txBody>
-          <a:bodyPr/>
-          <a:lstStyle/>
-          <a:p>
-            <a:r>
-              <a:rPr lang="en-US" smtClean="0"/>
-              <a:t>Christian Jordi, Yannick Schmid, Pascal Stücheli</a:t>
-            </a:r>
-            <a:endParaRPr lang="de-CH"/>
-          </a:p>
-        </p:txBody>
-      </p:sp>
-    </p:spTree>
-  </p:cSld>
-  <p:clrMapOvr>
-    <a:masterClrMapping/>
-  </p:clrMapOvr>
-  <p:transition spd="slow">
-    <p:fade/>
-  </p:transition>
-</p:sld>
-</file>
-
 <file path=ppt/slides/slide6.xml><?xml version="1.0" encoding="utf-8"?>
 <p:sld xmlns:a="http://schemas.openxmlformats.org/drawingml/2006/main" xmlns:r="http://schemas.openxmlformats.org/officeDocument/2006/relationships" xmlns:p="http://schemas.openxmlformats.org/presentationml/2006/main">
   <p:cSld>
@@ -5408,7 +6069,27 @@
           <a:bodyPr/>
           <a:lstStyle/>
           <a:p>
-            <a:endParaRPr lang="de-CH"/>
+            <a:r>
+              <a:rPr lang="de-CH" dirty="0" err="1" smtClean="0"/>
+              <a:t>Disease</a:t>
+            </a:r>
+            <a:r>
+              <a:rPr lang="de-CH" dirty="0" smtClean="0"/>
+              <a:t> </a:t>
+            </a:r>
+            <a:r>
+              <a:rPr lang="de-CH" dirty="0" err="1" smtClean="0"/>
+              <a:t>spreading</a:t>
+            </a:r>
+            <a:r>
+              <a:rPr lang="de-CH" dirty="0" smtClean="0"/>
+              <a:t> - </a:t>
+            </a:r>
+            <a:r>
+              <a:rPr lang="de-CH" dirty="0" err="1" smtClean="0"/>
+              <a:t>Infection</a:t>
+            </a:r>
+            <a:endParaRPr lang="de-CH" dirty="0"/>
           </a:p>
         </p:txBody>
       </p:sp>
@@ -5427,7 +6108,259 @@
           <a:bodyPr/>
           <a:lstStyle/>
           <a:p>
-            <a:endParaRPr lang="de-CH"/>
+            <a:r>
+              <a:rPr lang="de-CH" dirty="0" smtClean="0"/>
+              <a:t>SI – model (non </a:t>
+            </a:r>
+            <a:r>
+              <a:rPr lang="de-CH" dirty="0" err="1" smtClean="0"/>
+              <a:t>lethal</a:t>
+            </a:r>
+            <a:r>
+              <a:rPr lang="de-CH" dirty="0" smtClean="0"/>
+              <a:t> / </a:t>
+            </a:r>
+            <a:r>
+              <a:rPr lang="de-CH" dirty="0" err="1" smtClean="0"/>
+              <a:t>no</a:t>
+            </a:r>
+            <a:r>
+              <a:rPr lang="de-CH" dirty="0" smtClean="0"/>
+              <a:t> </a:t>
+            </a:r>
+            <a:r>
+              <a:rPr lang="de-CH" dirty="0" err="1" smtClean="0"/>
+              <a:t>resistance</a:t>
+            </a:r>
+            <a:r>
+              <a:rPr lang="de-CH" dirty="0" smtClean="0"/>
+              <a:t>)</a:t>
+            </a:r>
+          </a:p>
+          <a:p>
+            <a:endParaRPr lang="de-CH" dirty="0" smtClean="0"/>
+          </a:p>
+          <a:p>
+            <a:r>
+              <a:rPr lang="de-CH" dirty="0"/>
+              <a:t> </a:t>
+            </a:r>
+            <a:r>
+              <a:rPr lang="de-CH" dirty="0" smtClean="0"/>
+              <a:t>ODE:</a:t>
+            </a:r>
+          </a:p>
+          <a:p>
+            <a:endParaRPr lang="de-CH" dirty="0" smtClean="0"/>
+          </a:p>
+          <a:p>
+            <a:r>
+              <a:rPr lang="de-CH" dirty="0" err="1" smtClean="0"/>
+              <a:t>Stochastic</a:t>
+            </a:r>
+            <a:r>
+              <a:rPr lang="de-CH" dirty="0" smtClean="0"/>
+              <a:t> model: Normal </a:t>
+            </a:r>
+            <a:r>
+              <a:rPr lang="de-CH" dirty="0" err="1" smtClean="0"/>
+              <a:t>distributed</a:t>
+            </a:r>
+            <a:r>
+              <a:rPr lang="de-CH" dirty="0" smtClean="0"/>
+              <a:t> </a:t>
+            </a:r>
+            <a:r>
+              <a:rPr lang="de-CH" dirty="0" err="1" smtClean="0"/>
+              <a:t>numbers</a:t>
+            </a:r>
+            <a:r>
+              <a:rPr lang="de-CH" dirty="0" smtClean="0"/>
+              <a:t> </a:t>
+            </a:r>
+            <a:r>
+              <a:rPr lang="de-CH" dirty="0" err="1" smtClean="0"/>
+              <a:t>of</a:t>
+            </a:r>
+            <a:r>
+              <a:rPr lang="de-CH" dirty="0" smtClean="0"/>
+              <a:t> </a:t>
+            </a:r>
+            <a:r>
+              <a:rPr lang="de-CH" dirty="0" err="1" smtClean="0"/>
+              <a:t>meetings</a:t>
+            </a:r>
+            <a:r>
+              <a:rPr lang="de-CH" dirty="0" smtClean="0"/>
+              <a:t> </a:t>
+            </a:r>
+            <a:r>
+              <a:rPr lang="de-CH" dirty="0" err="1" smtClean="0"/>
+              <a:t>for</a:t>
+            </a:r>
+            <a:r>
+              <a:rPr lang="de-CH" dirty="0" smtClean="0"/>
+              <a:t> </a:t>
+            </a:r>
+            <a:r>
+              <a:rPr lang="de-CH" dirty="0" err="1" smtClean="0"/>
+              <a:t>each</a:t>
+            </a:r>
+            <a:r>
+              <a:rPr lang="de-CH" dirty="0" smtClean="0"/>
+              <a:t> </a:t>
+            </a:r>
+            <a:r>
+              <a:rPr lang="de-CH" dirty="0" err="1" smtClean="0"/>
+              <a:t>infected</a:t>
+            </a:r>
+            <a:r>
+              <a:rPr lang="de-CH" dirty="0" smtClean="0"/>
+              <a:t>. </a:t>
+            </a:r>
+            <a:r>
+              <a:rPr lang="de-CH" dirty="0" err="1" smtClean="0"/>
+              <a:t>Depending</a:t>
+            </a:r>
+            <a:r>
+              <a:rPr lang="de-CH" dirty="0" smtClean="0"/>
+              <a:t> on </a:t>
+            </a:r>
+            <a:r>
+              <a:rPr lang="el-GR" dirty="0" smtClean="0"/>
+              <a:t>Δ</a:t>
+            </a:r>
+            <a:r>
+              <a:rPr lang="de-CH" dirty="0" smtClean="0"/>
+              <a:t>t</a:t>
+            </a:r>
+          </a:p>
+          <a:p>
+            <a:r>
+              <a:rPr lang="de-CH" dirty="0" err="1" smtClean="0"/>
+              <a:t>For</a:t>
+            </a:r>
+            <a:r>
+              <a:rPr lang="de-CH" dirty="0" smtClean="0"/>
+              <a:t> </a:t>
+            </a:r>
+            <a:r>
+              <a:rPr lang="de-CH" dirty="0" err="1" smtClean="0"/>
+              <a:t>each</a:t>
+            </a:r>
+            <a:r>
+              <a:rPr lang="de-CH" dirty="0" smtClean="0"/>
+              <a:t> </a:t>
+            </a:r>
+            <a:r>
+              <a:rPr lang="de-CH" dirty="0" err="1" smtClean="0"/>
+              <a:t>meeting</a:t>
+            </a:r>
+            <a:r>
+              <a:rPr lang="de-CH" dirty="0" smtClean="0"/>
+              <a:t>:</a:t>
+            </a:r>
+          </a:p>
+          <a:p>
+            <a:pPr>
+              <a:buNone/>
+            </a:pPr>
+            <a:r>
+              <a:rPr lang="de-CH" dirty="0" smtClean="0"/>
+              <a:t> </a:t>
+            </a:r>
+          </a:p>
+          <a:p>
+            <a:r>
+              <a:rPr lang="de-CH" dirty="0" smtClean="0"/>
+              <a:t>Parameters </a:t>
+            </a:r>
+            <a:r>
+              <a:rPr lang="de-CH" dirty="0" err="1" smtClean="0"/>
+              <a:t>were</a:t>
+            </a:r>
+            <a:r>
+              <a:rPr lang="de-CH" dirty="0" smtClean="0"/>
+              <a:t> </a:t>
+            </a:r>
+            <a:r>
+              <a:rPr lang="de-CH" dirty="0" err="1" smtClean="0"/>
+              <a:t>estimated</a:t>
+            </a:r>
+            <a:r>
+              <a:rPr lang="de-CH" dirty="0" smtClean="0"/>
+              <a:t> </a:t>
+            </a:r>
+            <a:r>
+              <a:rPr lang="de-CH" dirty="0" err="1" smtClean="0"/>
+              <a:t>with</a:t>
+            </a:r>
+            <a:r>
+              <a:rPr lang="de-CH" dirty="0" smtClean="0"/>
+              <a:t> a </a:t>
+            </a:r>
+            <a:r>
+              <a:rPr lang="de-CH" dirty="0" err="1" smtClean="0"/>
+              <a:t>disease</a:t>
+            </a:r>
+            <a:r>
+              <a:rPr lang="de-CH" dirty="0" smtClean="0"/>
+              <a:t> </a:t>
+            </a:r>
+            <a:r>
+              <a:rPr lang="de-CH" dirty="0" err="1" smtClean="0"/>
+              <a:t>outbreak</a:t>
+            </a:r>
+            <a:r>
+              <a:rPr lang="de-CH" dirty="0" smtClean="0"/>
+              <a:t> </a:t>
+            </a:r>
+            <a:r>
+              <a:rPr lang="de-CH" dirty="0" err="1" smtClean="0"/>
+              <a:t>of</a:t>
+            </a:r>
+            <a:r>
+              <a:rPr lang="de-CH" dirty="0" smtClean="0"/>
+              <a:t> a </a:t>
+            </a:r>
+            <a:r>
+              <a:rPr lang="de-CH" dirty="0" err="1" smtClean="0"/>
+              <a:t>flu</a:t>
+            </a:r>
+            <a:r>
+              <a:rPr lang="de-CH" dirty="0" smtClean="0"/>
+              <a:t>. </a:t>
+            </a:r>
+            <a:r>
+              <a:rPr lang="de-CH" dirty="0" err="1" smtClean="0"/>
+              <a:t>Very</a:t>
+            </a:r>
+            <a:r>
+              <a:rPr lang="de-CH" dirty="0" smtClean="0"/>
+              <a:t> </a:t>
+            </a:r>
+            <a:r>
+              <a:rPr lang="de-CH" dirty="0" err="1" smtClean="0"/>
+              <a:t>rough</a:t>
+            </a:r>
+            <a:r>
+              <a:rPr lang="de-CH" dirty="0" smtClean="0"/>
+              <a:t> </a:t>
+            </a:r>
+            <a:r>
+              <a:rPr lang="de-CH" dirty="0" err="1" smtClean="0"/>
+              <a:t>approximation</a:t>
+            </a:r>
+            <a:r>
+              <a:rPr lang="de-CH" dirty="0" smtClean="0"/>
+              <a:t>. </a:t>
+            </a:r>
+          </a:p>
+          <a:p>
+            <a:pPr>
+              <a:buNone/>
+            </a:pPr>
+            <a:endParaRPr lang="de-CH" dirty="0" smtClean="0"/>
           </a:p>
         </p:txBody>
       </p:sp>
@@ -5448,7 +6381,7 @@
           <a:p>
             <a:r>
               <a:rPr lang="de-DE" smtClean="0"/>
-              <a:t>Mittwoch, 29. Mai 2012</a:t>
+              <a:t>Mittwoch, 30. Mai 2012</a:t>
             </a:r>
             <a:endParaRPr lang="de-CH"/>
           </a:p>
@@ -5471,6 +6404,7 @@
           <a:p>
             <a:fld id="{B3DD1121-23E5-4B82-91E3-3154AA63DE81}" type="slidenum">
               <a:rPr lang="de-CH" smtClean="0"/>
+              <a:pPr/>
               <a:t>6</a:t>
             </a:fld>
             <a:endParaRPr lang="de-CH"/>
@@ -5500,6 +6434,224 @@
           </a:p>
         </p:txBody>
       </p:sp>
+      <p:sp>
+        <p:nvSpPr>
+          <p:cNvPr id="9218" name="Rectangle 2"/>
+          <p:cNvSpPr>
+            <a:spLocks noChangeArrowheads="1"/>
+          </p:cNvSpPr>
+          <p:nvPr/>
+        </p:nvSpPr>
+        <p:spPr bwMode="auto">
+          <a:xfrm>
+            <a:off x="0" y="0"/>
+            <a:ext cx="9144000" cy="0"/>
+          </a:xfrm>
+          <a:prstGeom prst="rect">
+            <a:avLst/>
+          </a:prstGeom>
+          <a:noFill/>
+          <a:ln w="9525">
+            <a:noFill/>
+            <a:miter lim="800000"/>
+            <a:headEnd/>
+            <a:tailEnd/>
+          </a:ln>
+          <a:effectLst/>
+        </p:spPr>
+        <p:txBody>
+          <a:bodyPr vert="horz" wrap="none" lIns="91440" tIns="45720" rIns="91440" bIns="45720" numCol="1" anchor="ctr" anchorCtr="0" compatLnSpc="1">
+            <a:prstTxWarp prst="textNoShape">
+              <a:avLst/>
+            </a:prstTxWarp>
+            <a:spAutoFit/>
+          </a:bodyPr>
+          <a:lstStyle/>
+          <a:p>
+            <a:endParaRPr lang="en-US"/>
+          </a:p>
+        </p:txBody>
+      </p:sp>
+      <p:sp>
+        <p:nvSpPr>
+          <p:cNvPr id="9220" name="Rectangle 4"/>
+          <p:cNvSpPr>
+            <a:spLocks noChangeArrowheads="1"/>
+          </p:cNvSpPr>
+          <p:nvPr/>
+        </p:nvSpPr>
+        <p:spPr bwMode="auto">
+          <a:xfrm>
+            <a:off x="0" y="0"/>
+            <a:ext cx="9144000" cy="0"/>
+          </a:xfrm>
+          <a:prstGeom prst="rect">
+            <a:avLst/>
+          </a:prstGeom>
+          <a:noFill/>
+          <a:ln w="9525">
+            <a:noFill/>
+            <a:miter lim="800000"/>
+            <a:headEnd/>
+            <a:tailEnd/>
+          </a:ln>
+          <a:effectLst/>
+        </p:spPr>
+        <p:txBody>
+          <a:bodyPr vert="horz" wrap="none" lIns="91440" tIns="45720" rIns="91440" bIns="45720" numCol="1" anchor="ctr" anchorCtr="0" compatLnSpc="1">
+            <a:prstTxWarp prst="textNoShape">
+              <a:avLst/>
+            </a:prstTxWarp>
+            <a:spAutoFit/>
+          </a:bodyPr>
+          <a:lstStyle/>
+          <a:p>
+            <a:endParaRPr lang="en-US"/>
+          </a:p>
+        </p:txBody>
+      </p:sp>
+      <p:sp>
+        <p:nvSpPr>
+          <p:cNvPr id="9222" name="Rectangle 6"/>
+          <p:cNvSpPr>
+            <a:spLocks noChangeArrowheads="1"/>
+          </p:cNvSpPr>
+          <p:nvPr/>
+        </p:nvSpPr>
+        <p:spPr bwMode="auto">
+          <a:xfrm>
+            <a:off x="0" y="0"/>
+            <a:ext cx="9144000" cy="457200"/>
+          </a:xfrm>
+          <a:prstGeom prst="rect">
+            <a:avLst/>
+          </a:prstGeom>
+          <a:noFill/>
+          <a:ln w="9525">
+            <a:noFill/>
+            <a:miter lim="800000"/>
+            <a:headEnd/>
+            <a:tailEnd/>
+          </a:ln>
+          <a:effectLst/>
+        </p:spPr>
+        <p:txBody>
+          <a:bodyPr vert="horz" wrap="none" lIns="91440" tIns="45720" rIns="91440" bIns="45720" numCol="1" anchor="ctr" anchorCtr="0" compatLnSpc="1">
+            <a:prstTxWarp prst="textNoShape">
+              <a:avLst/>
+            </a:prstTxWarp>
+            <a:spAutoFit/>
+          </a:bodyPr>
+          <a:lstStyle/>
+          <a:p>
+            <a:endParaRPr lang="en-US"/>
+          </a:p>
+        </p:txBody>
+      </p:sp>
+      <p:sp>
+        <p:nvSpPr>
+          <p:cNvPr id="9223" name="Rectangle 7"/>
+          <p:cNvSpPr>
+            <a:spLocks noChangeArrowheads="1"/>
+          </p:cNvSpPr>
+          <p:nvPr/>
+        </p:nvSpPr>
+        <p:spPr bwMode="auto">
+          <a:xfrm>
+            <a:off x="180975" y="828675"/>
+            <a:ext cx="9144000" cy="0"/>
+          </a:xfrm>
+          <a:prstGeom prst="rect">
+            <a:avLst/>
+          </a:prstGeom>
+          <a:noFill/>
+          <a:ln w="9525">
+            <a:noFill/>
+            <a:miter lim="800000"/>
+            <a:headEnd/>
+            <a:tailEnd/>
+          </a:ln>
+          <a:effectLst/>
+        </p:spPr>
+        <p:txBody>
+          <a:bodyPr vert="horz" wrap="none" lIns="91440" tIns="45720" rIns="91440" bIns="45720" numCol="1" anchor="ctr" anchorCtr="0" compatLnSpc="1">
+            <a:prstTxWarp prst="textNoShape">
+              <a:avLst/>
+            </a:prstTxWarp>
+            <a:spAutoFit/>
+          </a:bodyPr>
+          <a:lstStyle/>
+          <a:p>
+            <a:pPr marL="0" marR="0" lvl="0" indent="0" algn="l" defTabSz="914400" rtl="0" eaLnBrk="1" fontAlgn="base" latinLnBrk="0" hangingPunct="1">
+              <a:lnSpc>
+                <a:spcPct val="100000"/>
+              </a:lnSpc>
+              <a:spcBef>
+                <a:spcPct val="0"/>
+              </a:spcBef>
+              <a:spcAft>
+                <a:spcPct val="0"/>
+              </a:spcAft>
+              <a:buClrTx/>
+              <a:buSzTx/>
+              <a:buFontTx/>
+              <a:buNone/>
+              <a:tabLst/>
+            </a:pPr>
+            <a:endParaRPr kumimoji="0" lang="de-DE" sz="1800" b="0" i="0" u="none" strike="noStrike" cap="none" normalizeH="0" baseline="0" smtClean="0">
+              <a:ln>
+                <a:noFill/>
+              </a:ln>
+              <a:solidFill>
+                <a:schemeClr val="tx1"/>
+              </a:solidFill>
+              <a:effectLst/>
+              <a:latin typeface="Arial" pitchFamily="34" charset="0"/>
+              <a:cs typeface="Arial" pitchFamily="34" charset="0"/>
+            </a:endParaRPr>
+          </a:p>
+        </p:txBody>
+      </p:sp>
+      <p:graphicFrame>
+        <p:nvGraphicFramePr>
+          <p:cNvPr id="14" name="Objekt 13"/>
+          <p:cNvGraphicFramePr>
+            <a:graphicFrameLocks noChangeAspect="1"/>
+          </p:cNvGraphicFramePr>
+          <p:nvPr/>
+        </p:nvGraphicFramePr>
+        <p:xfrm>
+          <a:off x="1907704" y="2420888"/>
+          <a:ext cx="1474788" cy="788987"/>
+        </p:xfrm>
+        <a:graphic>
+          <a:graphicData uri="http://schemas.openxmlformats.org/presentationml/2006/ole">
+            <p:oleObj spid="_x0000_s9224" name="Formel" r:id="rId3" imgW="736560" imgH="393480" progId="Equation.3">
+              <p:embed/>
+            </p:oleObj>
+          </a:graphicData>
+        </a:graphic>
+      </p:graphicFrame>
+      <p:graphicFrame>
+        <p:nvGraphicFramePr>
+          <p:cNvPr id="15" name="Objekt 14"/>
+          <p:cNvGraphicFramePr>
+            <a:graphicFrameLocks noChangeAspect="1"/>
+          </p:cNvGraphicFramePr>
+          <p:nvPr/>
+        </p:nvGraphicFramePr>
+        <p:xfrm>
+          <a:off x="3779912" y="4149080"/>
+          <a:ext cx="2490788" cy="787400"/>
+        </p:xfrm>
+        <a:graphic>
+          <a:graphicData uri="http://schemas.openxmlformats.org/presentationml/2006/ole">
+            <p:oleObj spid="_x0000_s9225" name="Formel" r:id="rId4" imgW="1244520" imgH="393480" progId="Equation.3">
+              <p:embed/>
+            </p:oleObj>
+          </a:graphicData>
+        </a:graphic>
+      </p:graphicFrame>
     </p:spTree>
   </p:cSld>
   <p:clrMapOvr>
@@ -5543,7 +6695,23 @@
           <a:bodyPr/>
           <a:lstStyle/>
           <a:p>
-            <a:endParaRPr lang="de-CH"/>
+            <a:r>
+              <a:rPr lang="de-CH" dirty="0" err="1" smtClean="0"/>
+              <a:t>Disease</a:t>
+            </a:r>
+            <a:r>
+              <a:rPr lang="de-CH" dirty="0" smtClean="0"/>
+              <a:t> </a:t>
+            </a:r>
+            <a:r>
+              <a:rPr lang="de-CH" dirty="0" err="1" smtClean="0"/>
+              <a:t>spreading</a:t>
+            </a:r>
+            <a:r>
+              <a:rPr lang="de-CH" dirty="0" smtClean="0"/>
+              <a:t> - Traffic</a:t>
+            </a:r>
+            <a:endParaRPr lang="de-CH" dirty="0"/>
           </a:p>
         </p:txBody>
       </p:sp>
@@ -5583,7 +6751,7 @@
           <a:p>
             <a:r>
               <a:rPr lang="de-DE" smtClean="0"/>
-              <a:t>Mittwoch, 29. Mai 2012</a:t>
+              <a:t>Mittwoch, 30. Mai 2012</a:t>
             </a:r>
             <a:endParaRPr lang="de-CH"/>
           </a:p>
@@ -5606,6 +6774,7 @@
           <a:p>
             <a:fld id="{B3DD1121-23E5-4B82-91E3-3154AA63DE81}" type="slidenum">
               <a:rPr lang="de-CH" smtClean="0"/>
+              <a:pPr/>
               <a:t>7</a:t>
             </a:fld>
             <a:endParaRPr lang="de-CH"/>
@@ -5678,7 +6847,11 @@
           <a:bodyPr/>
           <a:lstStyle/>
           <a:p>
-            <a:endParaRPr lang="de-CH"/>
+            <a:r>
+              <a:rPr lang="en-US" dirty="0" smtClean="0"/>
+              <a:t>Approximations</a:t>
+            </a:r>
+            <a:endParaRPr lang="en-US" dirty="0"/>
           </a:p>
         </p:txBody>
       </p:sp>
@@ -5697,7 +6870,76 @@
           <a:bodyPr/>
           <a:lstStyle/>
           <a:p>
-            <a:endParaRPr lang="de-CH"/>
+            <a:r>
+              <a:rPr lang="en-US" dirty="0" smtClean="0"/>
+              <a:t>Large number of </a:t>
+            </a:r>
+            <a:r>
+              <a:rPr lang="en-US" dirty="0" err="1" smtClean="0"/>
+              <a:t>caluclations</a:t>
+            </a:r>
+            <a:endParaRPr lang="en-US" dirty="0" smtClean="0"/>
+          </a:p>
+          <a:p>
+            <a:r>
+              <a:rPr lang="en-US" dirty="0" smtClean="0"/>
+              <a:t>Infections approximations:</a:t>
+            </a:r>
+          </a:p>
+          <a:p>
+            <a:pPr lvl="1"/>
+            <a:r>
+              <a:rPr lang="en-US" dirty="0" smtClean="0"/>
+              <a:t>With binomial distributed random variable (multiple infections of the same susceptible possible)</a:t>
+            </a:r>
+          </a:p>
+          <a:p>
+            <a:pPr lvl="1"/>
+            <a:r>
+              <a:rPr lang="en-US" dirty="0" smtClean="0"/>
+              <a:t>In a later stage (above 10,000 infected) no random component anymore</a:t>
+            </a:r>
+          </a:p>
+          <a:p>
+            <a:r>
+              <a:rPr lang="en-US" dirty="0" smtClean="0"/>
+              <a:t>Traffic approximations:</a:t>
+            </a:r>
+          </a:p>
+          <a:p>
+            <a:pPr lvl="1"/>
+            <a:endParaRPr lang="en-US" dirty="0" smtClean="0"/>
+          </a:p>
+          <a:p>
+            <a:r>
+              <a:rPr lang="en-US" dirty="0" smtClean="0"/>
+              <a:t>Use of </a:t>
+            </a:r>
+            <a:r>
+              <a:rPr lang="en-US" dirty="0" err="1" smtClean="0"/>
+              <a:t>parfore</a:t>
+            </a:r>
+            <a:r>
+              <a:rPr lang="en-US" dirty="0" smtClean="0"/>
+              <a:t> for </a:t>
+            </a:r>
+            <a:r>
+              <a:rPr lang="en-US" dirty="0" err="1" smtClean="0"/>
+              <a:t>simultanious</a:t>
+            </a:r>
+            <a:r>
+              <a:rPr lang="en-US" dirty="0" smtClean="0"/>
+              <a:t> simulations. (One run, 80 </a:t>
+            </a:r>
+            <a:r>
+              <a:rPr lang="en-US" smtClean="0"/>
+              <a:t>days simulated </a:t>
+            </a:r>
+            <a:r>
+              <a:rPr lang="en-US" dirty="0" smtClean="0"/>
+              <a:t>approx. 30 min on a standard laptop).</a:t>
+            </a:r>
+            <a:endParaRPr lang="en-US" dirty="0"/>
           </a:p>
         </p:txBody>
       </p:sp>
@@ -5718,7 +6960,7 @@
           <a:p>
             <a:r>
               <a:rPr lang="de-DE" smtClean="0"/>
-              <a:t>Mittwoch, 29. Mai 2012</a:t>
+              <a:t>Mittwoch, 30. Mai 2012</a:t>
             </a:r>
             <a:endParaRPr lang="de-CH"/>
           </a:p>
@@ -5741,6 +6983,7 @@
           <a:p>
             <a:fld id="{B3DD1121-23E5-4B82-91E3-3154AA63DE81}" type="slidenum">
               <a:rPr lang="de-CH" smtClean="0"/>
+              <a:pPr/>
               <a:t>8</a:t>
             </a:fld>
             <a:endParaRPr lang="de-CH"/>
@@ -5800,7 +7043,7 @@
       </p:grpSpPr>
       <p:sp>
         <p:nvSpPr>
-          <p:cNvPr id="10" name="Titel 9"/>
+          <p:cNvPr id="2" name="Titel 1"/>
           <p:cNvSpPr>
             <a:spLocks noGrp="1"/>
           </p:cNvSpPr>
@@ -5815,43 +7058,7 @@
           <a:p>
             <a:r>
               <a:rPr lang="de-CH" dirty="0" err="1" smtClean="0"/>
-              <a:t>Movie</a:t>
-            </a:r>
-            <a:r>
-              <a:rPr lang="de-CH" dirty="0" smtClean="0"/>
-              <a:t> </a:t>
-            </a:r>
-            <a:r>
-              <a:rPr lang="de-CH" dirty="0" err="1" smtClean="0"/>
-              <a:t>of</a:t>
-            </a:r>
-            <a:r>
-              <a:rPr lang="de-CH" dirty="0" smtClean="0"/>
-              <a:t> </a:t>
-            </a:r>
-            <a:r>
-              <a:rPr lang="de-CH" dirty="0" err="1" smtClean="0"/>
-              <a:t>the</a:t>
-            </a:r>
-            <a:r>
-              <a:rPr lang="de-CH" dirty="0" smtClean="0"/>
-              <a:t> </a:t>
-            </a:r>
-            <a:r>
-              <a:rPr lang="de-CH" dirty="0" err="1" smtClean="0"/>
-              <a:t>disease</a:t>
-            </a:r>
-            <a:r>
-              <a:rPr lang="de-CH" dirty="0" smtClean="0"/>
-              <a:t> </a:t>
-            </a:r>
-            <a:r>
-              <a:rPr lang="de-CH" dirty="0" err="1" smtClean="0"/>
-              <a:t>spreading</a:t>
-            </a:r>
-            <a:r>
-              <a:rPr lang="de-CH" dirty="0" smtClean="0"/>
-              <a:t> </a:t>
+              <a:t>Results</a:t>
             </a:r>
             <a:endParaRPr lang="de-CH" dirty="0"/>
           </a:p>
@@ -5859,7 +7066,26 @@
       </p:sp>
       <p:sp>
         <p:nvSpPr>
-          <p:cNvPr id="5" name="Datumsplatzhalter 4"/>
+          <p:cNvPr id="3" name="Inhaltsplatzhalter 2"/>
+          <p:cNvSpPr>
+            <a:spLocks noGrp="1"/>
+          </p:cNvSpPr>
+          <p:nvPr>
+            <p:ph idx="1"/>
+          </p:nvPr>
+        </p:nvSpPr>
+        <p:spPr/>
+        <p:txBody>
+          <a:bodyPr/>
+          <a:lstStyle/>
+          <a:p>
+            <a:endParaRPr lang="de-CH"/>
+          </a:p>
+        </p:txBody>
+      </p:sp>
+      <p:sp>
+        <p:nvSpPr>
+          <p:cNvPr id="4" name="Datumsplatzhalter 3"/>
           <p:cNvSpPr>
             <a:spLocks noGrp="1"/>
           </p:cNvSpPr>
@@ -5873,16 +7099,16 @@
           <a:lstStyle/>
           <a:p>
             <a:r>
-              <a:rPr lang="de-DE" dirty="0" smtClean="0"/>
-              <a:t>Mittwoch, 29. Mai 2012</a:t>
-            </a:r>
-            <a:endParaRPr lang="de-CH" dirty="0"/>
-          </a:p>
-        </p:txBody>
-      </p:sp>
-      <p:sp>
-        <p:nvSpPr>
-          <p:cNvPr id="6" name="Foliennummernplatzhalter 5"/>
+              <a:rPr lang="de-DE" smtClean="0"/>
+              <a:t>Mittwoch, 30. Mai 2012</a:t>
+            </a:r>
+            <a:endParaRPr lang="de-CH"/>
+          </a:p>
+        </p:txBody>
+      </p:sp>
+      <p:sp>
+        <p:nvSpPr>
+          <p:cNvPr id="5" name="Foliennummernplatzhalter 4"/>
           <p:cNvSpPr>
             <a:spLocks noGrp="1"/>
           </p:cNvSpPr>
@@ -5897,15 +7123,16 @@
           <a:p>
             <a:fld id="{B3DD1121-23E5-4B82-91E3-3154AA63DE81}" type="slidenum">
               <a:rPr lang="de-CH" smtClean="0"/>
+              <a:pPr/>
               <a:t>9</a:t>
             </a:fld>
-            <a:endParaRPr lang="de-CH" dirty="0"/>
-          </a:p>
-        </p:txBody>
-      </p:sp>
-      <p:sp>
-        <p:nvSpPr>
-          <p:cNvPr id="7" name="Fußzeilenplatzhalter 6"/>
+            <a:endParaRPr lang="de-CH"/>
+          </a:p>
+        </p:txBody>
+      </p:sp>
+      <p:sp>
+        <p:nvSpPr>
+          <p:cNvPr id="6" name="Fußzeilenplatzhalter 5"/>
           <p:cNvSpPr>
             <a:spLocks noGrp="1"/>
           </p:cNvSpPr>
@@ -5919,163 +7146,10 @@
           <a:lstStyle/>
           <a:p>
             <a:r>
-              <a:rPr lang="en-US" dirty="0" smtClean="0"/>
-              <a:t>Christian </a:t>
-            </a:r>
-            <a:r>
-              <a:rPr lang="en-US" dirty="0" err="1" smtClean="0"/>
-              <a:t>Jordi</a:t>
-            </a:r>
-            <a:r>
-              <a:rPr lang="en-US" dirty="0" smtClean="0"/>
-              <a:t>, </a:t>
-            </a:r>
-            <a:r>
-              <a:rPr lang="en-US" dirty="0" err="1" smtClean="0"/>
-              <a:t>Yannick</a:t>
-            </a:r>
-            <a:r>
-              <a:rPr lang="en-US" dirty="0" smtClean="0"/>
-              <a:t> </a:t>
-            </a:r>
-            <a:r>
-              <a:rPr lang="en-US" dirty="0" err="1" smtClean="0"/>
-              <a:t>Schmid</a:t>
-            </a:r>
-            <a:r>
-              <a:rPr lang="en-US" dirty="0" smtClean="0"/>
-              <a:t>, Pascal </a:t>
-            </a:r>
-            <a:r>
-              <a:rPr lang="en-US" dirty="0" err="1" smtClean="0"/>
-              <a:t>Stücheli</a:t>
-            </a:r>
-            <a:endParaRPr lang="de-CH" dirty="0"/>
-          </a:p>
-        </p:txBody>
-      </p:sp>
-      <p:sp>
-        <p:nvSpPr>
-          <p:cNvPr id="15" name="Inhaltsplatzhalter 14"/>
-          <p:cNvSpPr>
-            <a:spLocks noGrp="1"/>
-          </p:cNvSpPr>
-          <p:nvPr>
-            <p:ph idx="1"/>
-          </p:nvPr>
-        </p:nvSpPr>
-        <p:spPr/>
-        <p:txBody>
-          <a:bodyPr/>
-          <a:lstStyle/>
-          <a:p>
-            <a:r>
-              <a:rPr lang="de-CH" dirty="0" err="1" smtClean="0"/>
-              <a:t>Infection</a:t>
-            </a:r>
-            <a:r>
-              <a:rPr lang="de-CH" dirty="0" smtClean="0"/>
-              <a:t> </a:t>
-            </a:r>
-            <a:r>
-              <a:rPr lang="de-CH" dirty="0" err="1" smtClean="0"/>
-              <a:t>of</a:t>
-            </a:r>
-            <a:r>
-              <a:rPr lang="de-CH" dirty="0" smtClean="0"/>
-              <a:t> a 500 </a:t>
-            </a:r>
-            <a:r>
-              <a:rPr lang="de-CH" dirty="0" err="1" smtClean="0"/>
-              <a:t>city</a:t>
-            </a:r>
-            <a:r>
-              <a:rPr lang="de-CH" dirty="0" smtClean="0"/>
-              <a:t> </a:t>
-            </a:r>
-            <a:r>
-              <a:rPr lang="de-CH" dirty="0" err="1" smtClean="0"/>
-              <a:t>network</a:t>
-            </a:r>
-            <a:endParaRPr lang="de-CH" dirty="0" smtClean="0"/>
-          </a:p>
-          <a:p>
-            <a:r>
-              <a:rPr lang="de-CH" dirty="0" smtClean="0"/>
-              <a:t>The </a:t>
-            </a:r>
-            <a:r>
-              <a:rPr lang="de-CH" dirty="0" err="1" smtClean="0"/>
-              <a:t>colour</a:t>
-            </a:r>
-            <a:r>
-              <a:rPr lang="de-CH" dirty="0" smtClean="0"/>
-              <a:t> </a:t>
-            </a:r>
-            <a:r>
-              <a:rPr lang="de-CH" dirty="0" err="1" smtClean="0"/>
-              <a:t>scale</a:t>
-            </a:r>
-            <a:r>
-              <a:rPr lang="de-CH" dirty="0" smtClean="0"/>
-              <a:t> </a:t>
-            </a:r>
-            <a:r>
-              <a:rPr lang="de-CH" dirty="0" err="1" smtClean="0"/>
-              <a:t>is</a:t>
-            </a:r>
-            <a:r>
-              <a:rPr lang="de-CH" dirty="0" smtClean="0"/>
-              <a:t> not linear, </a:t>
-            </a:r>
-            <a:r>
-              <a:rPr lang="de-CH" dirty="0" err="1" smtClean="0"/>
-              <a:t>small</a:t>
-            </a:r>
-            <a:r>
-              <a:rPr lang="de-CH" dirty="0" smtClean="0"/>
-              <a:t> </a:t>
-            </a:r>
-            <a:r>
-              <a:rPr lang="de-CH" dirty="0" err="1" smtClean="0"/>
-              <a:t>infected</a:t>
-            </a:r>
-            <a:r>
-              <a:rPr lang="de-CH" dirty="0" smtClean="0"/>
-              <a:t> </a:t>
-            </a:r>
-            <a:r>
-              <a:rPr lang="de-CH" dirty="0" err="1" smtClean="0"/>
-              <a:t>numbers</a:t>
-            </a:r>
-            <a:r>
-              <a:rPr lang="de-CH" dirty="0" smtClean="0"/>
-              <a:t> </a:t>
-            </a:r>
-            <a:r>
-              <a:rPr lang="de-CH" dirty="0" err="1" smtClean="0"/>
-              <a:t>are</a:t>
-            </a:r>
-            <a:r>
-              <a:rPr lang="de-CH" dirty="0" smtClean="0"/>
-              <a:t> </a:t>
-            </a:r>
-            <a:r>
-              <a:rPr lang="de-CH" dirty="0" err="1" smtClean="0"/>
-              <a:t>shown</a:t>
-            </a:r>
-            <a:r>
-              <a:rPr lang="de-CH" dirty="0" smtClean="0"/>
-              <a:t> </a:t>
-            </a:r>
-            <a:r>
-              <a:rPr lang="de-CH" dirty="0" err="1" smtClean="0"/>
-              <a:t>stronger</a:t>
-            </a:r>
-            <a:endParaRPr lang="de-CH" dirty="0" smtClean="0"/>
-          </a:p>
-          <a:p>
-            <a:endParaRPr lang="de-CH" dirty="0"/>
+              <a:rPr lang="en-US" smtClean="0"/>
+              <a:t>Christian Jordi, Yannick Schmid, Pascal Stücheli</a:t>
+            </a:r>
+            <a:endParaRPr lang="de-CH"/>
           </a:p>
         </p:txBody>
       </p:sp>
@@ -6087,13 +7161,6 @@
   <p:transition spd="slow">
     <p:fade/>
   </p:transition>
-  <p:timing>
-    <p:tnLst>
-      <p:par>
-        <p:cTn id="1" dur="indefinite" restart="never" nodeType="tmRoot"/>
-      </p:par>
-    </p:tnLst>
-  </p:timing>
 </p:sld>
 </file>
 

--- a/presentation/Epicdemics_presentation.pptx
+++ b/presentation/Epicdemics_presentation.pptx
@@ -4855,7 +4855,13 @@
           <a:bodyPr/>
           <a:lstStyle/>
           <a:p>
-            <a:endParaRPr lang="de-CH"/>
+            <a:r>
+              <a:rPr lang="en-US" dirty="0" smtClean="0"/>
+              <a:t>Realization of our own ideas for a stochastic simulation of an epidemic outbreak in a large network.</a:t>
+            </a:r>
+          </a:p>
+          <a:p>
+            <a:endParaRPr lang="en-US" dirty="0"/>
           </a:p>
         </p:txBody>
       </p:sp>
@@ -4995,7 +5001,7 @@
           <a:bodyPr/>
           <a:lstStyle/>
           <a:p>
-            <a:endParaRPr lang="en-US"/>
+            <a:endParaRPr lang="en-US" dirty="0"/>
           </a:p>
         </p:txBody>
       </p:sp>
@@ -6109,156 +6115,37 @@
           <a:lstStyle/>
           <a:p>
             <a:r>
-              <a:rPr lang="de-CH" dirty="0" smtClean="0"/>
-              <a:t>SI – model (non </a:t>
-            </a:r>
-            <a:r>
-              <a:rPr lang="de-CH" dirty="0" err="1" smtClean="0"/>
-              <a:t>lethal</a:t>
-            </a:r>
-            <a:r>
-              <a:rPr lang="de-CH" dirty="0" smtClean="0"/>
-              <a:t> / </a:t>
-            </a:r>
-            <a:r>
-              <a:rPr lang="de-CH" dirty="0" err="1" smtClean="0"/>
-              <a:t>no</a:t>
-            </a:r>
-            <a:r>
-              <a:rPr lang="de-CH" dirty="0" smtClean="0"/>
-              <a:t> </a:t>
-            </a:r>
-            <a:r>
-              <a:rPr lang="de-CH" dirty="0" err="1" smtClean="0"/>
-              <a:t>resistance</a:t>
-            </a:r>
-            <a:r>
-              <a:rPr lang="de-CH" dirty="0" smtClean="0"/>
-              <a:t>)</a:t>
-            </a:r>
-          </a:p>
-          <a:p>
-            <a:endParaRPr lang="de-CH" dirty="0" smtClean="0"/>
-          </a:p>
-          <a:p>
-            <a:r>
-              <a:rPr lang="de-CH" dirty="0"/>
-              <a:t> </a:t>
-            </a:r>
-            <a:r>
-              <a:rPr lang="de-CH" dirty="0" smtClean="0"/>
-              <a:t>ODE:</a:t>
-            </a:r>
-          </a:p>
-          <a:p>
-            <a:endParaRPr lang="de-CH" dirty="0" smtClean="0"/>
-          </a:p>
-          <a:p>
-            <a:r>
-              <a:rPr lang="de-CH" dirty="0" err="1" smtClean="0"/>
-              <a:t>Stochastic</a:t>
-            </a:r>
-            <a:r>
-              <a:rPr lang="de-CH" dirty="0" smtClean="0"/>
-              <a:t> model: Normal </a:t>
-            </a:r>
-            <a:r>
-              <a:rPr lang="de-CH" dirty="0" err="1" smtClean="0"/>
-              <a:t>distributed</a:t>
-            </a:r>
-            <a:r>
-              <a:rPr lang="de-CH" dirty="0" smtClean="0"/>
-              <a:t> </a:t>
-            </a:r>
-            <a:r>
-              <a:rPr lang="de-CH" dirty="0" err="1" smtClean="0"/>
-              <a:t>numbers</a:t>
-            </a:r>
-            <a:r>
-              <a:rPr lang="de-CH" dirty="0" smtClean="0"/>
-              <a:t> </a:t>
-            </a:r>
-            <a:r>
-              <a:rPr lang="de-CH" dirty="0" err="1" smtClean="0"/>
-              <a:t>of</a:t>
-            </a:r>
-            <a:r>
-              <a:rPr lang="de-CH" dirty="0" smtClean="0"/>
-              <a:t> </a:t>
-            </a:r>
-            <a:r>
-              <a:rPr lang="de-CH" dirty="0" err="1" smtClean="0"/>
-              <a:t>meetings</a:t>
-            </a:r>
-            <a:r>
-              <a:rPr lang="de-CH" dirty="0" smtClean="0"/>
-              <a:t> </a:t>
-            </a:r>
-            <a:r>
-              <a:rPr lang="de-CH" dirty="0" err="1" smtClean="0"/>
-              <a:t>for</a:t>
-            </a:r>
-            <a:r>
-              <a:rPr lang="de-CH" dirty="0" smtClean="0"/>
-              <a:t> </a:t>
-            </a:r>
-            <a:r>
-              <a:rPr lang="de-CH" dirty="0" err="1" smtClean="0"/>
-              <a:t>each</a:t>
-            </a:r>
-            <a:r>
-              <a:rPr lang="de-CH" dirty="0" smtClean="0"/>
-              <a:t> </a:t>
-            </a:r>
-            <a:r>
-              <a:rPr lang="de-CH" dirty="0" err="1" smtClean="0"/>
-              <a:t>infected</a:t>
-            </a:r>
-            <a:r>
-              <a:rPr lang="de-CH" dirty="0" smtClean="0"/>
-              <a:t>. </a:t>
-            </a:r>
-            <a:r>
-              <a:rPr lang="de-CH" dirty="0" err="1" smtClean="0"/>
-              <a:t>Depending</a:t>
-            </a:r>
-            <a:r>
-              <a:rPr lang="de-CH" dirty="0" smtClean="0"/>
-              <a:t> on </a:t>
-            </a:r>
-            <a:r>
-              <a:rPr lang="el-GR" dirty="0" smtClean="0"/>
-              <a:t>Δ</a:t>
-            </a:r>
-            <a:r>
-              <a:rPr lang="de-CH" dirty="0" smtClean="0"/>
-              <a:t>t</a:t>
-            </a:r>
-          </a:p>
-          <a:p>
-            <a:r>
-              <a:rPr lang="de-CH" dirty="0" err="1" smtClean="0"/>
-              <a:t>For</a:t>
-            </a:r>
-            <a:r>
-              <a:rPr lang="de-CH" dirty="0" smtClean="0"/>
-              <a:t> </a:t>
-            </a:r>
-            <a:r>
-              <a:rPr lang="de-CH" dirty="0" err="1" smtClean="0"/>
-              <a:t>each</a:t>
-            </a:r>
-            <a:r>
-              <a:rPr lang="de-CH" dirty="0" smtClean="0"/>
-              <a:t> </a:t>
-            </a:r>
-            <a:r>
-              <a:rPr lang="de-CH" dirty="0" err="1" smtClean="0"/>
-              <a:t>meeting</a:t>
-            </a:r>
-            <a:r>
-              <a:rPr lang="de-CH" dirty="0" smtClean="0"/>
-              <a:t>:</a:t>
+              <a:rPr lang="en-US" dirty="0" smtClean="0"/>
+              <a:t>SI – model (non lethal / no resistance)</a:t>
+            </a:r>
+          </a:p>
+          <a:p>
+            <a:endParaRPr lang="en-US" dirty="0" smtClean="0"/>
+          </a:p>
+          <a:p>
+            <a:r>
+              <a:rPr lang="en-US" dirty="0" smtClean="0"/>
+              <a:t> ODE:</a:t>
+            </a:r>
+          </a:p>
+          <a:p>
+            <a:endParaRPr lang="en-US" dirty="0" smtClean="0"/>
+          </a:p>
+          <a:p>
+            <a:r>
+              <a:rPr lang="en-US" dirty="0" smtClean="0"/>
+              <a:t>Stochastic model: Normal distributed numbers of meetings for each infected. Depending on </a:t>
+            </a:r>
+            <a:r>
+              <a:rPr lang="en-US" dirty="0" err="1" smtClean="0"/>
+              <a:t>Δt</a:t>
+            </a:r>
+            <a:endParaRPr lang="en-US" dirty="0" smtClean="0"/>
+          </a:p>
+          <a:p>
+            <a:r>
+              <a:rPr lang="en-US" dirty="0" smtClean="0"/>
+              <a:t>For each meeting:</a:t>
             </a:r>
           </a:p>
           <a:p>
@@ -6266,94 +6153,14 @@
               <a:buNone/>
             </a:pPr>
             <a:r>
-              <a:rPr lang="de-CH" dirty="0" smtClean="0"/>
+              <a:rPr lang="en-US" dirty="0" smtClean="0"/>
               <a:t> </a:t>
             </a:r>
           </a:p>
           <a:p>
             <a:r>
-              <a:rPr lang="de-CH" dirty="0" smtClean="0"/>
-              <a:t>Parameters </a:t>
-            </a:r>
-            <a:r>
-              <a:rPr lang="de-CH" dirty="0" err="1" smtClean="0"/>
-              <a:t>were</a:t>
-            </a:r>
-            <a:r>
-              <a:rPr lang="de-CH" dirty="0" smtClean="0"/>
-              <a:t> </a:t>
-            </a:r>
-            <a:r>
-              <a:rPr lang="de-CH" dirty="0" err="1" smtClean="0"/>
-              <a:t>estimated</a:t>
-            </a:r>
-            <a:r>
-              <a:rPr lang="de-CH" dirty="0" smtClean="0"/>
-              <a:t> </a:t>
-            </a:r>
-            <a:r>
-              <a:rPr lang="de-CH" dirty="0" err="1" smtClean="0"/>
-              <a:t>with</a:t>
-            </a:r>
-            <a:r>
-              <a:rPr lang="de-CH" dirty="0" smtClean="0"/>
-              <a:t> a </a:t>
-            </a:r>
-            <a:r>
-              <a:rPr lang="de-CH" dirty="0" err="1" smtClean="0"/>
-              <a:t>disease</a:t>
-            </a:r>
-            <a:r>
-              <a:rPr lang="de-CH" dirty="0" smtClean="0"/>
-              <a:t> </a:t>
-            </a:r>
-            <a:r>
-              <a:rPr lang="de-CH" dirty="0" err="1" smtClean="0"/>
-              <a:t>outbreak</a:t>
-            </a:r>
-            <a:r>
-              <a:rPr lang="de-CH" dirty="0" smtClean="0"/>
-              <a:t> </a:t>
-            </a:r>
-            <a:r>
-              <a:rPr lang="de-CH" dirty="0" err="1" smtClean="0"/>
-              <a:t>of</a:t>
-            </a:r>
-            <a:r>
-              <a:rPr lang="de-CH" dirty="0" smtClean="0"/>
-              <a:t> a </a:t>
-            </a:r>
-            <a:r>
-              <a:rPr lang="de-CH" dirty="0" err="1" smtClean="0"/>
-              <a:t>flu</a:t>
-            </a:r>
-            <a:r>
-              <a:rPr lang="de-CH" dirty="0" smtClean="0"/>
-              <a:t>. </a:t>
-            </a:r>
-            <a:r>
-              <a:rPr lang="de-CH" dirty="0" err="1" smtClean="0"/>
-              <a:t>Very</a:t>
-            </a:r>
-            <a:r>
-              <a:rPr lang="de-CH" dirty="0" smtClean="0"/>
-              <a:t> </a:t>
-            </a:r>
-            <a:r>
-              <a:rPr lang="de-CH" dirty="0" err="1" smtClean="0"/>
-              <a:t>rough</a:t>
-            </a:r>
-            <a:r>
-              <a:rPr lang="de-CH" dirty="0" smtClean="0"/>
-              <a:t> </a:t>
-            </a:r>
-            <a:r>
-              <a:rPr lang="de-CH" dirty="0" err="1" smtClean="0"/>
-              <a:t>approximation</a:t>
-            </a:r>
-            <a:r>
-              <a:rPr lang="de-CH" dirty="0" smtClean="0"/>
-              <a:t>. </a:t>
+              <a:rPr lang="en-US" dirty="0" smtClean="0"/>
+              <a:t>Parameters were estimated with a disease outbreak of a flu. Very rough approximation. </a:t>
             </a:r>
           </a:p>
           <a:p>
@@ -6717,7 +6524,7 @@
       </p:sp>
       <p:sp>
         <p:nvSpPr>
-          <p:cNvPr id="3" name="Inhaltsplatzhalter 2"/>
+          <p:cNvPr id="10" name="Inhaltsplatzhalter 9"/>
           <p:cNvSpPr>
             <a:spLocks noGrp="1"/>
           </p:cNvSpPr>
@@ -6730,7 +6537,23 @@
           <a:bodyPr/>
           <a:lstStyle/>
           <a:p>
-            <a:endParaRPr lang="de-CH"/>
+            <a:r>
+              <a:rPr lang="en-US" dirty="0" smtClean="0"/>
+              <a:t>For every edge in the network the number of travelers per time step were calculated based on the population of the smaller city (to avoid transport ˃ population).</a:t>
+            </a:r>
+          </a:p>
+          <a:p>
+            <a:r>
+              <a:rPr lang="en-US" dirty="0" smtClean="0"/>
+              <a:t>Scale transport according the degrees of connected cities (e.g. airports, train stations).</a:t>
+            </a:r>
+          </a:p>
+          <a:p>
+            <a:r>
+              <a:rPr lang="en-US" dirty="0" smtClean="0"/>
+              <a:t>Number of infected travelers is hyper geometrically distributed.</a:t>
+            </a:r>
+            <a:endParaRPr lang="en-US" dirty="0"/>
           </a:p>
         </p:txBody>
       </p:sp>
@@ -6801,6 +6624,210 @@
               <a:t>Christian Jordi, Yannick Schmid, Pascal Stücheli</a:t>
             </a:r>
             <a:endParaRPr lang="de-CH"/>
+          </a:p>
+        </p:txBody>
+      </p:sp>
+      <p:graphicFrame>
+        <p:nvGraphicFramePr>
+          <p:cNvPr id="26626" name="Object 2"/>
+          <p:cNvGraphicFramePr>
+            <a:graphicFrameLocks noChangeAspect="1"/>
+          </p:cNvGraphicFramePr>
+          <p:nvPr/>
+        </p:nvGraphicFramePr>
+        <p:xfrm>
+          <a:off x="2376264" y="4221088"/>
+          <a:ext cx="5796136" cy="1614381"/>
+        </p:xfrm>
+        <a:graphic>
+          <a:graphicData uri="http://schemas.openxmlformats.org/presentationml/2006/ole">
+            <p:oleObj spid="_x0000_s26626" name="CS ChemDraw Drawing" r:id="rId3" imgW="4827892" imgH="1345349" progId="ChemDraw.Document.6.0">
+              <p:embed/>
+            </p:oleObj>
+          </a:graphicData>
+        </a:graphic>
+      </p:graphicFrame>
+      <p:sp>
+        <p:nvSpPr>
+          <p:cNvPr id="26628" name="Rectangle 4"/>
+          <p:cNvSpPr>
+            <a:spLocks noChangeArrowheads="1"/>
+          </p:cNvSpPr>
+          <p:nvPr/>
+        </p:nvSpPr>
+        <p:spPr bwMode="auto">
+          <a:xfrm>
+            <a:off x="0" y="0"/>
+            <a:ext cx="9144000" cy="457200"/>
+          </a:xfrm>
+          <a:prstGeom prst="rect">
+            <a:avLst/>
+          </a:prstGeom>
+          <a:noFill/>
+          <a:ln w="9525">
+            <a:noFill/>
+            <a:miter lim="800000"/>
+            <a:headEnd/>
+            <a:tailEnd/>
+          </a:ln>
+          <a:effectLst/>
+        </p:spPr>
+        <p:txBody>
+          <a:bodyPr vert="horz" wrap="none" lIns="91440" tIns="45720" rIns="91440" bIns="45720" numCol="1" anchor="ctr" anchorCtr="0" compatLnSpc="1">
+            <a:prstTxWarp prst="textNoShape">
+              <a:avLst/>
+            </a:prstTxWarp>
+            <a:spAutoFit/>
+          </a:bodyPr>
+          <a:lstStyle/>
+          <a:p>
+            <a:endParaRPr lang="en-US"/>
+          </a:p>
+        </p:txBody>
+      </p:sp>
+      <p:pic>
+        <p:nvPicPr>
+          <p:cNvPr id="26627" name="Picture 3"/>
+          <p:cNvPicPr>
+            <a:picLocks noChangeAspect="1" noChangeArrowheads="1"/>
+          </p:cNvPicPr>
+          <p:nvPr/>
+        </p:nvPicPr>
+        <p:blipFill>
+          <a:blip r:embed="rId4" cstate="print">
+            <a:clrChange>
+              <a:clrFrom>
+                <a:srgbClr val="FFFFFF"/>
+              </a:clrFrom>
+              <a:clrTo>
+                <a:srgbClr val="FFFFFF">
+                  <a:alpha val="0"/>
+                </a:srgbClr>
+              </a:clrTo>
+            </a:clrChange>
+          </a:blip>
+          <a:srcRect/>
+          <a:stretch>
+            <a:fillRect/>
+          </a:stretch>
+        </p:blipFill>
+        <p:spPr bwMode="auto">
+          <a:xfrm>
+            <a:off x="3275856" y="5661248"/>
+            <a:ext cx="3131840" cy="611801"/>
+          </a:xfrm>
+          <a:prstGeom prst="rect">
+            <a:avLst/>
+          </a:prstGeom>
+          <a:noFill/>
+        </p:spPr>
+      </p:pic>
+      <p:sp>
+        <p:nvSpPr>
+          <p:cNvPr id="13" name="Rechteck 12"/>
+          <p:cNvSpPr/>
+          <p:nvPr/>
+        </p:nvSpPr>
+        <p:spPr>
+          <a:xfrm>
+            <a:off x="504056" y="4687976"/>
+            <a:ext cx="2123728" cy="1477328"/>
+          </a:xfrm>
+          <a:prstGeom prst="rect">
+            <a:avLst/>
+          </a:prstGeom>
+        </p:spPr>
+        <p:txBody>
+          <a:bodyPr wrap="square">
+            <a:spAutoFit/>
+          </a:bodyPr>
+          <a:lstStyle/>
+          <a:p>
+            <a:r>
+              <a:rPr lang="de-CH" b="1" dirty="0" smtClean="0"/>
+              <a:t>Fig. </a:t>
+            </a:r>
+            <a:r>
+              <a:rPr lang="de-CH" b="1" dirty="0" smtClean="0"/>
+              <a:t>3: </a:t>
+            </a:r>
+            <a:r>
+              <a:rPr lang="de-CH" i="1" dirty="0" smtClean="0"/>
+              <a:t>Sketch </a:t>
+            </a:r>
+            <a:r>
+              <a:rPr lang="de-CH" i="1" dirty="0" err="1" smtClean="0"/>
+              <a:t>of</a:t>
+            </a:r>
+            <a:r>
+              <a:rPr lang="de-CH" i="1" dirty="0" smtClean="0"/>
+              <a:t> </a:t>
+            </a:r>
+            <a:r>
+              <a:rPr lang="de-CH" i="1" dirty="0" err="1" smtClean="0"/>
+              <a:t>two</a:t>
+            </a:r>
+            <a:r>
+              <a:rPr lang="de-CH" i="1" dirty="0" smtClean="0"/>
+              <a:t> </a:t>
+            </a:r>
+            <a:r>
+              <a:rPr lang="de-CH" i="1" dirty="0" err="1" smtClean="0"/>
+              <a:t>cities</a:t>
+            </a:r>
+            <a:r>
+              <a:rPr lang="de-CH" i="1" dirty="0" smtClean="0"/>
+              <a:t> x </a:t>
+            </a:r>
+            <a:r>
+              <a:rPr lang="de-CH" i="1" dirty="0" err="1" smtClean="0"/>
+              <a:t>and</a:t>
+            </a:r>
+            <a:r>
+              <a:rPr lang="de-CH" i="1" dirty="0" smtClean="0"/>
+              <a:t> y. </a:t>
+            </a:r>
+            <a:r>
+              <a:rPr lang="de-CH" i="1" dirty="0" err="1" smtClean="0"/>
+              <a:t>Edges</a:t>
+            </a:r>
+            <a:r>
+              <a:rPr lang="de-CH" i="1" dirty="0" smtClean="0"/>
+              <a:t> </a:t>
+            </a:r>
+            <a:r>
+              <a:rPr lang="de-CH" i="1" dirty="0" err="1" smtClean="0"/>
+              <a:t>are</a:t>
+            </a:r>
+            <a:r>
+              <a:rPr lang="de-CH" i="1" dirty="0" smtClean="0"/>
+              <a:t> </a:t>
+            </a:r>
+            <a:r>
+              <a:rPr lang="de-CH" i="1" dirty="0" err="1" smtClean="0"/>
+              <a:t>indicated</a:t>
+            </a:r>
+            <a:r>
+              <a:rPr lang="de-CH" i="1" dirty="0" smtClean="0"/>
+              <a:t> </a:t>
+            </a:r>
+            <a:r>
+              <a:rPr lang="de-CH" i="1" dirty="0" err="1" smtClean="0"/>
+              <a:t>as</a:t>
+            </a:r>
+            <a:r>
+              <a:rPr lang="de-CH" i="1" dirty="0" smtClean="0"/>
+              <a:t> double </a:t>
+            </a:r>
+            <a:r>
+              <a:rPr lang="de-CH" i="1" dirty="0" err="1" smtClean="0"/>
+              <a:t>arrows</a:t>
+            </a:r>
+            <a:r>
+              <a:rPr lang="de-CH" i="1" dirty="0" smtClean="0"/>
+              <a:t>.</a:t>
+            </a:r>
+            <a:endParaRPr lang="de-CH" i="1" dirty="0"/>
           </a:p>
         </p:txBody>
       </p:sp>
@@ -6875,8 +6902,8 @@
               <a:t>Large number of </a:t>
             </a:r>
             <a:r>
-              <a:rPr lang="en-US" dirty="0" err="1" smtClean="0"/>
-              <a:t>caluclations</a:t>
+              <a:rPr lang="en-US" dirty="0" smtClean="0"/>
+              <a:t>calculations</a:t>
             </a:r>
             <a:endParaRPr lang="en-US" dirty="0" smtClean="0"/>
           </a:p>
@@ -6903,8 +6930,27 @@
           <a:p>
             <a:r>
               <a:rPr lang="en-US" dirty="0" smtClean="0"/>
-              <a:t>Traffic approximations:</a:t>
-            </a:r>
+              <a:t>Traffic approximations</a:t>
+            </a:r>
+            <a:r>
+              <a:rPr lang="en-US" dirty="0" smtClean="0"/>
+              <a:t>:</a:t>
+            </a:r>
+          </a:p>
+          <a:p>
+            <a:pPr lvl="1"/>
+            <a:r>
+              <a:rPr lang="en-US" dirty="0" smtClean="0"/>
+              <a:t>Same number of travelers in both direction of an edge</a:t>
+            </a:r>
+          </a:p>
+          <a:p>
+            <a:pPr lvl="1"/>
+            <a:r>
+              <a:rPr lang="en-US" dirty="0" smtClean="0"/>
+              <a:t>Un-weighted edges -&gt; no distances considered</a:t>
+            </a:r>
+            <a:endParaRPr lang="en-US" dirty="0" smtClean="0"/>
           </a:p>
           <a:p>
             <a:pPr lvl="1"/>
@@ -6924,20 +6970,12 @@
               <a:t> for </a:t>
             </a:r>
             <a:r>
-              <a:rPr lang="en-US" dirty="0" err="1" smtClean="0"/>
-              <a:t>simultanious</a:t>
-            </a:r>
-            <a:r>
               <a:rPr lang="en-US" dirty="0" smtClean="0"/>
-              <a:t> simulations. (One run, 80 </a:t>
-            </a:r>
-            <a:r>
-              <a:rPr lang="en-US" smtClean="0"/>
-              <a:t>days simulated </a:t>
+              <a:t>simultaneous </a:t>
             </a:r>
             <a:r>
               <a:rPr lang="en-US" dirty="0" smtClean="0"/>
-              <a:t>approx. 30 min on a standard laptop).</a:t>
+              <a:t>simulations. (One run, 80 days simulated approx. 30 min on a standard laptop).</a:t>
             </a:r>
             <a:endParaRPr lang="en-US" dirty="0"/>
           </a:p>

--- a/presentation/Epicdemics_presentation.pptx
+++ b/presentation/Epicdemics_presentation.pptx
@@ -205,7 +205,7 @@
             <a:fld id="{5EB728CB-F678-4CD9-8356-8BA5EBE38B4B}" type="datetimeFigureOut">
               <a:rPr lang="de-CH" smtClean="0"/>
               <a:pPr/>
-              <a:t>28.05.2012</a:t>
+              <a:t>29.05.2012</a:t>
             </a:fld>
             <a:endParaRPr lang="de-CH"/>
           </a:p>
@@ -3951,25 +3951,6 @@
       </p:sp>
       <p:sp>
         <p:nvSpPr>
-          <p:cNvPr id="3" name="Inhaltsplatzhalter 2"/>
-          <p:cNvSpPr>
-            <a:spLocks noGrp="1"/>
-          </p:cNvSpPr>
-          <p:nvPr>
-            <p:ph idx="1"/>
-          </p:nvPr>
-        </p:nvSpPr>
-        <p:spPr/>
-        <p:txBody>
-          <a:bodyPr/>
-          <a:lstStyle/>
-          <a:p>
-            <a:endParaRPr lang="en-US"/>
-          </a:p>
-        </p:txBody>
-      </p:sp>
-      <p:sp>
-        <p:nvSpPr>
           <p:cNvPr id="4" name="Datumsplatzhalter 3"/>
           <p:cNvSpPr>
             <a:spLocks noGrp="1"/>
@@ -4035,6 +4016,267 @@
               <a:t>Christian Jordi, Yannick Schmid, Pascal Stücheli</a:t>
             </a:r>
             <a:endParaRPr lang="de-CH"/>
+          </a:p>
+        </p:txBody>
+      </p:sp>
+      <p:pic>
+        <p:nvPicPr>
+          <p:cNvPr id="28674" name="Picture 2" descr="C:\Users\Dr. Stu\Epidemic_Simulation_SS2012\doc\word\degree_corr.png"/>
+          <p:cNvPicPr>
+            <a:picLocks noChangeAspect="1" noChangeArrowheads="1"/>
+          </p:cNvPicPr>
+          <p:nvPr/>
+        </p:nvPicPr>
+        <p:blipFill>
+          <a:blip r:embed="rId3" cstate="print"/>
+          <a:srcRect/>
+          <a:stretch>
+            <a:fillRect/>
+          </a:stretch>
+        </p:blipFill>
+        <p:spPr bwMode="auto">
+          <a:xfrm>
+            <a:off x="3563888" y="1196752"/>
+            <a:ext cx="5207620" cy="2483810"/>
+          </a:xfrm>
+          <a:prstGeom prst="rect">
+            <a:avLst/>
+          </a:prstGeom>
+          <a:noFill/>
+        </p:spPr>
+      </p:pic>
+      <p:pic>
+        <p:nvPicPr>
+          <p:cNvPr id="28675" name="Picture 3" descr="C:\Users\Dr. Stu\Epidemic_Simulation_SS2012\doc\word\distance_corr.png"/>
+          <p:cNvPicPr>
+            <a:picLocks noChangeAspect="1" noChangeArrowheads="1"/>
+          </p:cNvPicPr>
+          <p:nvPr/>
+        </p:nvPicPr>
+        <p:blipFill>
+          <a:blip r:embed="rId4" cstate="print"/>
+          <a:srcRect/>
+          <a:stretch>
+            <a:fillRect/>
+          </a:stretch>
+        </p:blipFill>
+        <p:spPr bwMode="auto">
+          <a:xfrm>
+            <a:off x="3563888" y="3681494"/>
+            <a:ext cx="5207620" cy="2483810"/>
+          </a:xfrm>
+          <a:prstGeom prst="rect">
+            <a:avLst/>
+          </a:prstGeom>
+          <a:noFill/>
+        </p:spPr>
+      </p:pic>
+      <p:sp>
+        <p:nvSpPr>
+          <p:cNvPr id="9" name="Rechteck 8"/>
+          <p:cNvSpPr/>
+          <p:nvPr/>
+        </p:nvSpPr>
+        <p:spPr>
+          <a:xfrm>
+            <a:off x="251520" y="5157192"/>
+            <a:ext cx="3960440" cy="1477328"/>
+          </a:xfrm>
+          <a:prstGeom prst="rect">
+            <a:avLst/>
+          </a:prstGeom>
+        </p:spPr>
+        <p:txBody>
+          <a:bodyPr wrap="square">
+            <a:spAutoFit/>
+          </a:bodyPr>
+          <a:lstStyle/>
+          <a:p>
+            <a:r>
+              <a:rPr lang="de-CH" b="1" dirty="0" smtClean="0"/>
+              <a:t>Fig. </a:t>
+            </a:r>
+            <a:r>
+              <a:rPr lang="de-CH" b="1" dirty="0" smtClean="0"/>
+              <a:t>6</a:t>
+            </a:r>
+            <a:r>
+              <a:rPr lang="de-CH" b="1" dirty="0" smtClean="0"/>
+              <a:t>: </a:t>
+            </a:r>
+            <a:r>
+              <a:rPr lang="de-CH" i="1" dirty="0" err="1" smtClean="0"/>
+              <a:t>Degree</a:t>
+            </a:r>
+            <a:r>
+              <a:rPr lang="de-CH" i="1" dirty="0" smtClean="0"/>
+              <a:t> versus time </a:t>
+            </a:r>
+            <a:r>
+              <a:rPr lang="de-CH" i="1" dirty="0" err="1" smtClean="0"/>
+              <a:t>until</a:t>
+            </a:r>
+            <a:r>
+              <a:rPr lang="de-CH" i="1" dirty="0" smtClean="0"/>
+              <a:t> 20 </a:t>
+            </a:r>
+            <a:r>
+              <a:rPr lang="de-CH" i="1" dirty="0" err="1" smtClean="0"/>
+              <a:t>cities</a:t>
+            </a:r>
+            <a:r>
+              <a:rPr lang="de-CH" i="1" dirty="0" smtClean="0"/>
+              <a:t> </a:t>
+            </a:r>
+            <a:r>
+              <a:rPr lang="de-CH" i="1" dirty="0" err="1" smtClean="0"/>
+              <a:t>are</a:t>
+            </a:r>
+            <a:r>
+              <a:rPr lang="de-CH" i="1" dirty="0" smtClean="0"/>
+              <a:t> </a:t>
+            </a:r>
+            <a:r>
+              <a:rPr lang="de-CH" i="1" dirty="0" err="1" smtClean="0"/>
+              <a:t>infected</a:t>
+            </a:r>
+            <a:endParaRPr lang="de-CH" b="1" dirty="0" smtClean="0"/>
+          </a:p>
+          <a:p>
+            <a:r>
+              <a:rPr lang="de-CH" b="1" dirty="0" smtClean="0"/>
+              <a:t>Fig. 7: </a:t>
+            </a:r>
+            <a:r>
+              <a:rPr lang="de-CH" i="1" dirty="0" err="1" smtClean="0"/>
+              <a:t>Distance</a:t>
+            </a:r>
+            <a:r>
+              <a:rPr lang="de-CH" i="1" dirty="0" smtClean="0"/>
+              <a:t> </a:t>
+            </a:r>
+            <a:r>
+              <a:rPr lang="de-CH" i="1" dirty="0" err="1" smtClean="0"/>
+              <a:t>between</a:t>
+            </a:r>
+            <a:r>
+              <a:rPr lang="de-CH" i="1" dirty="0" smtClean="0"/>
+              <a:t> </a:t>
+            </a:r>
+            <a:r>
+              <a:rPr lang="de-CH" i="1" dirty="0" err="1" smtClean="0"/>
+              <a:t>two</a:t>
+            </a:r>
+            <a:r>
+              <a:rPr lang="de-CH" i="1" dirty="0" smtClean="0"/>
+              <a:t> </a:t>
+            </a:r>
+            <a:r>
+              <a:rPr lang="de-CH" i="1" dirty="0" err="1" smtClean="0"/>
+              <a:t>nodes</a:t>
+            </a:r>
+            <a:r>
+              <a:rPr lang="de-CH" i="1" dirty="0" smtClean="0"/>
+              <a:t> </a:t>
+            </a:r>
+            <a:r>
+              <a:rPr lang="de-CH" i="1" dirty="0" smtClean="0"/>
+              <a:t>versus time </a:t>
+            </a:r>
+            <a:r>
+              <a:rPr lang="de-CH" i="1" dirty="0" err="1" smtClean="0"/>
+              <a:t>until</a:t>
+            </a:r>
+            <a:r>
+              <a:rPr lang="de-CH" i="1" dirty="0" smtClean="0"/>
+              <a:t> </a:t>
+            </a:r>
+            <a:r>
+              <a:rPr lang="de-CH" i="1" dirty="0" err="1" smtClean="0"/>
+              <a:t>second</a:t>
+            </a:r>
+            <a:r>
+              <a:rPr lang="de-CH" i="1" dirty="0" smtClean="0"/>
+              <a:t> </a:t>
+            </a:r>
+            <a:r>
+              <a:rPr lang="de-CH" i="1" dirty="0" err="1" smtClean="0"/>
+              <a:t>node</a:t>
+            </a:r>
+            <a:r>
+              <a:rPr lang="de-CH" i="1" dirty="0" smtClean="0"/>
+              <a:t> </a:t>
+            </a:r>
+            <a:r>
+              <a:rPr lang="de-CH" i="1" dirty="0" err="1" smtClean="0"/>
+              <a:t>is</a:t>
+            </a:r>
+            <a:r>
+              <a:rPr lang="de-CH" i="1" dirty="0" smtClean="0"/>
+              <a:t> </a:t>
+            </a:r>
+            <a:r>
+              <a:rPr lang="de-CH" i="1" dirty="0" err="1" smtClean="0"/>
+              <a:t>infected</a:t>
+            </a:r>
+            <a:endParaRPr lang="de-CH" i="1" dirty="0"/>
+          </a:p>
+        </p:txBody>
+      </p:sp>
+      <p:graphicFrame>
+        <p:nvGraphicFramePr>
+          <p:cNvPr id="11" name="Objekt 10"/>
+          <p:cNvGraphicFramePr>
+            <a:graphicFrameLocks noChangeAspect="1"/>
+          </p:cNvGraphicFramePr>
+          <p:nvPr/>
+        </p:nvGraphicFramePr>
+        <p:xfrm>
+          <a:off x="251520" y="4653136"/>
+          <a:ext cx="3760787" cy="406400"/>
+        </p:xfrm>
+        <a:graphic>
+          <a:graphicData uri="http://schemas.openxmlformats.org/presentationml/2006/ole">
+            <p:oleObj spid="_x0000_s28677" name="Formel" r:id="rId5" imgW="1879560" imgH="203040" progId="Equation.3">
+              <p:embed/>
+            </p:oleObj>
+          </a:graphicData>
+        </a:graphic>
+      </p:graphicFrame>
+      <p:sp>
+        <p:nvSpPr>
+          <p:cNvPr id="12" name="Inhaltsplatzhalter 11"/>
+          <p:cNvSpPr>
+            <a:spLocks noGrp="1"/>
+          </p:cNvSpPr>
+          <p:nvPr>
+            <p:ph idx="1"/>
+          </p:nvPr>
+        </p:nvSpPr>
+        <p:spPr>
+          <a:xfrm>
+            <a:off x="381000" y="1751013"/>
+            <a:ext cx="3326904" cy="4678362"/>
+          </a:xfrm>
+        </p:spPr>
+        <p:txBody>
+          <a:bodyPr/>
+          <a:lstStyle/>
+          <a:p>
+            <a:r>
+              <a:rPr lang="en-US" dirty="0" smtClean="0"/>
+              <a:t>Weak correlation of degree and disease spreading</a:t>
+            </a:r>
+          </a:p>
+          <a:p>
+            <a:endParaRPr lang="en-US" dirty="0" smtClean="0"/>
+          </a:p>
+          <a:p>
+            <a:r>
+              <a:rPr lang="en-US" dirty="0" smtClean="0"/>
+              <a:t>Linear correlation of distance and disease spreading</a:t>
+            </a:r>
+            <a:endParaRPr lang="en-US" dirty="0"/>
           </a:p>
         </p:txBody>
       </p:sp>
@@ -4046,6 +4288,13 @@
   <p:transition spd="slow">
     <p:fade/>
   </p:transition>
+  <p:timing>
+    <p:tnLst>
+      <p:par>
+        <p:cTn id="1" dur="indefinite" restart="never" nodeType="tmRoot"/>
+      </p:par>
+    </p:tnLst>
+  </p:timing>
 </p:sld>
 </file>
 
@@ -4503,6 +4752,13 @@
   <p:transition spd="slow">
     <p:fade/>
   </p:transition>
+  <p:timing>
+    <p:tnLst>
+      <p:par>
+        <p:cTn id="1" dur="indefinite" restart="never" nodeType="tmRoot"/>
+      </p:par>
+    </p:tnLst>
+  </p:timing>
 </p:sld>
 </file>
 
@@ -5001,6 +5257,57 @@
           <a:bodyPr/>
           <a:lstStyle/>
           <a:p>
+            <a:r>
+              <a:rPr lang="en-US" dirty="0" smtClean="0"/>
+              <a:t>Network generation (10000 cities, 93 mil. people)</a:t>
+            </a:r>
+          </a:p>
+          <a:p>
+            <a:pPr lvl="1"/>
+            <a:r>
+              <a:rPr lang="en-US" dirty="0" smtClean="0"/>
+              <a:t>Cities with inhabitants</a:t>
+            </a:r>
+          </a:p>
+          <a:p>
+            <a:pPr lvl="1"/>
+            <a:r>
+              <a:rPr lang="en-US" dirty="0" smtClean="0"/>
+              <a:t>Connections</a:t>
+            </a:r>
+          </a:p>
+          <a:p>
+            <a:pPr lvl="1"/>
+            <a:r>
+              <a:rPr lang="en-US" dirty="0" smtClean="0"/>
+              <a:t>Travelling parameters</a:t>
+            </a:r>
+            <a:endParaRPr lang="en-US" dirty="0" smtClean="0"/>
+          </a:p>
+          <a:p>
+            <a:r>
+              <a:rPr lang="en-US" dirty="0" smtClean="0"/>
+              <a:t>Disease spreading through infections</a:t>
+            </a:r>
+          </a:p>
+          <a:p>
+            <a:r>
+              <a:rPr lang="en-US" dirty="0" smtClean="0"/>
+              <a:t>Disease spreading through traffic</a:t>
+            </a:r>
+          </a:p>
+          <a:p>
+            <a:r>
+              <a:rPr lang="en-US" dirty="0" smtClean="0"/>
+              <a:t>Data output</a:t>
+            </a:r>
+            <a:endParaRPr lang="en-US" dirty="0" smtClean="0"/>
+          </a:p>
+          <a:p>
+            <a:r>
+              <a:rPr lang="en-US" dirty="0" smtClean="0"/>
+              <a:t>Analysis</a:t>
+            </a:r>
             <a:endParaRPr lang="en-US" dirty="0"/>
           </a:p>
         </p:txBody>
@@ -6641,7 +6948,7 @@
         </p:xfrm>
         <a:graphic>
           <a:graphicData uri="http://schemas.openxmlformats.org/presentationml/2006/ole">
-            <p:oleObj spid="_x0000_s26626" name="CS ChemDraw Drawing" r:id="rId3" imgW="4827892" imgH="1345349" progId="ChemDraw.Document.6.0">
+            <p:oleObj spid="_x0000_s26626" name="CS ChemDraw Drawing" r:id="rId3" imgW="4827892" imgH="1345349" progId="">
               <p:embed/>
             </p:oleObj>
           </a:graphicData>
@@ -6745,11 +7052,7 @@
           <a:p>
             <a:r>
               <a:rPr lang="de-CH" b="1" dirty="0" smtClean="0"/>
-              <a:t>Fig. </a:t>
-            </a:r>
-            <a:r>
-              <a:rPr lang="de-CH" b="1" dirty="0" smtClean="0"/>
-              <a:t>3: </a:t>
+              <a:t>Fig. 3: </a:t>
             </a:r>
             <a:r>
               <a:rPr lang="de-CH" i="1" dirty="0" smtClean="0"/>
@@ -6839,6 +7142,13 @@
   <p:transition spd="slow">
     <p:fade/>
   </p:transition>
+  <p:timing>
+    <p:tnLst>
+      <p:par>
+        <p:cTn id="1" dur="indefinite" restart="never" nodeType="tmRoot"/>
+      </p:par>
+    </p:tnLst>
+  </p:timing>
 </p:sld>
 </file>
 
@@ -6899,13 +7209,8 @@
           <a:p>
             <a:r>
               <a:rPr lang="en-US" dirty="0" smtClean="0"/>
-              <a:t>Large number of </a:t>
-            </a:r>
-            <a:r>
-              <a:rPr lang="en-US" dirty="0" smtClean="0"/>
-              <a:t>calculations</a:t>
-            </a:r>
-            <a:endParaRPr lang="en-US" dirty="0" smtClean="0"/>
+              <a:t>Large number of calculations</a:t>
+            </a:r>
           </a:p>
           <a:p>
             <a:r>
@@ -6930,11 +7235,7 @@
           <a:p>
             <a:r>
               <a:rPr lang="en-US" dirty="0" smtClean="0"/>
-              <a:t>Traffic approximations</a:t>
-            </a:r>
-            <a:r>
-              <a:rPr lang="en-US" dirty="0" smtClean="0"/>
-              <a:t>:</a:t>
+              <a:t>Traffic approximations:</a:t>
             </a:r>
           </a:p>
           <a:p>
@@ -6950,7 +7251,6 @@
               <a:rPr lang="en-US" dirty="0" smtClean="0"/>
               <a:t>Un-weighted edges -&gt; no distances considered</a:t>
             </a:r>
-            <a:endParaRPr lang="en-US" dirty="0" smtClean="0"/>
           </a:p>
           <a:p>
             <a:pPr lvl="1"/>
@@ -6963,19 +7263,15 @@
             </a:r>
             <a:r>
               <a:rPr lang="en-US" dirty="0" err="1" smtClean="0"/>
-              <a:t>parfore</a:t>
+              <a:t>parfor</a:t>
             </a:r>
             <a:r>
               <a:rPr lang="en-US" dirty="0" smtClean="0"/>
-              <a:t> for </a:t>
+              <a:t> </a:t>
             </a:r>
             <a:r>
               <a:rPr lang="en-US" dirty="0" smtClean="0"/>
-              <a:t>simultaneous </a:t>
-            </a:r>
-            <a:r>
-              <a:rPr lang="en-US" dirty="0" smtClean="0"/>
-              <a:t>simulations. (One run, 80 days simulated approx. 30 min on a standard laptop).</a:t>
+              <a:t>for simultaneous simulations. (One run, 80 days simulated approx. 30 min on a standard laptop).</a:t>
             </a:r>
             <a:endParaRPr lang="en-US" dirty="0"/>
           </a:p>
@@ -7059,6 +7355,13 @@
   <p:transition spd="slow">
     <p:fade/>
   </p:transition>
+  <p:timing>
+    <p:tnLst>
+      <p:par>
+        <p:cTn id="1" dur="indefinite" restart="never" nodeType="tmRoot"/>
+      </p:par>
+    </p:tnLst>
+  </p:timing>
 </p:sld>
 </file>
 
@@ -7112,12 +7415,55 @@
             <p:ph idx="1"/>
           </p:nvPr>
         </p:nvSpPr>
-        <p:spPr/>
-        <p:txBody>
-          <a:bodyPr/>
-          <a:lstStyle/>
-          <a:p>
-            <a:endParaRPr lang="de-CH"/>
+        <p:spPr>
+          <a:xfrm>
+            <a:off x="381000" y="1751013"/>
+            <a:ext cx="3254896" cy="4678362"/>
+          </a:xfrm>
+        </p:spPr>
+        <p:txBody>
+          <a:bodyPr/>
+          <a:lstStyle/>
+          <a:p>
+            <a:r>
+              <a:rPr lang="de-CH" dirty="0" smtClean="0"/>
+              <a:t>Time </a:t>
+            </a:r>
+            <a:r>
+              <a:rPr lang="de-CH" dirty="0" err="1" smtClean="0"/>
+              <a:t>until</a:t>
+            </a:r>
+            <a:r>
+              <a:rPr lang="de-CH" dirty="0" smtClean="0"/>
+              <a:t> 1000 </a:t>
+            </a:r>
+            <a:r>
+              <a:rPr lang="de-CH" dirty="0" err="1" smtClean="0"/>
+              <a:t>people</a:t>
+            </a:r>
+            <a:r>
+              <a:rPr lang="de-CH" dirty="0" smtClean="0"/>
+              <a:t> </a:t>
+            </a:r>
+            <a:r>
+              <a:rPr lang="de-CH" dirty="0" err="1" smtClean="0"/>
+              <a:t>are</a:t>
+            </a:r>
+            <a:r>
+              <a:rPr lang="de-CH" dirty="0" smtClean="0"/>
+              <a:t> </a:t>
+            </a:r>
+            <a:r>
+              <a:rPr lang="de-CH" dirty="0" err="1" smtClean="0"/>
+              <a:t>infected</a:t>
+            </a:r>
+            <a:r>
+              <a:rPr lang="de-CH" dirty="0" smtClean="0"/>
+              <a:t>: </a:t>
+            </a:r>
+          </a:p>
+          <a:p>
+            <a:endParaRPr lang="de-CH" dirty="0"/>
           </a:p>
         </p:txBody>
       </p:sp>
@@ -7191,6 +7537,200 @@
           </a:p>
         </p:txBody>
       </p:sp>
+      <p:pic>
+        <p:nvPicPr>
+          <p:cNvPr id="27650" name="Picture 2" descr="C:\Users\Dr. Stu\Epidemic_Simulation_SS2012\doc\word\sample_disease_evolution.png"/>
+          <p:cNvPicPr>
+            <a:picLocks noChangeAspect="1" noChangeArrowheads="1"/>
+          </p:cNvPicPr>
+          <p:nvPr/>
+        </p:nvPicPr>
+        <p:blipFill>
+          <a:blip r:embed="rId3" cstate="print"/>
+          <a:srcRect/>
+          <a:stretch>
+            <a:fillRect/>
+          </a:stretch>
+        </p:blipFill>
+        <p:spPr bwMode="auto">
+          <a:xfrm>
+            <a:off x="3540844" y="1268760"/>
+            <a:ext cx="5207620" cy="2483810"/>
+          </a:xfrm>
+          <a:prstGeom prst="rect">
+            <a:avLst/>
+          </a:prstGeom>
+          <a:noFill/>
+        </p:spPr>
+      </p:pic>
+      <p:pic>
+        <p:nvPicPr>
+          <p:cNvPr id="27651" name="Picture 3" descr="C:\Users\Dr. Stu\Epidemic_Simulation_SS2012\doc\word\infection_evolution_ratio.png"/>
+          <p:cNvPicPr>
+            <a:picLocks noChangeAspect="1" noChangeArrowheads="1"/>
+          </p:cNvPicPr>
+          <p:nvPr/>
+        </p:nvPicPr>
+        <p:blipFill>
+          <a:blip r:embed="rId4" cstate="print"/>
+          <a:srcRect/>
+          <a:stretch>
+            <a:fillRect/>
+          </a:stretch>
+        </p:blipFill>
+        <p:spPr bwMode="auto">
+          <a:xfrm>
+            <a:off x="3517800" y="3753502"/>
+            <a:ext cx="5207620" cy="2483810"/>
+          </a:xfrm>
+          <a:prstGeom prst="rect">
+            <a:avLst/>
+          </a:prstGeom>
+          <a:noFill/>
+        </p:spPr>
+      </p:pic>
+      <p:sp>
+        <p:nvSpPr>
+          <p:cNvPr id="9" name="Rechteck 8"/>
+          <p:cNvSpPr/>
+          <p:nvPr/>
+        </p:nvSpPr>
+        <p:spPr>
+          <a:xfrm>
+            <a:off x="755576" y="5589240"/>
+            <a:ext cx="3203848" cy="923330"/>
+          </a:xfrm>
+          <a:prstGeom prst="rect">
+            <a:avLst/>
+          </a:prstGeom>
+        </p:spPr>
+        <p:txBody>
+          <a:bodyPr wrap="square">
+            <a:spAutoFit/>
+          </a:bodyPr>
+          <a:lstStyle/>
+          <a:p>
+            <a:r>
+              <a:rPr lang="de-CH" b="1" dirty="0" smtClean="0"/>
+              <a:t>Fig. </a:t>
+            </a:r>
+            <a:r>
+              <a:rPr lang="de-CH" b="1" dirty="0" smtClean="0"/>
+              <a:t>4: </a:t>
+            </a:r>
+            <a:r>
+              <a:rPr lang="de-CH" i="1" dirty="0" err="1" smtClean="0"/>
+              <a:t>Example</a:t>
+            </a:r>
+            <a:r>
+              <a:rPr lang="de-CH" i="1" dirty="0" smtClean="0"/>
+              <a:t> </a:t>
+            </a:r>
+            <a:r>
+              <a:rPr lang="de-CH" i="1" dirty="0" err="1" smtClean="0"/>
+              <a:t>simulations</a:t>
+            </a:r>
+            <a:endParaRPr lang="de-CH" b="1" dirty="0" smtClean="0"/>
+          </a:p>
+          <a:p>
+            <a:r>
+              <a:rPr lang="de-CH" b="1" dirty="0" smtClean="0"/>
+              <a:t>Fig. 5: </a:t>
+            </a:r>
+            <a:r>
+              <a:rPr lang="de-CH" i="1" dirty="0" err="1" smtClean="0"/>
+              <a:t>Mean</a:t>
+            </a:r>
+            <a:r>
+              <a:rPr lang="de-CH" i="1" dirty="0" smtClean="0"/>
+              <a:t> </a:t>
+            </a:r>
+            <a:r>
+              <a:rPr lang="de-CH" i="1" dirty="0" err="1" smtClean="0"/>
+              <a:t>and</a:t>
+            </a:r>
+            <a:r>
+              <a:rPr lang="de-CH" i="1" dirty="0" smtClean="0"/>
+              <a:t> </a:t>
+            </a:r>
+            <a:r>
+              <a:rPr lang="de-CH" i="1" dirty="0" err="1" smtClean="0"/>
+              <a:t>expectation</a:t>
+            </a:r>
+            <a:r>
+              <a:rPr lang="de-CH" i="1" dirty="0" smtClean="0"/>
+              <a:t> </a:t>
+            </a:r>
+            <a:r>
+              <a:rPr lang="de-CH" i="1" dirty="0" err="1" smtClean="0"/>
+              <a:t>range</a:t>
+            </a:r>
+            <a:r>
+              <a:rPr lang="de-CH" i="1" dirty="0" smtClean="0"/>
+              <a:t>. n= 147</a:t>
+            </a:r>
+            <a:endParaRPr lang="de-CH" i="1" dirty="0"/>
+          </a:p>
+        </p:txBody>
+      </p:sp>
+      <p:sp>
+        <p:nvSpPr>
+          <p:cNvPr id="27653" name="Rectangle 5"/>
+          <p:cNvSpPr>
+            <a:spLocks noChangeArrowheads="1"/>
+          </p:cNvSpPr>
+          <p:nvPr/>
+        </p:nvSpPr>
+        <p:spPr bwMode="auto">
+          <a:xfrm>
+            <a:off x="0" y="0"/>
+            <a:ext cx="9144000" cy="0"/>
+          </a:xfrm>
+          <a:prstGeom prst="rect">
+            <a:avLst/>
+          </a:prstGeom>
+          <a:noFill/>
+          <a:ln w="9525">
+            <a:noFill/>
+            <a:miter lim="800000"/>
+            <a:headEnd/>
+            <a:tailEnd/>
+          </a:ln>
+          <a:effectLst/>
+        </p:spPr>
+        <p:txBody>
+          <a:bodyPr vert="horz" wrap="none" lIns="91440" tIns="45720" rIns="91440" bIns="45720" numCol="1" anchor="ctr" anchorCtr="0" compatLnSpc="1">
+            <a:prstTxWarp prst="textNoShape">
+              <a:avLst/>
+            </a:prstTxWarp>
+            <a:spAutoFit/>
+          </a:bodyPr>
+          <a:lstStyle/>
+          <a:p>
+            <a:endParaRPr lang="en-US"/>
+          </a:p>
+        </p:txBody>
+      </p:sp>
+      <p:graphicFrame>
+        <p:nvGraphicFramePr>
+          <p:cNvPr id="12" name="Objekt 11"/>
+          <p:cNvGraphicFramePr>
+            <a:graphicFrameLocks noChangeAspect="1"/>
+          </p:cNvGraphicFramePr>
+          <p:nvPr/>
+        </p:nvGraphicFramePr>
+        <p:xfrm>
+          <a:off x="899592" y="2780928"/>
+          <a:ext cx="1727200" cy="457200"/>
+        </p:xfrm>
+        <a:graphic>
+          <a:graphicData uri="http://schemas.openxmlformats.org/presentationml/2006/ole">
+            <p:oleObj spid="_x0000_s27654" name="Formel" r:id="rId5" imgW="863280" imgH="228600" progId="Equation.3">
+              <p:embed/>
+            </p:oleObj>
+          </a:graphicData>
+        </a:graphic>
+      </p:graphicFrame>
     </p:spTree>
   </p:cSld>
   <p:clrMapOvr>
@@ -7199,6 +7739,13 @@
   <p:transition spd="slow">
     <p:fade/>
   </p:transition>
+  <p:timing>
+    <p:tnLst>
+      <p:par>
+        <p:cTn id="1" dur="indefinite" restart="never" nodeType="tmRoot"/>
+      </p:par>
+    </p:tnLst>
+  </p:timing>
 </p:sld>
 </file>
 

--- a/presentation/Epicdemics_presentation.pptx
+++ b/presentation/Epicdemics_presentation.pptx
@@ -4094,15 +4094,7 @@
           <a:p>
             <a:r>
               <a:rPr lang="de-CH" b="1" dirty="0" smtClean="0"/>
-              <a:t>Fig. </a:t>
-            </a:r>
-            <a:r>
-              <a:rPr lang="de-CH" b="1" dirty="0" smtClean="0"/>
-              <a:t>6</a:t>
-            </a:r>
-            <a:r>
-              <a:rPr lang="de-CH" b="1" dirty="0" smtClean="0"/>
-              <a:t>: </a:t>
+              <a:t>Fig. 6: </a:t>
             </a:r>
             <a:r>
               <a:rPr lang="de-CH" i="1" dirty="0" err="1" smtClean="0"/>
@@ -4177,11 +4169,7 @@
             </a:r>
             <a:r>
               <a:rPr lang="de-CH" i="1" dirty="0" smtClean="0"/>
-              <a:t> </a:t>
-            </a:r>
-            <a:r>
-              <a:rPr lang="de-CH" i="1" dirty="0" smtClean="0"/>
-              <a:t>versus time </a:t>
+              <a:t> versus time </a:t>
             </a:r>
             <a:r>
               <a:rPr lang="de-CH" i="1" dirty="0" err="1" smtClean="0"/>
@@ -5117,6 +5105,30 @@
             </a:r>
           </a:p>
           <a:p>
+            <a:r>
+              <a:rPr lang="en-US" dirty="0" smtClean="0"/>
+              <a:t>Analyze the differences between different realizations of a disease outbreak</a:t>
+            </a:r>
+          </a:p>
+          <a:p>
+            <a:pPr lvl="1"/>
+            <a:r>
+              <a:rPr lang="en-US" dirty="0" smtClean="0"/>
+              <a:t>What influences do random variations have?</a:t>
+            </a:r>
+          </a:p>
+          <a:p>
+            <a:pPr lvl="1"/>
+            <a:r>
+              <a:rPr lang="en-US" dirty="0" smtClean="0"/>
+              <a:t>Is the disease outbreak predictable?</a:t>
+            </a:r>
+          </a:p>
+          <a:p>
+            <a:r>
+              <a:rPr lang="en-US" dirty="0" smtClean="0"/>
+              <a:t>How do the start conditions influence the disease spreading?</a:t>
+            </a:r>
             <a:endParaRPr lang="en-US" dirty="0"/>
           </a:p>
         </p:txBody>
@@ -5282,7 +5294,6 @@
               <a:rPr lang="en-US" dirty="0" smtClean="0"/>
               <a:t>Travelling parameters</a:t>
             </a:r>
-            <a:endParaRPr lang="en-US" dirty="0" smtClean="0"/>
           </a:p>
           <a:p>
             <a:r>
@@ -5301,7 +5312,6 @@
               <a:rPr lang="en-US" dirty="0" smtClean="0"/>
               <a:t>Data output</a:t>
             </a:r>
-            <a:endParaRPr lang="en-US" dirty="0" smtClean="0"/>
           </a:p>
           <a:p>
             <a:r>
@@ -7267,11 +7277,7 @@
             </a:r>
             <a:r>
               <a:rPr lang="en-US" dirty="0" smtClean="0"/>
-              <a:t> </a:t>
-            </a:r>
-            <a:r>
-              <a:rPr lang="en-US" dirty="0" smtClean="0"/>
-              <a:t>for simultaneous simulations. (One run, 80 days simulated approx. 30 min on a standard laptop).</a:t>
+              <a:t> for simultaneous simulations. (One run, 80 days simulated approx. 30 min on a standard laptop).</a:t>
             </a:r>
             <a:endParaRPr lang="en-US" dirty="0"/>
           </a:p>
@@ -7612,11 +7618,7 @@
           <a:p>
             <a:r>
               <a:rPr lang="de-CH" b="1" dirty="0" smtClean="0"/>
-              <a:t>Fig. </a:t>
-            </a:r>
-            <a:r>
-              <a:rPr lang="de-CH" b="1" dirty="0" smtClean="0"/>
-              <a:t>4: </a:t>
+              <a:t>Fig. 4: </a:t>
             </a:r>
             <a:r>
               <a:rPr lang="de-CH" i="1" dirty="0" err="1" smtClean="0"/>

--- a/presentation/Epicdemics_presentation.pptx
+++ b/presentation/Epicdemics_presentation.pptx
@@ -18,9 +18,9 @@
     <p:sldId id="269" r:id="rId9"/>
     <p:sldId id="264" r:id="rId10"/>
     <p:sldId id="267" r:id="rId11"/>
-    <p:sldId id="260" r:id="rId12"/>
-    <p:sldId id="265" r:id="rId13"/>
-    <p:sldId id="266" r:id="rId14"/>
+    <p:sldId id="265" r:id="rId12"/>
+    <p:sldId id="266" r:id="rId13"/>
+    <p:sldId id="260" r:id="rId14"/>
   </p:sldIdLst>
   <p:sldSz cx="9144000" cy="6858000" type="screen4x3"/>
   <p:notesSz cx="6858000" cy="9144000"/>
@@ -3898,6 +3898,32 @@
           </a:p>
         </p:txBody>
       </p:sp>
+      <p:pic>
+        <p:nvPicPr>
+          <p:cNvPr id="9" name="Picture 2" descr="Departement of Biosystems Science and Engineering"/>
+          <p:cNvPicPr>
+            <a:picLocks noChangeAspect="1" noChangeArrowheads="1"/>
+          </p:cNvPicPr>
+          <p:nvPr/>
+        </p:nvPicPr>
+        <p:blipFill>
+          <a:blip r:embed="rId2" cstate="print"/>
+          <a:srcRect/>
+          <a:stretch>
+            <a:fillRect/>
+          </a:stretch>
+        </p:blipFill>
+        <p:spPr bwMode="auto">
+          <a:xfrm>
+            <a:off x="7162370" y="152400"/>
+            <a:ext cx="984679" cy="809625"/>
+          </a:xfrm>
+          <a:prstGeom prst="rect">
+            <a:avLst/>
+          </a:prstGeom>
+          <a:noFill/>
+        </p:spPr>
+      </p:pic>
     </p:spTree>
   </p:cSld>
   <p:clrMapOvr>
@@ -4268,6 +4294,32 @@
           </a:p>
         </p:txBody>
       </p:sp>
+      <p:pic>
+        <p:nvPicPr>
+          <p:cNvPr id="13" name="Picture 2" descr="Departement of Biosystems Science and Engineering"/>
+          <p:cNvPicPr>
+            <a:picLocks noChangeAspect="1" noChangeArrowheads="1"/>
+          </p:cNvPicPr>
+          <p:nvPr/>
+        </p:nvPicPr>
+        <p:blipFill>
+          <a:blip r:embed="rId6" cstate="print"/>
+          <a:srcRect/>
+          <a:stretch>
+            <a:fillRect/>
+          </a:stretch>
+        </p:blipFill>
+        <p:spPr bwMode="auto">
+          <a:xfrm>
+            <a:off x="7162370" y="152400"/>
+            <a:ext cx="984679" cy="809625"/>
+          </a:xfrm>
+          <a:prstGeom prst="rect">
+            <a:avLst/>
+          </a:prstGeom>
+          <a:noFill/>
+        </p:spPr>
+      </p:pic>
     </p:spTree>
   </p:cSld>
   <p:clrMapOvr>
@@ -4305,7 +4357,7 @@
       </p:grpSpPr>
       <p:sp>
         <p:nvSpPr>
-          <p:cNvPr id="10" name="Titel 9"/>
+          <p:cNvPr id="2" name="Titel 1"/>
           <p:cNvSpPr>
             <a:spLocks noGrp="1"/>
           </p:cNvSpPr>
@@ -4320,7 +4372,90 @@
           <a:p>
             <a:r>
               <a:rPr lang="de-CH" dirty="0" err="1" smtClean="0"/>
-              <a:t>Movie</a:t>
+              <a:t>Discussion</a:t>
+            </a:r>
+            <a:endParaRPr lang="de-CH" dirty="0"/>
+          </a:p>
+        </p:txBody>
+      </p:sp>
+      <p:sp>
+        <p:nvSpPr>
+          <p:cNvPr id="3" name="Inhaltsplatzhalter 2"/>
+          <p:cNvSpPr>
+            <a:spLocks noGrp="1"/>
+          </p:cNvSpPr>
+          <p:nvPr>
+            <p:ph idx="1"/>
+          </p:nvPr>
+        </p:nvSpPr>
+        <p:spPr/>
+        <p:txBody>
+          <a:bodyPr/>
+          <a:lstStyle/>
+          <a:p>
+            <a:r>
+              <a:rPr lang="de-CH" dirty="0" smtClean="0"/>
+              <a:t>Big time </a:t>
+            </a:r>
+            <a:r>
+              <a:rPr lang="de-CH" dirty="0" err="1" smtClean="0"/>
+              <a:t>variations</a:t>
+            </a:r>
+            <a:r>
+              <a:rPr lang="de-CH" dirty="0" smtClean="0"/>
+              <a:t> </a:t>
+            </a:r>
+            <a:r>
+              <a:rPr lang="de-CH" dirty="0" err="1" smtClean="0"/>
+              <a:t>for</a:t>
+            </a:r>
+            <a:r>
+              <a:rPr lang="de-CH" dirty="0" smtClean="0"/>
+              <a:t> </a:t>
+            </a:r>
+            <a:r>
+              <a:rPr lang="de-CH" dirty="0" err="1" smtClean="0"/>
+              <a:t>the</a:t>
+            </a:r>
+            <a:r>
+              <a:rPr lang="de-CH" dirty="0" smtClean="0"/>
+              <a:t> </a:t>
+            </a:r>
+            <a:r>
+              <a:rPr lang="de-CH" dirty="0" err="1" smtClean="0"/>
+              <a:t>infections</a:t>
+            </a:r>
+            <a:r>
+              <a:rPr lang="de-CH" dirty="0" smtClean="0"/>
+              <a:t> </a:t>
+            </a:r>
+            <a:r>
+              <a:rPr lang="de-CH" dirty="0" err="1" smtClean="0"/>
+              <a:t>caused</a:t>
+            </a:r>
+            <a:r>
+              <a:rPr lang="de-CH" dirty="0" smtClean="0"/>
+              <a:t> </a:t>
+            </a:r>
+            <a:r>
+              <a:rPr lang="de-CH" dirty="0" err="1" smtClean="0"/>
+              <a:t>by</a:t>
+            </a:r>
+            <a:r>
+              <a:rPr lang="de-CH" dirty="0" smtClean="0"/>
+              <a:t> </a:t>
+            </a:r>
+            <a:r>
+              <a:rPr lang="de-CH" dirty="0" err="1" smtClean="0"/>
+              <a:t>the</a:t>
+            </a:r>
+            <a:r>
+              <a:rPr lang="de-CH" dirty="0" smtClean="0"/>
+              <a:t> </a:t>
+            </a:r>
+            <a:r>
+              <a:rPr lang="de-CH" dirty="0" err="1" smtClean="0"/>
+              <a:t>stochasticity</a:t>
             </a:r>
             <a:r>
               <a:rPr lang="de-CH" dirty="0" smtClean="0"/>
@@ -4340,31 +4475,257 @@
             </a:r>
             <a:r>
               <a:rPr lang="de-CH" dirty="0" smtClean="0"/>
-              <a:t> </a:t>
-            </a:r>
-            <a:r>
-              <a:rPr lang="de-CH" dirty="0" err="1" smtClean="0"/>
-              <a:t>disease</a:t>
-            </a:r>
-            <a:r>
-              <a:rPr lang="de-CH" dirty="0" smtClean="0"/>
-              <a:t> </a:t>
-            </a:r>
-            <a:r>
-              <a:rPr lang="de-CH" dirty="0" err="1" smtClean="0"/>
-              <a:t>spreading</a:t>
-            </a:r>
-            <a:r>
-              <a:rPr lang="de-CH" dirty="0" smtClean="0"/>
-              <a:t> </a:t>
-            </a:r>
-            <a:endParaRPr lang="de-CH" dirty="0"/>
-          </a:p>
-        </p:txBody>
-      </p:sp>
-      <p:sp>
-        <p:nvSpPr>
-          <p:cNvPr id="5" name="Datumsplatzhalter 4"/>
+              <a:t> model </a:t>
+            </a:r>
+            <a:r>
+              <a:rPr lang="de-CH" dirty="0" err="1" smtClean="0"/>
+              <a:t>and</a:t>
+            </a:r>
+            <a:r>
+              <a:rPr lang="de-CH" dirty="0" smtClean="0"/>
+              <a:t> </a:t>
+            </a:r>
+            <a:r>
+              <a:rPr lang="de-CH" dirty="0" err="1" smtClean="0"/>
+              <a:t>the</a:t>
+            </a:r>
+            <a:r>
+              <a:rPr lang="de-CH" dirty="0" smtClean="0"/>
+              <a:t> </a:t>
+            </a:r>
+            <a:r>
+              <a:rPr lang="de-CH" dirty="0" err="1" smtClean="0"/>
+              <a:t>centrallity</a:t>
+            </a:r>
+            <a:r>
+              <a:rPr lang="de-CH" dirty="0" smtClean="0"/>
+              <a:t> </a:t>
+            </a:r>
+            <a:r>
+              <a:rPr lang="de-CH" dirty="0" err="1" smtClean="0"/>
+              <a:t>of</a:t>
+            </a:r>
+            <a:r>
+              <a:rPr lang="de-CH" dirty="0" smtClean="0"/>
+              <a:t> </a:t>
+            </a:r>
+            <a:r>
+              <a:rPr lang="de-CH" dirty="0" err="1" smtClean="0"/>
+              <a:t>the</a:t>
+            </a:r>
+            <a:r>
+              <a:rPr lang="de-CH" dirty="0" smtClean="0"/>
+              <a:t> </a:t>
+            </a:r>
+            <a:r>
+              <a:rPr lang="de-CH" dirty="0" err="1" smtClean="0"/>
+              <a:t>source</a:t>
+            </a:r>
+            <a:r>
+              <a:rPr lang="de-CH" dirty="0" smtClean="0"/>
+              <a:t> </a:t>
+            </a:r>
+            <a:r>
+              <a:rPr lang="de-CH" dirty="0" err="1" smtClean="0"/>
+              <a:t>of</a:t>
+            </a:r>
+            <a:r>
+              <a:rPr lang="de-CH" dirty="0" smtClean="0"/>
+              <a:t> </a:t>
+            </a:r>
+            <a:r>
+              <a:rPr lang="de-CH" dirty="0" err="1" smtClean="0"/>
+              <a:t>the</a:t>
+            </a:r>
+            <a:r>
+              <a:rPr lang="de-CH" dirty="0" smtClean="0"/>
+              <a:t> </a:t>
+            </a:r>
+            <a:r>
+              <a:rPr lang="de-CH" dirty="0" err="1" smtClean="0"/>
+              <a:t>infection</a:t>
+            </a:r>
+            <a:endParaRPr lang="de-CH" dirty="0" smtClean="0"/>
+          </a:p>
+          <a:p>
+            <a:r>
+              <a:rPr lang="de-CH" dirty="0" err="1" smtClean="0"/>
+              <a:t>Results</a:t>
+            </a:r>
+            <a:r>
+              <a:rPr lang="de-CH" dirty="0" smtClean="0"/>
+              <a:t> </a:t>
+            </a:r>
+            <a:r>
+              <a:rPr lang="de-CH" dirty="0" err="1" smtClean="0"/>
+              <a:t>are</a:t>
+            </a:r>
+            <a:r>
+              <a:rPr lang="de-CH" dirty="0" smtClean="0"/>
+              <a:t> not </a:t>
+            </a:r>
+            <a:r>
+              <a:rPr lang="de-CH" dirty="0" err="1" smtClean="0"/>
+              <a:t>applicable</a:t>
+            </a:r>
+            <a:r>
+              <a:rPr lang="de-CH" dirty="0" smtClean="0"/>
+              <a:t> </a:t>
+            </a:r>
+            <a:r>
+              <a:rPr lang="de-CH" dirty="0" err="1" smtClean="0"/>
+              <a:t>to</a:t>
+            </a:r>
+            <a:r>
+              <a:rPr lang="de-CH" dirty="0" smtClean="0"/>
+              <a:t> </a:t>
+            </a:r>
+            <a:r>
+              <a:rPr lang="de-CH" dirty="0" err="1" smtClean="0"/>
+              <a:t>the</a:t>
+            </a:r>
+            <a:r>
+              <a:rPr lang="de-CH" dirty="0" smtClean="0"/>
+              <a:t> real </a:t>
+            </a:r>
+            <a:r>
+              <a:rPr lang="de-CH" dirty="0" err="1" smtClean="0"/>
+              <a:t>world</a:t>
+            </a:r>
+            <a:r>
+              <a:rPr lang="de-CH" dirty="0" smtClean="0"/>
+              <a:t>, </a:t>
+            </a:r>
+            <a:r>
+              <a:rPr lang="de-CH" dirty="0" err="1" smtClean="0"/>
+              <a:t>because</a:t>
+            </a:r>
+            <a:r>
+              <a:rPr lang="de-CH" dirty="0" smtClean="0"/>
+              <a:t> </a:t>
+            </a:r>
+            <a:r>
+              <a:rPr lang="de-CH" dirty="0" err="1" smtClean="0"/>
+              <a:t>parameters</a:t>
+            </a:r>
+            <a:r>
+              <a:rPr lang="de-CH" dirty="0" smtClean="0"/>
+              <a:t> </a:t>
+            </a:r>
+            <a:r>
+              <a:rPr lang="de-CH" dirty="0" err="1" smtClean="0"/>
+              <a:t>were</a:t>
+            </a:r>
+            <a:r>
+              <a:rPr lang="de-CH" dirty="0" smtClean="0"/>
+              <a:t> </a:t>
+            </a:r>
+            <a:r>
+              <a:rPr lang="de-CH" dirty="0" err="1" smtClean="0"/>
+              <a:t>chosen</a:t>
+            </a:r>
+            <a:r>
+              <a:rPr lang="de-CH" dirty="0" smtClean="0"/>
+              <a:t> </a:t>
+            </a:r>
+            <a:r>
+              <a:rPr lang="de-CH" dirty="0" err="1" smtClean="0"/>
+              <a:t>at</a:t>
+            </a:r>
+            <a:r>
+              <a:rPr lang="de-CH" dirty="0" smtClean="0"/>
+              <a:t> </a:t>
+            </a:r>
+            <a:r>
+              <a:rPr lang="de-CH" dirty="0" err="1" smtClean="0"/>
+              <a:t>random</a:t>
+            </a:r>
+            <a:endParaRPr lang="de-CH" dirty="0" smtClean="0"/>
+          </a:p>
+          <a:p>
+            <a:r>
+              <a:rPr lang="de-CH" dirty="0" smtClean="0"/>
+              <a:t>Program </a:t>
+            </a:r>
+            <a:r>
+              <a:rPr lang="de-CH" dirty="0" err="1" smtClean="0"/>
+              <a:t>performance</a:t>
+            </a:r>
+            <a:r>
+              <a:rPr lang="de-CH" dirty="0" smtClean="0"/>
+              <a:t> </a:t>
+            </a:r>
+            <a:r>
+              <a:rPr lang="de-CH" dirty="0" err="1" smtClean="0"/>
+              <a:t>is</a:t>
+            </a:r>
+            <a:r>
+              <a:rPr lang="de-CH" dirty="0" smtClean="0"/>
+              <a:t> </a:t>
+            </a:r>
+            <a:r>
+              <a:rPr lang="de-CH" dirty="0" err="1" smtClean="0"/>
+              <a:t>good</a:t>
+            </a:r>
+            <a:r>
+              <a:rPr lang="de-CH" dirty="0" smtClean="0"/>
+              <a:t>, due </a:t>
+            </a:r>
+            <a:r>
+              <a:rPr lang="de-CH" dirty="0" err="1" smtClean="0"/>
+              <a:t>to</a:t>
+            </a:r>
+            <a:r>
+              <a:rPr lang="de-CH" dirty="0" smtClean="0"/>
+              <a:t> </a:t>
+            </a:r>
+            <a:r>
+              <a:rPr lang="de-CH" dirty="0" err="1" smtClean="0"/>
+              <a:t>approximations</a:t>
+            </a:r>
+            <a:endParaRPr lang="de-CH" dirty="0" smtClean="0"/>
+          </a:p>
+          <a:p>
+            <a:pPr lvl="1"/>
+            <a:r>
+              <a:rPr lang="de-CH" dirty="0" smtClean="0"/>
+              <a:t>-&gt; larger </a:t>
+            </a:r>
+            <a:r>
+              <a:rPr lang="de-CH" dirty="0" err="1" smtClean="0"/>
+              <a:t>networks</a:t>
+            </a:r>
+            <a:r>
+              <a:rPr lang="de-CH" dirty="0" smtClean="0"/>
+              <a:t> </a:t>
+            </a:r>
+            <a:r>
+              <a:rPr lang="de-CH" dirty="0" err="1" smtClean="0"/>
+              <a:t>would</a:t>
+            </a:r>
+            <a:r>
+              <a:rPr lang="de-CH" dirty="0" smtClean="0"/>
+              <a:t> </a:t>
+            </a:r>
+            <a:r>
+              <a:rPr lang="de-CH" dirty="0" err="1" smtClean="0"/>
+              <a:t>be</a:t>
+            </a:r>
+            <a:r>
+              <a:rPr lang="de-CH" dirty="0" smtClean="0"/>
+              <a:t> </a:t>
+            </a:r>
+            <a:r>
+              <a:rPr lang="de-CH" dirty="0" err="1" smtClean="0"/>
+              <a:t>possible</a:t>
+            </a:r>
+            <a:endParaRPr lang="de-CH" dirty="0" smtClean="0"/>
+          </a:p>
+        </p:txBody>
+      </p:sp>
+      <p:sp>
+        <p:nvSpPr>
+          <p:cNvPr id="4" name="Datumsplatzhalter 3"/>
           <p:cNvSpPr>
             <a:spLocks noGrp="1"/>
           </p:cNvSpPr>
@@ -4381,13 +4742,13 @@
               <a:rPr lang="de-DE" smtClean="0"/>
               <a:t>Mittwoch, 30. Mai 2012</a:t>
             </a:r>
-            <a:endParaRPr lang="de-CH" dirty="0"/>
-          </a:p>
-        </p:txBody>
-      </p:sp>
-      <p:sp>
-        <p:nvSpPr>
-          <p:cNvPr id="6" name="Foliennummernplatzhalter 5"/>
+            <a:endParaRPr lang="de-CH"/>
+          </a:p>
+        </p:txBody>
+      </p:sp>
+      <p:sp>
+        <p:nvSpPr>
+          <p:cNvPr id="5" name="Foliennummernplatzhalter 4"/>
           <p:cNvSpPr>
             <a:spLocks noGrp="1"/>
           </p:cNvSpPr>
@@ -4405,13 +4766,13 @@
               <a:pPr/>
               <a:t>11</a:t>
             </a:fld>
-            <a:endParaRPr lang="de-CH" dirty="0"/>
-          </a:p>
-        </p:txBody>
-      </p:sp>
-      <p:sp>
-        <p:nvSpPr>
-          <p:cNvPr id="7" name="Fußzeilenplatzhalter 6"/>
+            <a:endParaRPr lang="de-CH"/>
+          </a:p>
+        </p:txBody>
+      </p:sp>
+      <p:sp>
+        <p:nvSpPr>
+          <p:cNvPr id="6" name="Fußzeilenplatzhalter 5"/>
           <p:cNvSpPr>
             <a:spLocks noGrp="1"/>
           </p:cNvSpPr>
@@ -4425,166 +4786,39 @@
           <a:lstStyle/>
           <a:p>
             <a:r>
-              <a:rPr lang="en-US" dirty="0" smtClean="0"/>
-              <a:t>Christian </a:t>
-            </a:r>
-            <a:r>
-              <a:rPr lang="en-US" dirty="0" err="1" smtClean="0"/>
-              <a:t>Jordi</a:t>
-            </a:r>
-            <a:r>
-              <a:rPr lang="en-US" dirty="0" smtClean="0"/>
-              <a:t>, </a:t>
-            </a:r>
-            <a:r>
-              <a:rPr lang="en-US" dirty="0" err="1" smtClean="0"/>
-              <a:t>Yannick</a:t>
-            </a:r>
-            <a:r>
-              <a:rPr lang="en-US" dirty="0" smtClean="0"/>
-              <a:t> </a:t>
-            </a:r>
-            <a:r>
-              <a:rPr lang="en-US" dirty="0" err="1" smtClean="0"/>
-              <a:t>Schmid</a:t>
-            </a:r>
-            <a:r>
-              <a:rPr lang="en-US" dirty="0" smtClean="0"/>
-              <a:t>, Pascal </a:t>
-            </a:r>
-            <a:r>
-              <a:rPr lang="en-US" dirty="0" err="1" smtClean="0"/>
-              <a:t>Stücheli</a:t>
-            </a:r>
-            <a:endParaRPr lang="de-CH" dirty="0"/>
-          </a:p>
-        </p:txBody>
-      </p:sp>
-      <p:sp>
-        <p:nvSpPr>
-          <p:cNvPr id="15" name="Inhaltsplatzhalter 14"/>
-          <p:cNvSpPr>
-            <a:spLocks noGrp="1"/>
-          </p:cNvSpPr>
-          <p:nvPr>
-            <p:ph idx="1"/>
-          </p:nvPr>
-        </p:nvSpPr>
-        <p:spPr/>
-        <p:txBody>
-          <a:bodyPr/>
-          <a:lstStyle/>
-          <a:p>
-            <a:r>
-              <a:rPr lang="de-CH" dirty="0" err="1" smtClean="0"/>
-              <a:t>Infection</a:t>
-            </a:r>
-            <a:r>
-              <a:rPr lang="de-CH" dirty="0" smtClean="0"/>
-              <a:t> </a:t>
-            </a:r>
-            <a:r>
-              <a:rPr lang="de-CH" dirty="0" err="1" smtClean="0"/>
-              <a:t>of</a:t>
-            </a:r>
-            <a:r>
-              <a:rPr lang="de-CH" dirty="0" smtClean="0"/>
-              <a:t> a 500 </a:t>
-            </a:r>
-            <a:r>
-              <a:rPr lang="de-CH" dirty="0" err="1" smtClean="0"/>
-              <a:t>city</a:t>
-            </a:r>
-            <a:r>
-              <a:rPr lang="de-CH" dirty="0" smtClean="0"/>
-              <a:t> </a:t>
-            </a:r>
-            <a:r>
-              <a:rPr lang="de-CH" dirty="0" err="1" smtClean="0"/>
-              <a:t>network</a:t>
-            </a:r>
-            <a:endParaRPr lang="de-CH" dirty="0" smtClean="0"/>
-          </a:p>
-          <a:p>
-            <a:r>
-              <a:rPr lang="de-CH" dirty="0" smtClean="0"/>
-              <a:t>The </a:t>
-            </a:r>
-            <a:r>
-              <a:rPr lang="de-CH" dirty="0" err="1" smtClean="0"/>
-              <a:t>colour</a:t>
-            </a:r>
-            <a:r>
-              <a:rPr lang="de-CH" dirty="0" smtClean="0"/>
-              <a:t> </a:t>
-            </a:r>
-            <a:r>
-              <a:rPr lang="de-CH" dirty="0" err="1" smtClean="0"/>
-              <a:t>scale</a:t>
-            </a:r>
-            <a:r>
-              <a:rPr lang="de-CH" dirty="0" smtClean="0"/>
-              <a:t> </a:t>
-            </a:r>
-            <a:r>
-              <a:rPr lang="de-CH" dirty="0" err="1" smtClean="0"/>
-              <a:t>is</a:t>
-            </a:r>
-            <a:r>
-              <a:rPr lang="de-CH" dirty="0" smtClean="0"/>
-              <a:t> not linear, </a:t>
-            </a:r>
-            <a:r>
-              <a:rPr lang="de-CH" dirty="0" err="1" smtClean="0"/>
-              <a:t>small</a:t>
-            </a:r>
-            <a:r>
-              <a:rPr lang="de-CH" dirty="0" smtClean="0"/>
-              <a:t> </a:t>
-            </a:r>
-            <a:r>
-              <a:rPr lang="de-CH" dirty="0" err="1" smtClean="0"/>
-              <a:t>infected</a:t>
-            </a:r>
-            <a:r>
-              <a:rPr lang="de-CH" dirty="0" smtClean="0"/>
-              <a:t> </a:t>
-            </a:r>
-            <a:r>
-              <a:rPr lang="de-CH" dirty="0" err="1" smtClean="0"/>
-              <a:t>numbers</a:t>
-            </a:r>
-            <a:r>
-              <a:rPr lang="de-CH" dirty="0" smtClean="0"/>
-              <a:t> </a:t>
-            </a:r>
-            <a:r>
-              <a:rPr lang="de-CH" dirty="0" err="1" smtClean="0"/>
-              <a:t>are</a:t>
-            </a:r>
-            <a:r>
-              <a:rPr lang="de-CH" dirty="0" smtClean="0"/>
-              <a:t> </a:t>
-            </a:r>
-            <a:r>
-              <a:rPr lang="de-CH" dirty="0" err="1" smtClean="0"/>
-              <a:t>shown</a:t>
-            </a:r>
-            <a:r>
-              <a:rPr lang="de-CH" dirty="0" smtClean="0"/>
-              <a:t> </a:t>
-            </a:r>
-            <a:r>
-              <a:rPr lang="de-CH" dirty="0" err="1" smtClean="0"/>
-              <a:t>stronger</a:t>
-            </a:r>
-            <a:endParaRPr lang="de-CH" dirty="0" smtClean="0"/>
-          </a:p>
-          <a:p>
-            <a:endParaRPr lang="de-CH" dirty="0"/>
-          </a:p>
-        </p:txBody>
-      </p:sp>
+              <a:rPr lang="en-US" smtClean="0"/>
+              <a:t>Christian Jordi, Yannick Schmid, Pascal Stücheli</a:t>
+            </a:r>
+            <a:endParaRPr lang="de-CH"/>
+          </a:p>
+        </p:txBody>
+      </p:sp>
+      <p:pic>
+        <p:nvPicPr>
+          <p:cNvPr id="7" name="Picture 2" descr="Departement of Biosystems Science and Engineering"/>
+          <p:cNvPicPr>
+            <a:picLocks noChangeAspect="1" noChangeArrowheads="1"/>
+          </p:cNvPicPr>
+          <p:nvPr/>
+        </p:nvPicPr>
+        <p:blipFill>
+          <a:blip r:embed="rId2" cstate="print"/>
+          <a:srcRect/>
+          <a:stretch>
+            <a:fillRect/>
+          </a:stretch>
+        </p:blipFill>
+        <p:spPr bwMode="auto">
+          <a:xfrm>
+            <a:off x="7162370" y="152400"/>
+            <a:ext cx="984679" cy="809625"/>
+          </a:xfrm>
+          <a:prstGeom prst="rect">
+            <a:avLst/>
+          </a:prstGeom>
+          <a:noFill/>
+        </p:spPr>
+      </p:pic>
     </p:spTree>
   </p:cSld>
   <p:clrMapOvr>
@@ -4636,8 +4870,8 @@
           <a:lstStyle/>
           <a:p>
             <a:r>
-              <a:rPr lang="de-CH" dirty="0" err="1" smtClean="0"/>
-              <a:t>Discussion</a:t>
+              <a:rPr lang="de-CH" dirty="0" smtClean="0"/>
+              <a:t>References</a:t>
             </a:r>
             <a:endParaRPr lang="de-CH" dirty="0"/>
           </a:p>
@@ -4658,7 +4892,122 @@
           <a:bodyPr/>
           <a:lstStyle/>
           <a:p>
-            <a:endParaRPr lang="de-CH"/>
+            <a:r>
+              <a:rPr lang="de-CH" dirty="0" smtClean="0"/>
+              <a:t>[1]:</a:t>
+            </a:r>
+            <a:r>
+              <a:rPr lang="en-GB" dirty="0" err="1" smtClean="0"/>
+              <a:t>Berliant</a:t>
+            </a:r>
+            <a:r>
+              <a:rPr lang="en-GB" dirty="0" smtClean="0"/>
+              <a:t> M. and Watanabe H, "A Scale-Free Network Structure Explains the City-Size Distribution." mimeo </a:t>
+            </a:r>
+            <a:r>
+              <a:rPr lang="en-GB" b="1" dirty="0" smtClean="0"/>
+              <a:t>1-11, </a:t>
+            </a:r>
+            <a:r>
+              <a:rPr lang="en-GB" dirty="0" smtClean="0"/>
+              <a:t>2008.</a:t>
+            </a:r>
+            <a:endParaRPr lang="de-CH" dirty="0" smtClean="0"/>
+          </a:p>
+          <a:p>
+            <a:pPr lvl="0"/>
+            <a:r>
+              <a:rPr lang="de-CH" dirty="0" smtClean="0"/>
+              <a:t>[2]:</a:t>
+            </a:r>
+            <a:r>
+              <a:rPr lang="en-GB" dirty="0" smtClean="0"/>
+              <a:t>Just T and Stephan P, "Die </a:t>
+            </a:r>
+            <a:r>
+              <a:rPr lang="en-GB" dirty="0" err="1" smtClean="0"/>
+              <a:t>seltsam</a:t>
+            </a:r>
+            <a:r>
+              <a:rPr lang="en-GB" dirty="0" smtClean="0"/>
+              <a:t> stabile </a:t>
+            </a:r>
+            <a:r>
+              <a:rPr lang="en-GB" dirty="0" err="1" smtClean="0"/>
+              <a:t>Größenstruktur</a:t>
+            </a:r>
+            <a:r>
+              <a:rPr lang="en-GB" dirty="0" smtClean="0"/>
+              <a:t> </a:t>
+            </a:r>
+            <a:r>
+              <a:rPr lang="en-GB" dirty="0" err="1" smtClean="0"/>
+              <a:t>deutscher</a:t>
+            </a:r>
+            <a:r>
+              <a:rPr lang="en-GB" dirty="0" smtClean="0"/>
+              <a:t> </a:t>
+            </a:r>
+            <a:r>
+              <a:rPr lang="en-GB" dirty="0" err="1" smtClean="0"/>
+              <a:t>Städte</a:t>
+            </a:r>
+            <a:r>
+              <a:rPr lang="en-GB" dirty="0" smtClean="0"/>
+              <a:t>: Das </a:t>
+            </a:r>
+            <a:r>
+              <a:rPr lang="en-GB" dirty="0" err="1" smtClean="0"/>
+              <a:t>Zipfsche</a:t>
+            </a:r>
+            <a:r>
+              <a:rPr lang="en-GB" dirty="0" smtClean="0"/>
+              <a:t> </a:t>
+            </a:r>
+            <a:r>
+              <a:rPr lang="en-GB" dirty="0" err="1" smtClean="0"/>
+              <a:t>Gesetz</a:t>
+            </a:r>
+            <a:r>
+              <a:rPr lang="en-GB" dirty="0" smtClean="0"/>
+              <a:t> und seine </a:t>
+            </a:r>
+            <a:r>
+              <a:rPr lang="en-GB" dirty="0" err="1" smtClean="0"/>
+              <a:t>Implikationen</a:t>
+            </a:r>
+            <a:r>
+              <a:rPr lang="en-GB" dirty="0" smtClean="0"/>
+              <a:t> </a:t>
+            </a:r>
+            <a:r>
+              <a:rPr lang="en-GB" dirty="0" err="1" smtClean="0"/>
+              <a:t>für</a:t>
+            </a:r>
+            <a:r>
+              <a:rPr lang="en-GB" dirty="0" smtClean="0"/>
+              <a:t> urbane </a:t>
+            </a:r>
+            <a:r>
+              <a:rPr lang="en-GB" dirty="0" err="1" smtClean="0"/>
+              <a:t>Regionen</a:t>
+            </a:r>
+            <a:r>
+              <a:rPr lang="en-GB" dirty="0" smtClean="0"/>
+              <a:t>." Deutsche Bank Research, No </a:t>
+            </a:r>
+            <a:r>
+              <a:rPr lang="en-GB" b="1" dirty="0" smtClean="0"/>
+              <a:t>31</a:t>
+            </a:r>
+            <a:r>
+              <a:rPr lang="en-GB" dirty="0" smtClean="0"/>
+              <a:t>, 2009; </a:t>
+            </a:r>
+            <a:endParaRPr lang="de-CH" dirty="0" smtClean="0"/>
+          </a:p>
+          <a:p>
+            <a:endParaRPr lang="de-CH" dirty="0"/>
           </a:p>
         </p:txBody>
       </p:sp>
@@ -4732,6 +5081,32 @@
           </a:p>
         </p:txBody>
       </p:sp>
+      <p:pic>
+        <p:nvPicPr>
+          <p:cNvPr id="7" name="Picture 2" descr="Departement of Biosystems Science and Engineering"/>
+          <p:cNvPicPr>
+            <a:picLocks noChangeAspect="1" noChangeArrowheads="1"/>
+          </p:cNvPicPr>
+          <p:nvPr/>
+        </p:nvPicPr>
+        <p:blipFill>
+          <a:blip r:embed="rId2" cstate="print"/>
+          <a:srcRect/>
+          <a:stretch>
+            <a:fillRect/>
+          </a:stretch>
+        </p:blipFill>
+        <p:spPr bwMode="auto">
+          <a:xfrm>
+            <a:off x="7162370" y="152400"/>
+            <a:ext cx="984679" cy="809625"/>
+          </a:xfrm>
+          <a:prstGeom prst="rect">
+            <a:avLst/>
+          </a:prstGeom>
+          <a:noFill/>
+        </p:spPr>
+      </p:pic>
     </p:spTree>
   </p:cSld>
   <p:clrMapOvr>
@@ -4769,7 +5144,7 @@
       </p:grpSpPr>
       <p:sp>
         <p:nvSpPr>
-          <p:cNvPr id="2" name="Titel 1"/>
+          <p:cNvPr id="10" name="Titel 9"/>
           <p:cNvSpPr>
             <a:spLocks noGrp="1"/>
           </p:cNvSpPr>
@@ -4783,8 +5158,44 @@
           <a:lstStyle/>
           <a:p>
             <a:r>
-              <a:rPr lang="de-CH" dirty="0" smtClean="0"/>
-              <a:t>References</a:t>
+              <a:rPr lang="de-CH" dirty="0" err="1" smtClean="0"/>
+              <a:t>Movie</a:t>
+            </a:r>
+            <a:r>
+              <a:rPr lang="de-CH" dirty="0" smtClean="0"/>
+              <a:t> </a:t>
+            </a:r>
+            <a:r>
+              <a:rPr lang="de-CH" dirty="0" err="1" smtClean="0"/>
+              <a:t>of</a:t>
+            </a:r>
+            <a:r>
+              <a:rPr lang="de-CH" dirty="0" smtClean="0"/>
+              <a:t> </a:t>
+            </a:r>
+            <a:r>
+              <a:rPr lang="de-CH" dirty="0" err="1" smtClean="0"/>
+              <a:t>the</a:t>
+            </a:r>
+            <a:r>
+              <a:rPr lang="de-CH" dirty="0" smtClean="0"/>
+              <a:t> </a:t>
+            </a:r>
+            <a:r>
+              <a:rPr lang="de-CH" dirty="0" err="1" smtClean="0"/>
+              <a:t>disease</a:t>
+            </a:r>
+            <a:r>
+              <a:rPr lang="de-CH" dirty="0" smtClean="0"/>
+              <a:t> </a:t>
+            </a:r>
+            <a:r>
+              <a:rPr lang="de-CH" dirty="0" err="1" smtClean="0"/>
+              <a:t>spreading</a:t>
+            </a:r>
+            <a:r>
+              <a:rPr lang="de-CH" dirty="0" smtClean="0"/>
+              <a:t> </a:t>
             </a:r>
             <a:endParaRPr lang="de-CH" dirty="0"/>
           </a:p>
@@ -4792,141 +5203,7 @@
       </p:sp>
       <p:sp>
         <p:nvSpPr>
-          <p:cNvPr id="3" name="Inhaltsplatzhalter 2"/>
-          <p:cNvSpPr>
-            <a:spLocks noGrp="1"/>
-          </p:cNvSpPr>
-          <p:nvPr>
-            <p:ph idx="1"/>
-          </p:nvPr>
-        </p:nvSpPr>
-        <p:spPr/>
-        <p:txBody>
-          <a:bodyPr/>
-          <a:lstStyle/>
-          <a:p>
-            <a:r>
-              <a:rPr lang="de-CH" dirty="0" smtClean="0"/>
-              <a:t>[1]:</a:t>
-            </a:r>
-            <a:r>
-              <a:rPr lang="en-GB" dirty="0" err="1" smtClean="0"/>
-              <a:t>Berliant</a:t>
-            </a:r>
-            <a:r>
-              <a:rPr lang="en-GB" dirty="0" smtClean="0"/>
-              <a:t> M. and Watanabe H, "A Scale-Free Network Structure Explains the City-Size Distribution." mimeo </a:t>
-            </a:r>
-            <a:r>
-              <a:rPr lang="en-GB" b="1" dirty="0" smtClean="0"/>
-              <a:t>1-11, </a:t>
-            </a:r>
-            <a:r>
-              <a:rPr lang="en-GB" dirty="0" smtClean="0"/>
-              <a:t>2008.</a:t>
-            </a:r>
-            <a:endParaRPr lang="de-CH" dirty="0" smtClean="0"/>
-          </a:p>
-          <a:p>
-            <a:pPr lvl="0"/>
-            <a:r>
-              <a:rPr lang="de-CH" dirty="0" smtClean="0"/>
-              <a:t>[2]:</a:t>
-            </a:r>
-            <a:r>
-              <a:rPr lang="en-GB" dirty="0" smtClean="0"/>
-              <a:t>Just T and Stephan P, "Die </a:t>
-            </a:r>
-            <a:r>
-              <a:rPr lang="en-GB" dirty="0" err="1" smtClean="0"/>
-              <a:t>seltsam</a:t>
-            </a:r>
-            <a:r>
-              <a:rPr lang="en-GB" dirty="0" smtClean="0"/>
-              <a:t> stabile </a:t>
-            </a:r>
-            <a:r>
-              <a:rPr lang="en-GB" dirty="0" err="1" smtClean="0"/>
-              <a:t>Größenstruktur</a:t>
-            </a:r>
-            <a:r>
-              <a:rPr lang="en-GB" dirty="0" smtClean="0"/>
-              <a:t> </a:t>
-            </a:r>
-            <a:r>
-              <a:rPr lang="en-GB" dirty="0" err="1" smtClean="0"/>
-              <a:t>deutscher</a:t>
-            </a:r>
-            <a:r>
-              <a:rPr lang="en-GB" dirty="0" smtClean="0"/>
-              <a:t> </a:t>
-            </a:r>
-            <a:r>
-              <a:rPr lang="en-GB" dirty="0" err="1" smtClean="0"/>
-              <a:t>Städte</a:t>
-            </a:r>
-            <a:r>
-              <a:rPr lang="en-GB" dirty="0" smtClean="0"/>
-              <a:t>: Das </a:t>
-            </a:r>
-            <a:r>
-              <a:rPr lang="en-GB" dirty="0" err="1" smtClean="0"/>
-              <a:t>Zipfsche</a:t>
-            </a:r>
-            <a:r>
-              <a:rPr lang="en-GB" dirty="0" smtClean="0"/>
-              <a:t> </a:t>
-            </a:r>
-            <a:r>
-              <a:rPr lang="en-GB" dirty="0" err="1" smtClean="0"/>
-              <a:t>Gesetz</a:t>
-            </a:r>
-            <a:r>
-              <a:rPr lang="en-GB" dirty="0" smtClean="0"/>
-              <a:t> und seine </a:t>
-            </a:r>
-            <a:r>
-              <a:rPr lang="en-GB" dirty="0" err="1" smtClean="0"/>
-              <a:t>Implikationen</a:t>
-            </a:r>
-            <a:r>
-              <a:rPr lang="en-GB" dirty="0" smtClean="0"/>
-              <a:t> </a:t>
-            </a:r>
-            <a:r>
-              <a:rPr lang="en-GB" dirty="0" err="1" smtClean="0"/>
-              <a:t>für</a:t>
-            </a:r>
-            <a:r>
-              <a:rPr lang="en-GB" dirty="0" smtClean="0"/>
-              <a:t> urbane </a:t>
-            </a:r>
-            <a:r>
-              <a:rPr lang="en-GB" dirty="0" err="1" smtClean="0"/>
-              <a:t>Regionen</a:t>
-            </a:r>
-            <a:r>
-              <a:rPr lang="en-GB" dirty="0" smtClean="0"/>
-              <a:t>." Deutsche Bank Research, No </a:t>
-            </a:r>
-            <a:r>
-              <a:rPr lang="en-GB" b="1" dirty="0" smtClean="0"/>
-              <a:t>31</a:t>
-            </a:r>
-            <a:r>
-              <a:rPr lang="en-GB" dirty="0" smtClean="0"/>
-              <a:t>, 2009; </a:t>
-            </a:r>
-            <a:endParaRPr lang="de-CH" dirty="0" smtClean="0"/>
-          </a:p>
-          <a:p>
-            <a:endParaRPr lang="de-CH" dirty="0"/>
-          </a:p>
-        </p:txBody>
-      </p:sp>
-      <p:sp>
-        <p:nvSpPr>
-          <p:cNvPr id="4" name="Datumsplatzhalter 3"/>
+          <p:cNvPr id="5" name="Datumsplatzhalter 4"/>
           <p:cNvSpPr>
             <a:spLocks noGrp="1"/>
           </p:cNvSpPr>
@@ -4943,13 +5220,13 @@
               <a:rPr lang="de-DE" smtClean="0"/>
               <a:t>Mittwoch, 30. Mai 2012</a:t>
             </a:r>
-            <a:endParaRPr lang="de-CH"/>
-          </a:p>
-        </p:txBody>
-      </p:sp>
-      <p:sp>
-        <p:nvSpPr>
-          <p:cNvPr id="5" name="Foliennummernplatzhalter 4"/>
+            <a:endParaRPr lang="de-CH" dirty="0"/>
+          </a:p>
+        </p:txBody>
+      </p:sp>
+      <p:sp>
+        <p:nvSpPr>
+          <p:cNvPr id="6" name="Foliennummernplatzhalter 5"/>
           <p:cNvSpPr>
             <a:spLocks noGrp="1"/>
           </p:cNvSpPr>
@@ -4967,13 +5244,13 @@
               <a:pPr/>
               <a:t>13</a:t>
             </a:fld>
-            <a:endParaRPr lang="de-CH"/>
-          </a:p>
-        </p:txBody>
-      </p:sp>
-      <p:sp>
-        <p:nvSpPr>
-          <p:cNvPr id="6" name="Fußzeilenplatzhalter 5"/>
+            <a:endParaRPr lang="de-CH" dirty="0"/>
+          </a:p>
+        </p:txBody>
+      </p:sp>
+      <p:sp>
+        <p:nvSpPr>
+          <p:cNvPr id="7" name="Fußzeilenplatzhalter 6"/>
           <p:cNvSpPr>
             <a:spLocks noGrp="1"/>
           </p:cNvSpPr>
@@ -4987,13 +5264,192 @@
           <a:lstStyle/>
           <a:p>
             <a:r>
-              <a:rPr lang="en-US" smtClean="0"/>
-              <a:t>Christian Jordi, Yannick Schmid, Pascal Stücheli</a:t>
-            </a:r>
-            <a:endParaRPr lang="de-CH"/>
-          </a:p>
-        </p:txBody>
-      </p:sp>
+              <a:rPr lang="en-US" dirty="0" smtClean="0"/>
+              <a:t>Christian </a:t>
+            </a:r>
+            <a:r>
+              <a:rPr lang="en-US" dirty="0" err="1" smtClean="0"/>
+              <a:t>Jordi</a:t>
+            </a:r>
+            <a:r>
+              <a:rPr lang="en-US" dirty="0" smtClean="0"/>
+              <a:t>, </a:t>
+            </a:r>
+            <a:r>
+              <a:rPr lang="en-US" dirty="0" err="1" smtClean="0"/>
+              <a:t>Yannick</a:t>
+            </a:r>
+            <a:r>
+              <a:rPr lang="en-US" dirty="0" smtClean="0"/>
+              <a:t> </a:t>
+            </a:r>
+            <a:r>
+              <a:rPr lang="en-US" dirty="0" err="1" smtClean="0"/>
+              <a:t>Schmid</a:t>
+            </a:r>
+            <a:r>
+              <a:rPr lang="en-US" dirty="0" smtClean="0"/>
+              <a:t>, Pascal </a:t>
+            </a:r>
+            <a:r>
+              <a:rPr lang="en-US" dirty="0" err="1" smtClean="0"/>
+              <a:t>Stücheli</a:t>
+            </a:r>
+            <a:endParaRPr lang="de-CH" dirty="0"/>
+          </a:p>
+        </p:txBody>
+      </p:sp>
+      <p:sp>
+        <p:nvSpPr>
+          <p:cNvPr id="15" name="Inhaltsplatzhalter 14"/>
+          <p:cNvSpPr>
+            <a:spLocks noGrp="1"/>
+          </p:cNvSpPr>
+          <p:nvPr>
+            <p:ph idx="1"/>
+          </p:nvPr>
+        </p:nvSpPr>
+        <p:spPr/>
+        <p:txBody>
+          <a:bodyPr/>
+          <a:lstStyle/>
+          <a:p>
+            <a:r>
+              <a:rPr lang="de-CH" dirty="0" err="1" smtClean="0"/>
+              <a:t>Infection</a:t>
+            </a:r>
+            <a:r>
+              <a:rPr lang="de-CH" dirty="0" smtClean="0"/>
+              <a:t> </a:t>
+            </a:r>
+            <a:r>
+              <a:rPr lang="de-CH" dirty="0" err="1" smtClean="0"/>
+              <a:t>of</a:t>
+            </a:r>
+            <a:r>
+              <a:rPr lang="de-CH" dirty="0" smtClean="0"/>
+              <a:t> a 500 </a:t>
+            </a:r>
+            <a:r>
+              <a:rPr lang="de-CH" dirty="0" err="1" smtClean="0"/>
+              <a:t>city</a:t>
+            </a:r>
+            <a:r>
+              <a:rPr lang="de-CH" dirty="0" smtClean="0"/>
+              <a:t> </a:t>
+            </a:r>
+            <a:r>
+              <a:rPr lang="de-CH" dirty="0" err="1" smtClean="0"/>
+              <a:t>network</a:t>
+            </a:r>
+            <a:endParaRPr lang="de-CH" dirty="0" smtClean="0"/>
+          </a:p>
+          <a:p>
+            <a:r>
+              <a:rPr lang="de-CH" dirty="0" smtClean="0"/>
+              <a:t>The </a:t>
+            </a:r>
+            <a:r>
+              <a:rPr lang="de-CH" dirty="0" err="1" smtClean="0"/>
+              <a:t>colour</a:t>
+            </a:r>
+            <a:r>
+              <a:rPr lang="de-CH" dirty="0" smtClean="0"/>
+              <a:t> </a:t>
+            </a:r>
+            <a:r>
+              <a:rPr lang="de-CH" dirty="0" err="1" smtClean="0"/>
+              <a:t>scale</a:t>
+            </a:r>
+            <a:r>
+              <a:rPr lang="de-CH" dirty="0" smtClean="0"/>
+              <a:t> </a:t>
+            </a:r>
+            <a:r>
+              <a:rPr lang="de-CH" dirty="0" err="1" smtClean="0"/>
+              <a:t>is</a:t>
+            </a:r>
+            <a:r>
+              <a:rPr lang="de-CH" dirty="0" smtClean="0"/>
+              <a:t> not linear, </a:t>
+            </a:r>
+            <a:r>
+              <a:rPr lang="de-CH" dirty="0" err="1" smtClean="0"/>
+              <a:t>small</a:t>
+            </a:r>
+            <a:r>
+              <a:rPr lang="de-CH" dirty="0" smtClean="0"/>
+              <a:t> </a:t>
+            </a:r>
+            <a:r>
+              <a:rPr lang="de-CH" dirty="0" err="1" smtClean="0"/>
+              <a:t>infected</a:t>
+            </a:r>
+            <a:r>
+              <a:rPr lang="de-CH" dirty="0" smtClean="0"/>
+              <a:t> </a:t>
+            </a:r>
+            <a:r>
+              <a:rPr lang="de-CH" dirty="0" err="1" smtClean="0"/>
+              <a:t>numbers</a:t>
+            </a:r>
+            <a:r>
+              <a:rPr lang="de-CH" dirty="0" smtClean="0"/>
+              <a:t> </a:t>
+            </a:r>
+            <a:r>
+              <a:rPr lang="de-CH" dirty="0" err="1" smtClean="0"/>
+              <a:t>are</a:t>
+            </a:r>
+            <a:r>
+              <a:rPr lang="de-CH" dirty="0" smtClean="0"/>
+              <a:t> </a:t>
+            </a:r>
+            <a:r>
+              <a:rPr lang="de-CH" dirty="0" err="1" smtClean="0"/>
+              <a:t>shown</a:t>
+            </a:r>
+            <a:r>
+              <a:rPr lang="de-CH" dirty="0" smtClean="0"/>
+              <a:t> </a:t>
+            </a:r>
+            <a:r>
+              <a:rPr lang="de-CH" dirty="0" err="1" smtClean="0"/>
+              <a:t>stronger</a:t>
+            </a:r>
+            <a:endParaRPr lang="de-CH" dirty="0" smtClean="0"/>
+          </a:p>
+          <a:p>
+            <a:endParaRPr lang="de-CH" dirty="0"/>
+          </a:p>
+        </p:txBody>
+      </p:sp>
+      <p:pic>
+        <p:nvPicPr>
+          <p:cNvPr id="8" name="Picture 2" descr="Departement of Biosystems Science and Engineering"/>
+          <p:cNvPicPr>
+            <a:picLocks noChangeAspect="1" noChangeArrowheads="1"/>
+          </p:cNvPicPr>
+          <p:nvPr/>
+        </p:nvPicPr>
+        <p:blipFill>
+          <a:blip r:embed="rId2" cstate="print"/>
+          <a:srcRect/>
+          <a:stretch>
+            <a:fillRect/>
+          </a:stretch>
+        </p:blipFill>
+        <p:spPr bwMode="auto">
+          <a:xfrm>
+            <a:off x="7162370" y="152400"/>
+            <a:ext cx="984679" cy="809625"/>
+          </a:xfrm>
+          <a:prstGeom prst="rect">
+            <a:avLst/>
+          </a:prstGeom>
+          <a:noFill/>
+        </p:spPr>
+      </p:pic>
     </p:spTree>
   </p:cSld>
   <p:clrMapOvr>
@@ -5203,6 +5659,32 @@
           </a:p>
         </p:txBody>
       </p:sp>
+      <p:pic>
+        <p:nvPicPr>
+          <p:cNvPr id="7" name="Picture 2" descr="Departement of Biosystems Science and Engineering"/>
+          <p:cNvPicPr>
+            <a:picLocks noChangeAspect="1" noChangeArrowheads="1"/>
+          </p:cNvPicPr>
+          <p:nvPr/>
+        </p:nvPicPr>
+        <p:blipFill>
+          <a:blip r:embed="rId2" cstate="print"/>
+          <a:srcRect/>
+          <a:stretch>
+            <a:fillRect/>
+          </a:stretch>
+        </p:blipFill>
+        <p:spPr bwMode="auto">
+          <a:xfrm>
+            <a:off x="7162370" y="152400"/>
+            <a:ext cx="984679" cy="809625"/>
+          </a:xfrm>
+          <a:prstGeom prst="rect">
+            <a:avLst/>
+          </a:prstGeom>
+          <a:noFill/>
+        </p:spPr>
+      </p:pic>
     </p:spTree>
   </p:cSld>
   <p:clrMapOvr>
@@ -5392,6 +5874,32 @@
           </a:p>
         </p:txBody>
       </p:sp>
+      <p:pic>
+        <p:nvPicPr>
+          <p:cNvPr id="7" name="Picture 2" descr="Departement of Biosystems Science and Engineering"/>
+          <p:cNvPicPr>
+            <a:picLocks noChangeAspect="1" noChangeArrowheads="1"/>
+          </p:cNvPicPr>
+          <p:nvPr/>
+        </p:nvPicPr>
+        <p:blipFill>
+          <a:blip r:embed="rId2" cstate="print"/>
+          <a:srcRect/>
+          <a:stretch>
+            <a:fillRect/>
+          </a:stretch>
+        </p:blipFill>
+        <p:spPr bwMode="auto">
+          <a:xfrm>
+            <a:off x="7162370" y="152400"/>
+            <a:ext cx="984679" cy="809625"/>
+          </a:xfrm>
+          <a:prstGeom prst="rect">
+            <a:avLst/>
+          </a:prstGeom>
+          <a:noFill/>
+        </p:spPr>
+      </p:pic>
     </p:spTree>
   </p:cSld>
   <p:clrMapOvr>
@@ -5963,6 +6471,32 @@
           <a:xfrm>
             <a:off x="1907704" y="2276872"/>
             <a:ext cx="856895" cy="504056"/>
+          </a:xfrm>
+          <a:prstGeom prst="rect">
+            <a:avLst/>
+          </a:prstGeom>
+          <a:noFill/>
+        </p:spPr>
+      </p:pic>
+      <p:pic>
+        <p:nvPicPr>
+          <p:cNvPr id="9" name="Picture 2" descr="Departement of Biosystems Science and Engineering"/>
+          <p:cNvPicPr>
+            <a:picLocks noChangeAspect="1" noChangeArrowheads="1"/>
+          </p:cNvPicPr>
+          <p:nvPr/>
+        </p:nvPicPr>
+        <p:blipFill>
+          <a:blip r:embed="rId3" cstate="print"/>
+          <a:srcRect/>
+          <a:stretch>
+            <a:fillRect/>
+          </a:stretch>
+        </p:blipFill>
+        <p:spPr bwMode="auto">
+          <a:xfrm>
+            <a:off x="7162370" y="152400"/>
+            <a:ext cx="984679" cy="809625"/>
           </a:xfrm>
           <a:prstGeom prst="rect">
             <a:avLst/>
@@ -6342,6 +6876,32 @@
           </a:p>
         </p:txBody>
       </p:sp>
+      <p:pic>
+        <p:nvPicPr>
+          <p:cNvPr id="13" name="Picture 2" descr="Departement of Biosystems Science and Engineering"/>
+          <p:cNvPicPr>
+            <a:picLocks noChangeAspect="1" noChangeArrowheads="1"/>
+          </p:cNvPicPr>
+          <p:nvPr/>
+        </p:nvPicPr>
+        <p:blipFill>
+          <a:blip r:embed="rId4" cstate="print"/>
+          <a:srcRect/>
+          <a:stretch>
+            <a:fillRect/>
+          </a:stretch>
+        </p:blipFill>
+        <p:spPr bwMode="auto">
+          <a:xfrm>
+            <a:off x="7162370" y="152400"/>
+            <a:ext cx="984679" cy="809625"/>
+          </a:xfrm>
+          <a:prstGeom prst="rect">
+            <a:avLst/>
+          </a:prstGeom>
+          <a:noFill/>
+        </p:spPr>
+      </p:pic>
     </p:spTree>
   </p:cSld>
   <p:clrMapOvr>
@@ -6776,6 +7336,32 @@
           </a:graphicData>
         </a:graphic>
       </p:graphicFrame>
+      <p:pic>
+        <p:nvPicPr>
+          <p:cNvPr id="13" name="Picture 2" descr="Departement of Biosystems Science and Engineering"/>
+          <p:cNvPicPr>
+            <a:picLocks noChangeAspect="1" noChangeArrowheads="1"/>
+          </p:cNvPicPr>
+          <p:nvPr/>
+        </p:nvPicPr>
+        <p:blipFill>
+          <a:blip r:embed="rId5" cstate="print"/>
+          <a:srcRect/>
+          <a:stretch>
+            <a:fillRect/>
+          </a:stretch>
+        </p:blipFill>
+        <p:spPr bwMode="auto">
+          <a:xfrm>
+            <a:off x="7162370" y="152400"/>
+            <a:ext cx="984679" cy="809625"/>
+          </a:xfrm>
+          <a:prstGeom prst="rect">
+            <a:avLst/>
+          </a:prstGeom>
+          <a:noFill/>
+        </p:spPr>
+      </p:pic>
     </p:spTree>
   </p:cSld>
   <p:clrMapOvr>
@@ -7144,6 +7730,32 @@
           </a:p>
         </p:txBody>
       </p:sp>
+      <p:pic>
+        <p:nvPicPr>
+          <p:cNvPr id="11" name="Picture 2" descr="Departement of Biosystems Science and Engineering"/>
+          <p:cNvPicPr>
+            <a:picLocks noChangeAspect="1" noChangeArrowheads="1"/>
+          </p:cNvPicPr>
+          <p:nvPr/>
+        </p:nvPicPr>
+        <p:blipFill>
+          <a:blip r:embed="rId5" cstate="print"/>
+          <a:srcRect/>
+          <a:stretch>
+            <a:fillRect/>
+          </a:stretch>
+        </p:blipFill>
+        <p:spPr bwMode="auto">
+          <a:xfrm>
+            <a:off x="7162370" y="152400"/>
+            <a:ext cx="984679" cy="809625"/>
+          </a:xfrm>
+          <a:prstGeom prst="rect">
+            <a:avLst/>
+          </a:prstGeom>
+          <a:noFill/>
+        </p:spPr>
+      </p:pic>
     </p:spTree>
   </p:cSld>
   <p:clrMapOvr>
@@ -7353,6 +7965,32 @@
           </a:p>
         </p:txBody>
       </p:sp>
+      <p:pic>
+        <p:nvPicPr>
+          <p:cNvPr id="7" name="Picture 2" descr="Departement of Biosystems Science and Engineering"/>
+          <p:cNvPicPr>
+            <a:picLocks noChangeAspect="1" noChangeArrowheads="1"/>
+          </p:cNvPicPr>
+          <p:nvPr/>
+        </p:nvPicPr>
+        <p:blipFill>
+          <a:blip r:embed="rId2" cstate="print"/>
+          <a:srcRect/>
+          <a:stretch>
+            <a:fillRect/>
+          </a:stretch>
+        </p:blipFill>
+        <p:spPr bwMode="auto">
+          <a:xfrm>
+            <a:off x="7162370" y="152400"/>
+            <a:ext cx="984679" cy="809625"/>
+          </a:xfrm>
+          <a:prstGeom prst="rect">
+            <a:avLst/>
+          </a:prstGeom>
+          <a:noFill/>
+        </p:spPr>
+      </p:pic>
     </p:spTree>
   </p:cSld>
   <p:clrMapOvr>
@@ -7733,6 +8371,32 @@
           </a:graphicData>
         </a:graphic>
       </p:graphicFrame>
+      <p:pic>
+        <p:nvPicPr>
+          <p:cNvPr id="13" name="Picture 2" descr="Departement of Biosystems Science and Engineering"/>
+          <p:cNvPicPr>
+            <a:picLocks noChangeAspect="1" noChangeArrowheads="1"/>
+          </p:cNvPicPr>
+          <p:nvPr/>
+        </p:nvPicPr>
+        <p:blipFill>
+          <a:blip r:embed="rId6" cstate="print"/>
+          <a:srcRect/>
+          <a:stretch>
+            <a:fillRect/>
+          </a:stretch>
+        </p:blipFill>
+        <p:spPr bwMode="auto">
+          <a:xfrm>
+            <a:off x="7162370" y="152400"/>
+            <a:ext cx="984679" cy="809625"/>
+          </a:xfrm>
+          <a:prstGeom prst="rect">
+            <a:avLst/>
+          </a:prstGeom>
+          <a:noFill/>
+        </p:spPr>
+      </p:pic>
     </p:spTree>
   </p:cSld>
   <p:clrMapOvr>
